--- a/materials/images/GitKit-Text-Soure-Images.pptx
+++ b/materials/images/GitKit-Text-Soure-Images.pptx
@@ -5,7 +5,7 @@
     <p:sldMasterId id="2147484099" r:id="rId1"/>
   </p:sldMasterIdLst>
   <p:notesMasterIdLst>
-    <p:notesMasterId r:id="rId24"/>
+    <p:notesMasterId r:id="rId25"/>
   </p:notesMasterIdLst>
   <p:sldIdLst>
     <p:sldId id="258" r:id="rId2"/>
@@ -28,8 +28,9 @@
     <p:sldId id="270" r:id="rId19"/>
     <p:sldId id="272" r:id="rId20"/>
     <p:sldId id="273" r:id="rId21"/>
-    <p:sldId id="274" r:id="rId22"/>
-    <p:sldId id="275" r:id="rId23"/>
+    <p:sldId id="279" r:id="rId22"/>
+    <p:sldId id="274" r:id="rId23"/>
+    <p:sldId id="275" r:id="rId24"/>
   </p:sldIdLst>
   <p:sldSz cx="12192000" cy="6858000"/>
   <p:notesSz cx="6858000" cy="9144000"/>
@@ -218,7 +219,7 @@
           <a:p>
             <a:fld id="{54450688-851B-C844-9616-D91E312B1884}" type="datetimeFigureOut">
               <a:rPr lang="en-US" smtClean="0"/>
-              <a:t>1/16/2025</a:t>
+              <a:t>1/25/25</a:t>
             </a:fld>
             <a:endParaRPr lang="en-US"/>
           </a:p>
@@ -768,7 +769,7 @@
           <a:p>
             <a:fld id="{7A82D7F2-23D8-094A-BC7F-45020389E464}" type="datetimeFigureOut">
               <a:rPr lang="en-US" smtClean="0"/>
-              <a:t>1/16/2025</a:t>
+              <a:t>1/25/25</a:t>
             </a:fld>
             <a:endParaRPr lang="en-US"/>
           </a:p>
@@ -965,7 +966,7 @@
           <a:p>
             <a:fld id="{7A82D7F2-23D8-094A-BC7F-45020389E464}" type="datetimeFigureOut">
               <a:rPr lang="en-US" smtClean="0"/>
-              <a:t>1/16/2025</a:t>
+              <a:t>1/25/25</a:t>
             </a:fld>
             <a:endParaRPr lang="en-US"/>
           </a:p>
@@ -1239,7 +1240,7 @@
           <a:p>
             <a:fld id="{7A82D7F2-23D8-094A-BC7F-45020389E464}" type="datetimeFigureOut">
               <a:rPr lang="en-US" smtClean="0"/>
-              <a:t>1/16/2025</a:t>
+              <a:t>1/25/25</a:t>
             </a:fld>
             <a:endParaRPr lang="en-US"/>
           </a:p>
@@ -1423,7 +1424,7 @@
           <a:p>
             <a:fld id="{7A82D7F2-23D8-094A-BC7F-45020389E464}" type="datetimeFigureOut">
               <a:rPr lang="en-US" smtClean="0"/>
-              <a:t>1/16/2025</a:t>
+              <a:t>1/25/25</a:t>
             </a:fld>
             <a:endParaRPr lang="en-US"/>
           </a:p>
@@ -1627,7 +1628,7 @@
           <a:p>
             <a:fld id="{7A82D7F2-23D8-094A-BC7F-45020389E464}" type="datetimeFigureOut">
               <a:rPr lang="en-US" smtClean="0"/>
-              <a:t>1/16/2025</a:t>
+              <a:t>1/25/25</a:t>
             </a:fld>
             <a:endParaRPr lang="en-US"/>
           </a:p>
@@ -1874,7 +1875,7 @@
           <a:p>
             <a:fld id="{7A82D7F2-23D8-094A-BC7F-45020389E464}" type="datetimeFigureOut">
               <a:rPr lang="en-US" smtClean="0"/>
-              <a:t>1/16/2025</a:t>
+              <a:t>1/25/25</a:t>
             </a:fld>
             <a:endParaRPr lang="en-US"/>
           </a:p>
@@ -2202,7 +2203,7 @@
           <a:p>
             <a:fld id="{7A82D7F2-23D8-094A-BC7F-45020389E464}" type="datetimeFigureOut">
               <a:rPr lang="en-US" smtClean="0"/>
-              <a:t>1/16/2025</a:t>
+              <a:t>1/25/25</a:t>
             </a:fld>
             <a:endParaRPr lang="en-US"/>
           </a:p>
@@ -2505,7 +2506,7 @@
           <a:p>
             <a:fld id="{7A82D7F2-23D8-094A-BC7F-45020389E464}" type="datetimeFigureOut">
               <a:rPr lang="en-US" smtClean="0"/>
-              <a:t>1/16/2025</a:t>
+              <a:t>1/25/25</a:t>
             </a:fld>
             <a:endParaRPr lang="en-US"/>
           </a:p>
@@ -2966,7 +2967,7 @@
           <a:p>
             <a:fld id="{7A82D7F2-23D8-094A-BC7F-45020389E464}" type="datetimeFigureOut">
               <a:rPr lang="en-US" smtClean="0"/>
-              <a:t>1/16/2025</a:t>
+              <a:t>1/25/25</a:t>
             </a:fld>
             <a:endParaRPr lang="en-US"/>
           </a:p>
@@ -3084,7 +3085,7 @@
           <a:p>
             <a:fld id="{7A82D7F2-23D8-094A-BC7F-45020389E464}" type="datetimeFigureOut">
               <a:rPr lang="en-US" smtClean="0"/>
-              <a:t>1/16/2025</a:t>
+              <a:t>1/25/25</a:t>
             </a:fld>
             <a:endParaRPr lang="en-US"/>
           </a:p>
@@ -3179,7 +3180,7 @@
           <a:p>
             <a:fld id="{7A82D7F2-23D8-094A-BC7F-45020389E464}" type="datetimeFigureOut">
               <a:rPr lang="en-US" smtClean="0"/>
-              <a:t>1/16/2025</a:t>
+              <a:t>1/25/25</a:t>
             </a:fld>
             <a:endParaRPr lang="en-US"/>
           </a:p>
@@ -3466,7 +3467,7 @@
           <a:p>
             <a:fld id="{7A82D7F2-23D8-094A-BC7F-45020389E464}" type="datetimeFigureOut">
               <a:rPr lang="en-US" smtClean="0"/>
-              <a:t>1/16/2025</a:t>
+              <a:t>1/25/25</a:t>
             </a:fld>
             <a:endParaRPr lang="en-US"/>
           </a:p>
@@ -3680,7 +3681,7 @@
           <a:p>
             <a:fld id="{7A82D7F2-23D8-094A-BC7F-45020389E464}" type="datetimeFigureOut">
               <a:rPr lang="en-US" smtClean="0"/>
-              <a:t>1/16/2025</a:t>
+              <a:t>1/25/25</a:t>
             </a:fld>
             <a:endParaRPr lang="en-US"/>
           </a:p>
@@ -25223,12 +25224,2570 @@
           </a:fontRef>
         </p:style>
       </p:cxnSp>
+      <p:sp>
+        <p:nvSpPr>
+          <p:cNvPr id="37" name="Right Arrow 36">
+            <a:extLst>
+              <a:ext uri="{FF2B5EF4-FFF2-40B4-BE49-F238E27FC236}">
+                <a16:creationId xmlns:a16="http://schemas.microsoft.com/office/drawing/2014/main" id="{DB27D89B-5682-4E88-6941-E6A56C20C156}"/>
+              </a:ext>
+            </a:extLst>
+          </p:cNvPr>
+          <p:cNvSpPr/>
+          <p:nvPr/>
+        </p:nvSpPr>
+        <p:spPr>
+          <a:xfrm rot="940990" flipH="1">
+            <a:off x="7346873" y="2570232"/>
+            <a:ext cx="1766804" cy="1407882"/>
+          </a:xfrm>
+          <a:prstGeom prst="rightArrow">
+            <a:avLst/>
+          </a:prstGeom>
+        </p:spPr>
+        <p:style>
+          <a:lnRef idx="3">
+            <a:schemeClr val="lt1"/>
+          </a:lnRef>
+          <a:fillRef idx="1">
+            <a:schemeClr val="accent1"/>
+          </a:fillRef>
+          <a:effectRef idx="1">
+            <a:schemeClr val="accent1"/>
+          </a:effectRef>
+          <a:fontRef idx="minor">
+            <a:schemeClr val="lt1"/>
+          </a:fontRef>
+        </p:style>
+        <p:txBody>
+          <a:bodyPr rtlCol="0" anchor="ctr"/>
+          <a:lstStyle/>
+          <a:p>
+            <a:pPr algn="ctr"/>
+            <a:r>
+              <a:rPr lang="en-US" sz="1600" b="1" dirty="0">
+                <a:solidFill>
+                  <a:srgbClr val="FFFF00"/>
+                </a:solidFill>
+              </a:rPr>
+              <a:t>Pull Request</a:t>
+            </a:r>
+          </a:p>
+        </p:txBody>
+      </p:sp>
+      <p:sp>
+        <p:nvSpPr>
+          <p:cNvPr id="38" name="Can 37">
+            <a:extLst>
+              <a:ext uri="{FF2B5EF4-FFF2-40B4-BE49-F238E27FC236}">
+                <a16:creationId xmlns:a16="http://schemas.microsoft.com/office/drawing/2014/main" id="{D5FCED7C-A4A1-32C0-9E1B-CFC169DFC4B5}"/>
+              </a:ext>
+            </a:extLst>
+          </p:cNvPr>
+          <p:cNvSpPr/>
+          <p:nvPr/>
+        </p:nvSpPr>
+        <p:spPr>
+          <a:xfrm>
+            <a:off x="9023566" y="2557967"/>
+            <a:ext cx="1426477" cy="1463980"/>
+          </a:xfrm>
+          <a:prstGeom prst="can">
+            <a:avLst/>
+          </a:prstGeom>
+        </p:spPr>
+        <p:style>
+          <a:lnRef idx="2">
+            <a:schemeClr val="accent1">
+              <a:shade val="50000"/>
+            </a:schemeClr>
+          </a:lnRef>
+          <a:fillRef idx="1">
+            <a:schemeClr val="accent1"/>
+          </a:fillRef>
+          <a:effectRef idx="0">
+            <a:schemeClr val="accent1"/>
+          </a:effectRef>
+          <a:fontRef idx="minor">
+            <a:schemeClr val="lt1"/>
+          </a:fontRef>
+        </p:style>
+        <p:txBody>
+          <a:bodyPr rtlCol="0" anchor="ctr"/>
+          <a:lstStyle/>
+          <a:p>
+            <a:pPr algn="ctr"/>
+            <a:r>
+              <a:rPr lang="en-US" sz="2000" dirty="0"/>
+              <a:t>origin</a:t>
+            </a:r>
+          </a:p>
+          <a:p>
+            <a:pPr algn="ctr"/>
+            <a:endParaRPr lang="en-US" sz="2000" i="1" dirty="0"/>
+          </a:p>
+          <a:p>
+            <a:pPr algn="ctr"/>
+            <a:endParaRPr lang="en-US" sz="2000" i="1" dirty="0"/>
+          </a:p>
+        </p:txBody>
+      </p:sp>
+      <p:cxnSp>
+        <p:nvCxnSpPr>
+          <p:cNvPr id="48" name="Curved Connector 47">
+            <a:extLst>
+              <a:ext uri="{FF2B5EF4-FFF2-40B4-BE49-F238E27FC236}">
+                <a16:creationId xmlns:a16="http://schemas.microsoft.com/office/drawing/2014/main" id="{043D2CCF-3DA5-FFD5-210D-89594197A9B0}"/>
+              </a:ext>
+            </a:extLst>
+          </p:cNvPr>
+          <p:cNvCxnSpPr>
+            <a:cxnSpLocks/>
+          </p:cNvCxnSpPr>
+          <p:nvPr/>
+        </p:nvCxnSpPr>
+        <p:spPr>
+          <a:xfrm rot="10800000">
+            <a:off x="7332278" y="2542317"/>
+            <a:ext cx="2353196" cy="199066"/>
+          </a:xfrm>
+          <a:prstGeom prst="curvedConnector3">
+            <a:avLst>
+              <a:gd name="adj1" fmla="val 50000"/>
+            </a:avLst>
+          </a:prstGeom>
+          <a:ln w="63500">
+            <a:solidFill>
+              <a:schemeClr val="accent4"/>
+            </a:solidFill>
+            <a:prstDash val="sysDot"/>
+            <a:tailEnd type="triangle"/>
+          </a:ln>
+        </p:spPr>
+        <p:style>
+          <a:lnRef idx="2">
+            <a:schemeClr val="accent1"/>
+          </a:lnRef>
+          <a:fillRef idx="0">
+            <a:schemeClr val="accent1"/>
+          </a:fillRef>
+          <a:effectRef idx="1">
+            <a:schemeClr val="accent1"/>
+          </a:effectRef>
+          <a:fontRef idx="minor">
+            <a:schemeClr val="tx1"/>
+          </a:fontRef>
+        </p:style>
+      </p:cxnSp>
+      <p:sp>
+        <p:nvSpPr>
+          <p:cNvPr id="49" name="Right Arrow 48">
+            <a:extLst>
+              <a:ext uri="{FF2B5EF4-FFF2-40B4-BE49-F238E27FC236}">
+                <a16:creationId xmlns:a16="http://schemas.microsoft.com/office/drawing/2014/main" id="{23F60CD0-BF6C-8B09-FA9F-B0D63230F907}"/>
+              </a:ext>
+            </a:extLst>
+          </p:cNvPr>
+          <p:cNvSpPr/>
+          <p:nvPr/>
+        </p:nvSpPr>
+        <p:spPr>
+          <a:xfrm>
+            <a:off x="4678705" y="2052494"/>
+            <a:ext cx="1394208" cy="1407882"/>
+          </a:xfrm>
+          <a:prstGeom prst="rightArrow">
+            <a:avLst/>
+          </a:prstGeom>
+          <a:solidFill>
+            <a:schemeClr val="accent1"/>
+          </a:solidFill>
+        </p:spPr>
+        <p:style>
+          <a:lnRef idx="3">
+            <a:schemeClr val="lt1"/>
+          </a:lnRef>
+          <a:fillRef idx="1">
+            <a:schemeClr val="accent1"/>
+          </a:fillRef>
+          <a:effectRef idx="1">
+            <a:schemeClr val="accent1"/>
+          </a:effectRef>
+          <a:fontRef idx="minor">
+            <a:schemeClr val="lt1"/>
+          </a:fontRef>
+        </p:style>
+        <p:txBody>
+          <a:bodyPr rtlCol="0" anchor="ctr"/>
+          <a:lstStyle/>
+          <a:p>
+            <a:pPr algn="ctr"/>
+            <a:r>
+              <a:rPr lang="en-US" sz="1600" b="1" dirty="0">
+                <a:solidFill>
+                  <a:srgbClr val="FFFF00"/>
+                </a:solidFill>
+              </a:rPr>
+              <a:t>Pull Request</a:t>
+            </a:r>
+          </a:p>
+        </p:txBody>
+      </p:sp>
+      <p:sp>
+        <p:nvSpPr>
+          <p:cNvPr id="50" name="Right Arrow 49">
+            <a:extLst>
+              <a:ext uri="{FF2B5EF4-FFF2-40B4-BE49-F238E27FC236}">
+                <a16:creationId xmlns:a16="http://schemas.microsoft.com/office/drawing/2014/main" id="{F012F65C-BD3D-593E-0FCB-5432680D3B87}"/>
+              </a:ext>
+            </a:extLst>
+          </p:cNvPr>
+          <p:cNvSpPr/>
+          <p:nvPr/>
+        </p:nvSpPr>
+        <p:spPr>
+          <a:xfrm rot="709870">
+            <a:off x="4633447" y="5513493"/>
+            <a:ext cx="1076699" cy="486914"/>
+          </a:xfrm>
+          <a:prstGeom prst="rightArrow">
+            <a:avLst/>
+          </a:prstGeom>
+        </p:spPr>
+        <p:style>
+          <a:lnRef idx="1">
+            <a:schemeClr val="accent1"/>
+          </a:lnRef>
+          <a:fillRef idx="3">
+            <a:schemeClr val="accent1"/>
+          </a:fillRef>
+          <a:effectRef idx="2">
+            <a:schemeClr val="accent1"/>
+          </a:effectRef>
+          <a:fontRef idx="minor">
+            <a:schemeClr val="lt1"/>
+          </a:fontRef>
+        </p:style>
+        <p:txBody>
+          <a:bodyPr rtlCol="0" anchor="ctr"/>
+          <a:lstStyle/>
+          <a:p>
+            <a:pPr algn="ctr"/>
+            <a:endParaRPr lang="en-US" sz="2000" b="1" dirty="0">
+              <a:solidFill>
+                <a:srgbClr val="FFFF00"/>
+              </a:solidFill>
+            </a:endParaRPr>
+          </a:p>
+        </p:txBody>
+      </p:sp>
+      <p:cxnSp>
+        <p:nvCxnSpPr>
+          <p:cNvPr id="51" name="Straight Connector 50">
+            <a:extLst>
+              <a:ext uri="{FF2B5EF4-FFF2-40B4-BE49-F238E27FC236}">
+                <a16:creationId xmlns:a16="http://schemas.microsoft.com/office/drawing/2014/main" id="{397D7BAC-63B2-A357-698E-42AEED37C6A1}"/>
+              </a:ext>
+            </a:extLst>
+          </p:cNvPr>
+          <p:cNvCxnSpPr>
+            <a:cxnSpLocks/>
+          </p:cNvCxnSpPr>
+          <p:nvPr/>
+        </p:nvCxnSpPr>
+        <p:spPr>
+          <a:xfrm flipV="1">
+            <a:off x="9416695" y="1139380"/>
+            <a:ext cx="105890" cy="3288"/>
+          </a:xfrm>
+          <a:prstGeom prst="line">
+            <a:avLst/>
+          </a:prstGeom>
+          <a:ln>
+            <a:solidFill>
+              <a:schemeClr val="tx1"/>
+            </a:solidFill>
+          </a:ln>
+        </p:spPr>
+        <p:style>
+          <a:lnRef idx="3">
+            <a:schemeClr val="accent5"/>
+          </a:lnRef>
+          <a:fillRef idx="0">
+            <a:schemeClr val="accent5"/>
+          </a:fillRef>
+          <a:effectRef idx="2">
+            <a:schemeClr val="accent5"/>
+          </a:effectRef>
+          <a:fontRef idx="minor">
+            <a:schemeClr val="tx1"/>
+          </a:fontRef>
+        </p:style>
+      </p:cxnSp>
+      <p:sp>
+        <p:nvSpPr>
+          <p:cNvPr id="52" name="Oval 51">
+            <a:extLst>
+              <a:ext uri="{FF2B5EF4-FFF2-40B4-BE49-F238E27FC236}">
+                <a16:creationId xmlns:a16="http://schemas.microsoft.com/office/drawing/2014/main" id="{52A92593-B65A-6E32-D6A2-8571E29F7F65}"/>
+              </a:ext>
+            </a:extLst>
+          </p:cNvPr>
+          <p:cNvSpPr/>
+          <p:nvPr/>
+        </p:nvSpPr>
+        <p:spPr>
+          <a:xfrm>
+            <a:off x="9764288" y="1359577"/>
+            <a:ext cx="140086" cy="140086"/>
+          </a:xfrm>
+          <a:prstGeom prst="ellipse">
+            <a:avLst/>
+          </a:prstGeom>
+          <a:solidFill>
+            <a:srgbClr val="0070C0"/>
+          </a:solidFill>
+          <a:ln w="19050">
+            <a:solidFill>
+              <a:schemeClr val="tx1"/>
+            </a:solidFill>
+          </a:ln>
+        </p:spPr>
+        <p:style>
+          <a:lnRef idx="2">
+            <a:schemeClr val="accent5">
+              <a:shade val="50000"/>
+            </a:schemeClr>
+          </a:lnRef>
+          <a:fillRef idx="1">
+            <a:schemeClr val="accent5"/>
+          </a:fillRef>
+          <a:effectRef idx="0">
+            <a:schemeClr val="accent5"/>
+          </a:effectRef>
+          <a:fontRef idx="minor">
+            <a:schemeClr val="lt1"/>
+          </a:fontRef>
+        </p:style>
+        <p:txBody>
+          <a:bodyPr rtlCol="0" anchor="ctr"/>
+          <a:lstStyle/>
+          <a:p>
+            <a:pPr algn="ctr"/>
+            <a:endParaRPr lang="en-US"/>
+          </a:p>
+        </p:txBody>
+      </p:sp>
+      <p:cxnSp>
+        <p:nvCxnSpPr>
+          <p:cNvPr id="53" name="Straight Connector 52">
+            <a:extLst>
+              <a:ext uri="{FF2B5EF4-FFF2-40B4-BE49-F238E27FC236}">
+                <a16:creationId xmlns:a16="http://schemas.microsoft.com/office/drawing/2014/main" id="{EB793F1E-14BE-A8D9-E5FE-E4C57C22884F}"/>
+              </a:ext>
+            </a:extLst>
+          </p:cNvPr>
+          <p:cNvCxnSpPr>
+            <a:cxnSpLocks/>
+          </p:cNvCxnSpPr>
+          <p:nvPr/>
+        </p:nvCxnSpPr>
+        <p:spPr>
+          <a:xfrm>
+            <a:off x="9086495" y="1130226"/>
+            <a:ext cx="270692" cy="0"/>
+          </a:xfrm>
+          <a:prstGeom prst="line">
+            <a:avLst/>
+          </a:prstGeom>
+          <a:ln>
+            <a:solidFill>
+              <a:schemeClr val="tx1"/>
+            </a:solidFill>
+            <a:prstDash val="sysDot"/>
+          </a:ln>
+        </p:spPr>
+        <p:style>
+          <a:lnRef idx="3">
+            <a:schemeClr val="accent5"/>
+          </a:lnRef>
+          <a:fillRef idx="0">
+            <a:schemeClr val="accent5"/>
+          </a:fillRef>
+          <a:effectRef idx="2">
+            <a:schemeClr val="accent5"/>
+          </a:effectRef>
+          <a:fontRef idx="minor">
+            <a:schemeClr val="tx1"/>
+          </a:fontRef>
+        </p:style>
+      </p:cxnSp>
+      <p:sp>
+        <p:nvSpPr>
+          <p:cNvPr id="54" name="Oval 53">
+            <a:extLst>
+              <a:ext uri="{FF2B5EF4-FFF2-40B4-BE49-F238E27FC236}">
+                <a16:creationId xmlns:a16="http://schemas.microsoft.com/office/drawing/2014/main" id="{03E325D3-412B-5D8A-F289-08EC24586F57}"/>
+              </a:ext>
+            </a:extLst>
+          </p:cNvPr>
+          <p:cNvSpPr/>
+          <p:nvPr/>
+        </p:nvSpPr>
+        <p:spPr>
+          <a:xfrm>
+            <a:off x="9303744" y="1069797"/>
+            <a:ext cx="140086" cy="140086"/>
+          </a:xfrm>
+          <a:prstGeom prst="ellipse">
+            <a:avLst/>
+          </a:prstGeom>
+          <a:solidFill>
+            <a:srgbClr val="FF6EFD"/>
+          </a:solidFill>
+          <a:ln>
+            <a:solidFill>
+              <a:schemeClr val="tx1"/>
+            </a:solidFill>
+          </a:ln>
+        </p:spPr>
+        <p:style>
+          <a:lnRef idx="2">
+            <a:schemeClr val="accent5">
+              <a:shade val="50000"/>
+            </a:schemeClr>
+          </a:lnRef>
+          <a:fillRef idx="1">
+            <a:schemeClr val="accent5"/>
+          </a:fillRef>
+          <a:effectRef idx="0">
+            <a:schemeClr val="accent5"/>
+          </a:effectRef>
+          <a:fontRef idx="minor">
+            <a:schemeClr val="lt1"/>
+          </a:fontRef>
+        </p:style>
+        <p:txBody>
+          <a:bodyPr rtlCol="0" anchor="ctr"/>
+          <a:lstStyle/>
+          <a:p>
+            <a:pPr algn="ctr"/>
+            <a:endParaRPr lang="en-US"/>
+          </a:p>
+        </p:txBody>
+      </p:sp>
+      <p:sp>
+        <p:nvSpPr>
+          <p:cNvPr id="55" name="Oval 54">
+            <a:extLst>
+              <a:ext uri="{FF2B5EF4-FFF2-40B4-BE49-F238E27FC236}">
+                <a16:creationId xmlns:a16="http://schemas.microsoft.com/office/drawing/2014/main" id="{F4FDB09B-AF74-7365-6622-6E099839287A}"/>
+              </a:ext>
+            </a:extLst>
+          </p:cNvPr>
+          <p:cNvSpPr/>
+          <p:nvPr/>
+        </p:nvSpPr>
+        <p:spPr>
+          <a:xfrm>
+            <a:off x="9523573" y="1063884"/>
+            <a:ext cx="140086" cy="140086"/>
+          </a:xfrm>
+          <a:prstGeom prst="ellipse">
+            <a:avLst/>
+          </a:prstGeom>
+          <a:solidFill>
+            <a:srgbClr val="00B0F0"/>
+          </a:solidFill>
+          <a:ln w="31750">
+            <a:solidFill>
+              <a:schemeClr val="bg1"/>
+            </a:solidFill>
+          </a:ln>
+        </p:spPr>
+        <p:style>
+          <a:lnRef idx="2">
+            <a:schemeClr val="accent5">
+              <a:shade val="50000"/>
+            </a:schemeClr>
+          </a:lnRef>
+          <a:fillRef idx="1">
+            <a:schemeClr val="accent5"/>
+          </a:fillRef>
+          <a:effectRef idx="0">
+            <a:schemeClr val="accent5"/>
+          </a:effectRef>
+          <a:fontRef idx="minor">
+            <a:schemeClr val="lt1"/>
+          </a:fontRef>
+        </p:style>
+        <p:txBody>
+          <a:bodyPr rtlCol="0" anchor="ctr"/>
+          <a:lstStyle/>
+          <a:p>
+            <a:pPr algn="ctr"/>
+            <a:endParaRPr lang="en-US"/>
+          </a:p>
+        </p:txBody>
+      </p:sp>
+      <p:sp>
+        <p:nvSpPr>
+          <p:cNvPr id="56" name="Oval 55">
+            <a:extLst>
+              <a:ext uri="{FF2B5EF4-FFF2-40B4-BE49-F238E27FC236}">
+                <a16:creationId xmlns:a16="http://schemas.microsoft.com/office/drawing/2014/main" id="{1E6BD34F-0ACF-F680-6404-FCF724558374}"/>
+              </a:ext>
+            </a:extLst>
+          </p:cNvPr>
+          <p:cNvSpPr/>
+          <p:nvPr/>
+        </p:nvSpPr>
+        <p:spPr>
+          <a:xfrm>
+            <a:off x="6085688" y="2560299"/>
+            <a:ext cx="140086" cy="140086"/>
+          </a:xfrm>
+          <a:prstGeom prst="ellipse">
+            <a:avLst/>
+          </a:prstGeom>
+          <a:solidFill>
+            <a:srgbClr val="FF0000"/>
+          </a:solidFill>
+          <a:ln>
+            <a:solidFill>
+              <a:schemeClr val="tx1"/>
+            </a:solidFill>
+          </a:ln>
+        </p:spPr>
+        <p:style>
+          <a:lnRef idx="2">
+            <a:schemeClr val="accent5">
+              <a:shade val="50000"/>
+            </a:schemeClr>
+          </a:lnRef>
+          <a:fillRef idx="1">
+            <a:schemeClr val="accent5"/>
+          </a:fillRef>
+          <a:effectRef idx="0">
+            <a:schemeClr val="accent5"/>
+          </a:effectRef>
+          <a:fontRef idx="minor">
+            <a:schemeClr val="lt1"/>
+          </a:fontRef>
+        </p:style>
+        <p:txBody>
+          <a:bodyPr rtlCol="0" anchor="ctr"/>
+          <a:lstStyle/>
+          <a:p>
+            <a:pPr algn="ctr"/>
+            <a:endParaRPr lang="en-US"/>
+          </a:p>
+        </p:txBody>
+      </p:sp>
+      <p:cxnSp>
+        <p:nvCxnSpPr>
+          <p:cNvPr id="57" name="Straight Connector 56">
+            <a:extLst>
+              <a:ext uri="{FF2B5EF4-FFF2-40B4-BE49-F238E27FC236}">
+                <a16:creationId xmlns:a16="http://schemas.microsoft.com/office/drawing/2014/main" id="{33BC3C00-FACE-BA00-1200-32B925B1EFD7}"/>
+              </a:ext>
+            </a:extLst>
+          </p:cNvPr>
+          <p:cNvCxnSpPr>
+            <a:cxnSpLocks/>
+            <a:stCxn id="56" idx="6"/>
+            <a:endCxn id="58" idx="2"/>
+          </p:cNvCxnSpPr>
+          <p:nvPr/>
+        </p:nvCxnSpPr>
+        <p:spPr>
+          <a:xfrm flipV="1">
+            <a:off x="6225774" y="2627054"/>
+            <a:ext cx="75410" cy="3288"/>
+          </a:xfrm>
+          <a:prstGeom prst="line">
+            <a:avLst/>
+          </a:prstGeom>
+          <a:ln>
+            <a:solidFill>
+              <a:schemeClr val="tx1"/>
+            </a:solidFill>
+          </a:ln>
+        </p:spPr>
+        <p:style>
+          <a:lnRef idx="3">
+            <a:schemeClr val="accent5"/>
+          </a:lnRef>
+          <a:fillRef idx="0">
+            <a:schemeClr val="accent5"/>
+          </a:fillRef>
+          <a:effectRef idx="2">
+            <a:schemeClr val="accent5"/>
+          </a:effectRef>
+          <a:fontRef idx="minor">
+            <a:schemeClr val="tx1"/>
+          </a:fontRef>
+        </p:style>
+      </p:cxnSp>
+      <p:sp>
+        <p:nvSpPr>
+          <p:cNvPr id="58" name="Oval 57">
+            <a:extLst>
+              <a:ext uri="{FF2B5EF4-FFF2-40B4-BE49-F238E27FC236}">
+                <a16:creationId xmlns:a16="http://schemas.microsoft.com/office/drawing/2014/main" id="{DB59DD04-186A-EECD-6732-167BD8785862}"/>
+              </a:ext>
+            </a:extLst>
+          </p:cNvPr>
+          <p:cNvSpPr/>
+          <p:nvPr/>
+        </p:nvSpPr>
+        <p:spPr>
+          <a:xfrm>
+            <a:off x="6301184" y="2557011"/>
+            <a:ext cx="140086" cy="140086"/>
+          </a:xfrm>
+          <a:prstGeom prst="ellipse">
+            <a:avLst/>
+          </a:prstGeom>
+          <a:solidFill>
+            <a:srgbClr val="FFFF00"/>
+          </a:solidFill>
+          <a:ln>
+            <a:solidFill>
+              <a:schemeClr val="tx1"/>
+            </a:solidFill>
+          </a:ln>
+        </p:spPr>
+        <p:style>
+          <a:lnRef idx="2">
+            <a:schemeClr val="accent5">
+              <a:shade val="50000"/>
+            </a:schemeClr>
+          </a:lnRef>
+          <a:fillRef idx="1">
+            <a:schemeClr val="accent5"/>
+          </a:fillRef>
+          <a:effectRef idx="0">
+            <a:schemeClr val="accent5"/>
+          </a:effectRef>
+          <a:fontRef idx="minor">
+            <a:schemeClr val="lt1"/>
+          </a:fontRef>
+        </p:style>
+        <p:txBody>
+          <a:bodyPr rtlCol="0" anchor="ctr"/>
+          <a:lstStyle/>
+          <a:p>
+            <a:pPr algn="ctr"/>
+            <a:endParaRPr lang="en-US"/>
+          </a:p>
+        </p:txBody>
+      </p:sp>
+      <p:cxnSp>
+        <p:nvCxnSpPr>
+          <p:cNvPr id="59" name="Straight Connector 58">
+            <a:extLst>
+              <a:ext uri="{FF2B5EF4-FFF2-40B4-BE49-F238E27FC236}">
+                <a16:creationId xmlns:a16="http://schemas.microsoft.com/office/drawing/2014/main" id="{1EE68350-71CA-A391-0E98-B8ED963E9A02}"/>
+              </a:ext>
+            </a:extLst>
+          </p:cNvPr>
+          <p:cNvCxnSpPr>
+            <a:cxnSpLocks/>
+          </p:cNvCxnSpPr>
+          <p:nvPr/>
+        </p:nvCxnSpPr>
+        <p:spPr>
+          <a:xfrm flipV="1">
+            <a:off x="6771470" y="2630727"/>
+            <a:ext cx="105890" cy="3288"/>
+          </a:xfrm>
+          <a:prstGeom prst="line">
+            <a:avLst/>
+          </a:prstGeom>
+          <a:ln>
+            <a:solidFill>
+              <a:schemeClr val="tx1"/>
+            </a:solidFill>
+          </a:ln>
+        </p:spPr>
+        <p:style>
+          <a:lnRef idx="3">
+            <a:schemeClr val="accent5"/>
+          </a:lnRef>
+          <a:fillRef idx="0">
+            <a:schemeClr val="accent5"/>
+          </a:fillRef>
+          <a:effectRef idx="2">
+            <a:schemeClr val="accent5"/>
+          </a:effectRef>
+          <a:fontRef idx="minor">
+            <a:schemeClr val="tx1"/>
+          </a:fontRef>
+        </p:style>
+      </p:cxnSp>
+      <p:sp>
+        <p:nvSpPr>
+          <p:cNvPr id="60" name="Oval 59">
+            <a:extLst>
+              <a:ext uri="{FF2B5EF4-FFF2-40B4-BE49-F238E27FC236}">
+                <a16:creationId xmlns:a16="http://schemas.microsoft.com/office/drawing/2014/main" id="{93246C4D-47A2-4896-62A3-9994AED2FFA6}"/>
+              </a:ext>
+            </a:extLst>
+          </p:cNvPr>
+          <p:cNvSpPr/>
+          <p:nvPr/>
+        </p:nvSpPr>
+        <p:spPr>
+          <a:xfrm>
+            <a:off x="7097291" y="2567896"/>
+            <a:ext cx="140086" cy="140086"/>
+          </a:xfrm>
+          <a:prstGeom prst="ellipse">
+            <a:avLst/>
+          </a:prstGeom>
+          <a:solidFill>
+            <a:srgbClr val="0070C0"/>
+          </a:solidFill>
+          <a:ln w="19050">
+            <a:solidFill>
+              <a:schemeClr val="tx1"/>
+            </a:solidFill>
+          </a:ln>
+        </p:spPr>
+        <p:style>
+          <a:lnRef idx="2">
+            <a:schemeClr val="accent5">
+              <a:shade val="50000"/>
+            </a:schemeClr>
+          </a:lnRef>
+          <a:fillRef idx="1">
+            <a:schemeClr val="accent5"/>
+          </a:fillRef>
+          <a:effectRef idx="0">
+            <a:schemeClr val="accent5"/>
+          </a:effectRef>
+          <a:fontRef idx="minor">
+            <a:schemeClr val="lt1"/>
+          </a:fontRef>
+        </p:style>
+        <p:txBody>
+          <a:bodyPr rtlCol="0" anchor="ctr"/>
+          <a:lstStyle/>
+          <a:p>
+            <a:pPr algn="ctr"/>
+            <a:endParaRPr lang="en-US"/>
+          </a:p>
+        </p:txBody>
+      </p:sp>
+      <p:cxnSp>
+        <p:nvCxnSpPr>
+          <p:cNvPr id="61" name="Straight Connector 60">
+            <a:extLst>
+              <a:ext uri="{FF2B5EF4-FFF2-40B4-BE49-F238E27FC236}">
+                <a16:creationId xmlns:a16="http://schemas.microsoft.com/office/drawing/2014/main" id="{4B468B20-24AE-7151-59E9-E6A5DB107193}"/>
+              </a:ext>
+            </a:extLst>
+          </p:cNvPr>
+          <p:cNvCxnSpPr>
+            <a:cxnSpLocks/>
+          </p:cNvCxnSpPr>
+          <p:nvPr/>
+        </p:nvCxnSpPr>
+        <p:spPr>
+          <a:xfrm flipV="1">
+            <a:off x="7010958" y="2619837"/>
+            <a:ext cx="105890" cy="3288"/>
+          </a:xfrm>
+          <a:prstGeom prst="line">
+            <a:avLst/>
+          </a:prstGeom>
+          <a:ln>
+            <a:solidFill>
+              <a:schemeClr val="tx1"/>
+            </a:solidFill>
+          </a:ln>
+        </p:spPr>
+        <p:style>
+          <a:lnRef idx="3">
+            <a:schemeClr val="accent5"/>
+          </a:lnRef>
+          <a:fillRef idx="0">
+            <a:schemeClr val="accent5"/>
+          </a:fillRef>
+          <a:effectRef idx="2">
+            <a:schemeClr val="accent5"/>
+          </a:effectRef>
+          <a:fontRef idx="minor">
+            <a:schemeClr val="tx1"/>
+          </a:fontRef>
+        </p:style>
+      </p:cxnSp>
+      <p:cxnSp>
+        <p:nvCxnSpPr>
+          <p:cNvPr id="62" name="Straight Connector 61">
+            <a:extLst>
+              <a:ext uri="{FF2B5EF4-FFF2-40B4-BE49-F238E27FC236}">
+                <a16:creationId xmlns:a16="http://schemas.microsoft.com/office/drawing/2014/main" id="{33A1AE5D-F48B-AE22-8547-648CED2332BB}"/>
+              </a:ext>
+            </a:extLst>
+          </p:cNvPr>
+          <p:cNvCxnSpPr>
+            <a:cxnSpLocks/>
+          </p:cNvCxnSpPr>
+          <p:nvPr/>
+        </p:nvCxnSpPr>
+        <p:spPr>
+          <a:xfrm>
+            <a:off x="6441270" y="2621573"/>
+            <a:ext cx="270692" cy="0"/>
+          </a:xfrm>
+          <a:prstGeom prst="line">
+            <a:avLst/>
+          </a:prstGeom>
+          <a:ln>
+            <a:solidFill>
+              <a:schemeClr val="tx1"/>
+            </a:solidFill>
+            <a:prstDash val="sysDot"/>
+          </a:ln>
+        </p:spPr>
+        <p:style>
+          <a:lnRef idx="3">
+            <a:schemeClr val="accent5"/>
+          </a:lnRef>
+          <a:fillRef idx="0">
+            <a:schemeClr val="accent5"/>
+          </a:fillRef>
+          <a:effectRef idx="2">
+            <a:schemeClr val="accent5"/>
+          </a:effectRef>
+          <a:fontRef idx="minor">
+            <a:schemeClr val="tx1"/>
+          </a:fontRef>
+        </p:style>
+      </p:cxnSp>
+      <p:sp>
+        <p:nvSpPr>
+          <p:cNvPr id="63" name="Oval 62">
+            <a:extLst>
+              <a:ext uri="{FF2B5EF4-FFF2-40B4-BE49-F238E27FC236}">
+                <a16:creationId xmlns:a16="http://schemas.microsoft.com/office/drawing/2014/main" id="{B03BD494-5843-BC69-C7E5-5F83B17076EC}"/>
+              </a:ext>
+            </a:extLst>
+          </p:cNvPr>
+          <p:cNvSpPr/>
+          <p:nvPr/>
+        </p:nvSpPr>
+        <p:spPr>
+          <a:xfrm>
+            <a:off x="6658519" y="2561144"/>
+            <a:ext cx="140086" cy="140086"/>
+          </a:xfrm>
+          <a:prstGeom prst="ellipse">
+            <a:avLst/>
+          </a:prstGeom>
+          <a:solidFill>
+            <a:srgbClr val="FF6EFD"/>
+          </a:solidFill>
+          <a:ln>
+            <a:solidFill>
+              <a:schemeClr val="tx1"/>
+            </a:solidFill>
+          </a:ln>
+        </p:spPr>
+        <p:style>
+          <a:lnRef idx="2">
+            <a:schemeClr val="accent5">
+              <a:shade val="50000"/>
+            </a:schemeClr>
+          </a:lnRef>
+          <a:fillRef idx="1">
+            <a:schemeClr val="accent5"/>
+          </a:fillRef>
+          <a:effectRef idx="0">
+            <a:schemeClr val="accent5"/>
+          </a:effectRef>
+          <a:fontRef idx="minor">
+            <a:schemeClr val="lt1"/>
+          </a:fontRef>
+        </p:style>
+        <p:txBody>
+          <a:bodyPr rtlCol="0" anchor="ctr"/>
+          <a:lstStyle/>
+          <a:p>
+            <a:pPr algn="ctr"/>
+            <a:endParaRPr lang="en-US"/>
+          </a:p>
+        </p:txBody>
+      </p:sp>
+      <p:sp>
+        <p:nvSpPr>
+          <p:cNvPr id="64" name="Oval 63">
+            <a:extLst>
+              <a:ext uri="{FF2B5EF4-FFF2-40B4-BE49-F238E27FC236}">
+                <a16:creationId xmlns:a16="http://schemas.microsoft.com/office/drawing/2014/main" id="{47265B3C-271E-D963-EDAC-D421F79482E7}"/>
+              </a:ext>
+            </a:extLst>
+          </p:cNvPr>
+          <p:cNvSpPr/>
+          <p:nvPr/>
+        </p:nvSpPr>
+        <p:spPr>
+          <a:xfrm>
+            <a:off x="6878348" y="2555231"/>
+            <a:ext cx="140086" cy="140086"/>
+          </a:xfrm>
+          <a:prstGeom prst="ellipse">
+            <a:avLst/>
+          </a:prstGeom>
+          <a:solidFill>
+            <a:srgbClr val="00B0F0"/>
+          </a:solidFill>
+          <a:ln w="31750">
+            <a:solidFill>
+              <a:schemeClr val="bg1"/>
+            </a:solidFill>
+          </a:ln>
+        </p:spPr>
+        <p:style>
+          <a:lnRef idx="2">
+            <a:schemeClr val="accent5">
+              <a:shade val="50000"/>
+            </a:schemeClr>
+          </a:lnRef>
+          <a:fillRef idx="1">
+            <a:schemeClr val="accent5"/>
+          </a:fillRef>
+          <a:effectRef idx="0">
+            <a:schemeClr val="accent5"/>
+          </a:effectRef>
+          <a:fontRef idx="minor">
+            <a:schemeClr val="lt1"/>
+          </a:fontRef>
+        </p:style>
+        <p:txBody>
+          <a:bodyPr rtlCol="0" anchor="ctr"/>
+          <a:lstStyle/>
+          <a:p>
+            <a:pPr algn="ctr"/>
+            <a:endParaRPr lang="en-US"/>
+          </a:p>
+        </p:txBody>
+      </p:sp>
+      <p:sp>
+        <p:nvSpPr>
+          <p:cNvPr id="65" name="Oval 64">
+            <a:extLst>
+              <a:ext uri="{FF2B5EF4-FFF2-40B4-BE49-F238E27FC236}">
+                <a16:creationId xmlns:a16="http://schemas.microsoft.com/office/drawing/2014/main" id="{BF378A1A-F054-D5BE-81C2-0C078D4191B3}"/>
+              </a:ext>
+            </a:extLst>
+          </p:cNvPr>
+          <p:cNvSpPr/>
+          <p:nvPr/>
+        </p:nvSpPr>
+        <p:spPr>
+          <a:xfrm>
+            <a:off x="3353376" y="5281721"/>
+            <a:ext cx="140086" cy="140086"/>
+          </a:xfrm>
+          <a:prstGeom prst="ellipse">
+            <a:avLst/>
+          </a:prstGeom>
+          <a:solidFill>
+            <a:srgbClr val="FF0000"/>
+          </a:solidFill>
+          <a:ln>
+            <a:solidFill>
+              <a:schemeClr val="tx1"/>
+            </a:solidFill>
+          </a:ln>
+        </p:spPr>
+        <p:style>
+          <a:lnRef idx="2">
+            <a:schemeClr val="accent5">
+              <a:shade val="50000"/>
+            </a:schemeClr>
+          </a:lnRef>
+          <a:fillRef idx="1">
+            <a:schemeClr val="accent5"/>
+          </a:fillRef>
+          <a:effectRef idx="0">
+            <a:schemeClr val="accent5"/>
+          </a:effectRef>
+          <a:fontRef idx="minor">
+            <a:schemeClr val="lt1"/>
+          </a:fontRef>
+        </p:style>
+        <p:txBody>
+          <a:bodyPr rtlCol="0" anchor="ctr"/>
+          <a:lstStyle/>
+          <a:p>
+            <a:pPr algn="ctr"/>
+            <a:endParaRPr lang="en-US"/>
+          </a:p>
+        </p:txBody>
+      </p:sp>
+      <p:cxnSp>
+        <p:nvCxnSpPr>
+          <p:cNvPr id="66" name="Straight Connector 65">
+            <a:extLst>
+              <a:ext uri="{FF2B5EF4-FFF2-40B4-BE49-F238E27FC236}">
+                <a16:creationId xmlns:a16="http://schemas.microsoft.com/office/drawing/2014/main" id="{223E55E8-2025-E8AF-BB9E-B432B6EF99A1}"/>
+              </a:ext>
+            </a:extLst>
+          </p:cNvPr>
+          <p:cNvCxnSpPr>
+            <a:cxnSpLocks/>
+            <a:stCxn id="65" idx="6"/>
+            <a:endCxn id="67" idx="2"/>
+          </p:cNvCxnSpPr>
+          <p:nvPr/>
+        </p:nvCxnSpPr>
+        <p:spPr>
+          <a:xfrm flipV="1">
+            <a:off x="3493462" y="5348476"/>
+            <a:ext cx="75410" cy="3288"/>
+          </a:xfrm>
+          <a:prstGeom prst="line">
+            <a:avLst/>
+          </a:prstGeom>
+          <a:ln>
+            <a:solidFill>
+              <a:schemeClr val="tx1"/>
+            </a:solidFill>
+          </a:ln>
+        </p:spPr>
+        <p:style>
+          <a:lnRef idx="3">
+            <a:schemeClr val="accent5"/>
+          </a:lnRef>
+          <a:fillRef idx="0">
+            <a:schemeClr val="accent5"/>
+          </a:fillRef>
+          <a:effectRef idx="2">
+            <a:schemeClr val="accent5"/>
+          </a:effectRef>
+          <a:fontRef idx="minor">
+            <a:schemeClr val="tx1"/>
+          </a:fontRef>
+        </p:style>
+      </p:cxnSp>
+      <p:sp>
+        <p:nvSpPr>
+          <p:cNvPr id="67" name="Oval 66">
+            <a:extLst>
+              <a:ext uri="{FF2B5EF4-FFF2-40B4-BE49-F238E27FC236}">
+                <a16:creationId xmlns:a16="http://schemas.microsoft.com/office/drawing/2014/main" id="{0B82E63D-F01F-30F9-D851-F8CD6BDF302F}"/>
+              </a:ext>
+            </a:extLst>
+          </p:cNvPr>
+          <p:cNvSpPr/>
+          <p:nvPr/>
+        </p:nvSpPr>
+        <p:spPr>
+          <a:xfrm>
+            <a:off x="3568872" y="5278433"/>
+            <a:ext cx="140086" cy="140086"/>
+          </a:xfrm>
+          <a:prstGeom prst="ellipse">
+            <a:avLst/>
+          </a:prstGeom>
+          <a:solidFill>
+            <a:srgbClr val="FFFF00"/>
+          </a:solidFill>
+          <a:ln>
+            <a:solidFill>
+              <a:schemeClr val="tx1"/>
+            </a:solidFill>
+          </a:ln>
+        </p:spPr>
+        <p:style>
+          <a:lnRef idx="2">
+            <a:schemeClr val="accent5">
+              <a:shade val="50000"/>
+            </a:schemeClr>
+          </a:lnRef>
+          <a:fillRef idx="1">
+            <a:schemeClr val="accent5"/>
+          </a:fillRef>
+          <a:effectRef idx="0">
+            <a:schemeClr val="accent5"/>
+          </a:effectRef>
+          <a:fontRef idx="minor">
+            <a:schemeClr val="lt1"/>
+          </a:fontRef>
+        </p:style>
+        <p:txBody>
+          <a:bodyPr rtlCol="0" anchor="ctr"/>
+          <a:lstStyle/>
+          <a:p>
+            <a:pPr algn="ctr"/>
+            <a:endParaRPr lang="en-US"/>
+          </a:p>
+        </p:txBody>
+      </p:sp>
+      <p:cxnSp>
+        <p:nvCxnSpPr>
+          <p:cNvPr id="68" name="Curved Connector 67">
+            <a:extLst>
+              <a:ext uri="{FF2B5EF4-FFF2-40B4-BE49-F238E27FC236}">
+                <a16:creationId xmlns:a16="http://schemas.microsoft.com/office/drawing/2014/main" id="{1D108FB3-9ADB-E6B3-D984-5FFF2C466DCC}"/>
+              </a:ext>
+            </a:extLst>
+          </p:cNvPr>
+          <p:cNvCxnSpPr>
+            <a:cxnSpLocks/>
+          </p:cNvCxnSpPr>
+          <p:nvPr/>
+        </p:nvCxnSpPr>
+        <p:spPr>
+          <a:xfrm rot="16200000" flipH="1">
+            <a:off x="4175179" y="5448608"/>
+            <a:ext cx="238783" cy="151524"/>
+          </a:xfrm>
+          <a:prstGeom prst="curvedConnector2">
+            <a:avLst/>
+          </a:prstGeom>
+          <a:ln>
+            <a:solidFill>
+              <a:schemeClr val="tx1"/>
+            </a:solidFill>
+            <a:tailEnd type="triangle"/>
+          </a:ln>
+        </p:spPr>
+        <p:style>
+          <a:lnRef idx="2">
+            <a:schemeClr val="accent1"/>
+          </a:lnRef>
+          <a:fillRef idx="0">
+            <a:schemeClr val="accent1"/>
+          </a:fillRef>
+          <a:effectRef idx="1">
+            <a:schemeClr val="accent1"/>
+          </a:effectRef>
+          <a:fontRef idx="minor">
+            <a:schemeClr val="tx1"/>
+          </a:fontRef>
+        </p:style>
+      </p:cxnSp>
+      <p:cxnSp>
+        <p:nvCxnSpPr>
+          <p:cNvPr id="69" name="Straight Connector 68">
+            <a:extLst>
+              <a:ext uri="{FF2B5EF4-FFF2-40B4-BE49-F238E27FC236}">
+                <a16:creationId xmlns:a16="http://schemas.microsoft.com/office/drawing/2014/main" id="{0EA9004D-E21F-AC03-ED63-B490CDB02A54}"/>
+              </a:ext>
+            </a:extLst>
+          </p:cNvPr>
+          <p:cNvCxnSpPr>
+            <a:cxnSpLocks/>
+          </p:cNvCxnSpPr>
+          <p:nvPr/>
+        </p:nvCxnSpPr>
+        <p:spPr>
+          <a:xfrm flipV="1">
+            <a:off x="4039158" y="5352149"/>
+            <a:ext cx="105890" cy="3288"/>
+          </a:xfrm>
+          <a:prstGeom prst="line">
+            <a:avLst/>
+          </a:prstGeom>
+          <a:ln>
+            <a:solidFill>
+              <a:schemeClr val="tx1"/>
+            </a:solidFill>
+          </a:ln>
+        </p:spPr>
+        <p:style>
+          <a:lnRef idx="3">
+            <a:schemeClr val="accent5"/>
+          </a:lnRef>
+          <a:fillRef idx="0">
+            <a:schemeClr val="accent5"/>
+          </a:fillRef>
+          <a:effectRef idx="2">
+            <a:schemeClr val="accent5"/>
+          </a:effectRef>
+          <a:fontRef idx="minor">
+            <a:schemeClr val="tx1"/>
+          </a:fontRef>
+        </p:style>
+      </p:cxnSp>
+      <p:sp>
+        <p:nvSpPr>
+          <p:cNvPr id="70" name="Oval 69">
+            <a:extLst>
+              <a:ext uri="{FF2B5EF4-FFF2-40B4-BE49-F238E27FC236}">
+                <a16:creationId xmlns:a16="http://schemas.microsoft.com/office/drawing/2014/main" id="{29737F55-A9E2-491E-2B60-B815787F0E19}"/>
+              </a:ext>
+            </a:extLst>
+          </p:cNvPr>
+          <p:cNvSpPr/>
+          <p:nvPr/>
+        </p:nvSpPr>
+        <p:spPr>
+          <a:xfrm>
+            <a:off x="4386751" y="5572346"/>
+            <a:ext cx="140086" cy="140086"/>
+          </a:xfrm>
+          <a:prstGeom prst="ellipse">
+            <a:avLst/>
+          </a:prstGeom>
+          <a:solidFill>
+            <a:srgbClr val="945200"/>
+          </a:solidFill>
+          <a:ln w="19050">
+            <a:solidFill>
+              <a:schemeClr val="tx1"/>
+            </a:solidFill>
+          </a:ln>
+        </p:spPr>
+        <p:style>
+          <a:lnRef idx="2">
+            <a:schemeClr val="accent5">
+              <a:shade val="50000"/>
+            </a:schemeClr>
+          </a:lnRef>
+          <a:fillRef idx="1">
+            <a:schemeClr val="accent5"/>
+          </a:fillRef>
+          <a:effectRef idx="0">
+            <a:schemeClr val="accent5"/>
+          </a:effectRef>
+          <a:fontRef idx="minor">
+            <a:schemeClr val="lt1"/>
+          </a:fontRef>
+        </p:style>
+        <p:txBody>
+          <a:bodyPr rtlCol="0" anchor="ctr"/>
+          <a:lstStyle/>
+          <a:p>
+            <a:pPr algn="ctr"/>
+            <a:endParaRPr lang="en-US"/>
+          </a:p>
+        </p:txBody>
+      </p:sp>
+      <p:cxnSp>
+        <p:nvCxnSpPr>
+          <p:cNvPr id="71" name="Straight Connector 70">
+            <a:extLst>
+              <a:ext uri="{FF2B5EF4-FFF2-40B4-BE49-F238E27FC236}">
+                <a16:creationId xmlns:a16="http://schemas.microsoft.com/office/drawing/2014/main" id="{D5439ADA-9E8A-DF7E-B19A-5BC8919E764D}"/>
+              </a:ext>
+            </a:extLst>
+          </p:cNvPr>
+          <p:cNvCxnSpPr>
+            <a:cxnSpLocks/>
+          </p:cNvCxnSpPr>
+          <p:nvPr/>
+        </p:nvCxnSpPr>
+        <p:spPr>
+          <a:xfrm>
+            <a:off x="3708958" y="5342995"/>
+            <a:ext cx="270692" cy="0"/>
+          </a:xfrm>
+          <a:prstGeom prst="line">
+            <a:avLst/>
+          </a:prstGeom>
+          <a:ln>
+            <a:solidFill>
+              <a:schemeClr val="tx1"/>
+            </a:solidFill>
+            <a:prstDash val="sysDot"/>
+          </a:ln>
+        </p:spPr>
+        <p:style>
+          <a:lnRef idx="3">
+            <a:schemeClr val="accent5"/>
+          </a:lnRef>
+          <a:fillRef idx="0">
+            <a:schemeClr val="accent5"/>
+          </a:fillRef>
+          <a:effectRef idx="2">
+            <a:schemeClr val="accent5"/>
+          </a:effectRef>
+          <a:fontRef idx="minor">
+            <a:schemeClr val="tx1"/>
+          </a:fontRef>
+        </p:style>
+      </p:cxnSp>
+      <p:sp>
+        <p:nvSpPr>
+          <p:cNvPr id="72" name="Oval 71">
+            <a:extLst>
+              <a:ext uri="{FF2B5EF4-FFF2-40B4-BE49-F238E27FC236}">
+                <a16:creationId xmlns:a16="http://schemas.microsoft.com/office/drawing/2014/main" id="{3D4A048F-1B6A-2E63-10D9-0E455A72E6BD}"/>
+              </a:ext>
+            </a:extLst>
+          </p:cNvPr>
+          <p:cNvSpPr/>
+          <p:nvPr/>
+        </p:nvSpPr>
+        <p:spPr>
+          <a:xfrm>
+            <a:off x="3926207" y="5282566"/>
+            <a:ext cx="140086" cy="140086"/>
+          </a:xfrm>
+          <a:prstGeom prst="ellipse">
+            <a:avLst/>
+          </a:prstGeom>
+          <a:solidFill>
+            <a:srgbClr val="FF6EFD"/>
+          </a:solidFill>
+          <a:ln>
+            <a:solidFill>
+              <a:schemeClr val="tx1"/>
+            </a:solidFill>
+          </a:ln>
+        </p:spPr>
+        <p:style>
+          <a:lnRef idx="2">
+            <a:schemeClr val="accent5">
+              <a:shade val="50000"/>
+            </a:schemeClr>
+          </a:lnRef>
+          <a:fillRef idx="1">
+            <a:schemeClr val="accent5"/>
+          </a:fillRef>
+          <a:effectRef idx="0">
+            <a:schemeClr val="accent5"/>
+          </a:effectRef>
+          <a:fontRef idx="minor">
+            <a:schemeClr val="lt1"/>
+          </a:fontRef>
+        </p:style>
+        <p:txBody>
+          <a:bodyPr rtlCol="0" anchor="ctr"/>
+          <a:lstStyle/>
+          <a:p>
+            <a:pPr algn="ctr"/>
+            <a:endParaRPr lang="en-US"/>
+          </a:p>
+        </p:txBody>
+      </p:sp>
+      <p:sp>
+        <p:nvSpPr>
+          <p:cNvPr id="73" name="Oval 72">
+            <a:extLst>
+              <a:ext uri="{FF2B5EF4-FFF2-40B4-BE49-F238E27FC236}">
+                <a16:creationId xmlns:a16="http://schemas.microsoft.com/office/drawing/2014/main" id="{97D468D8-7667-9E0E-CFB7-CE7D5578D148}"/>
+              </a:ext>
+            </a:extLst>
+          </p:cNvPr>
+          <p:cNvSpPr/>
+          <p:nvPr/>
+        </p:nvSpPr>
+        <p:spPr>
+          <a:xfrm>
+            <a:off x="4146036" y="5276653"/>
+            <a:ext cx="140086" cy="140086"/>
+          </a:xfrm>
+          <a:prstGeom prst="ellipse">
+            <a:avLst/>
+          </a:prstGeom>
+          <a:solidFill>
+            <a:srgbClr val="00B0F0"/>
+          </a:solidFill>
+          <a:ln w="31750">
+            <a:solidFill>
+              <a:schemeClr val="bg1"/>
+            </a:solidFill>
+          </a:ln>
+        </p:spPr>
+        <p:style>
+          <a:lnRef idx="2">
+            <a:schemeClr val="accent5">
+              <a:shade val="50000"/>
+            </a:schemeClr>
+          </a:lnRef>
+          <a:fillRef idx="1">
+            <a:schemeClr val="accent5"/>
+          </a:fillRef>
+          <a:effectRef idx="0">
+            <a:schemeClr val="accent5"/>
+          </a:effectRef>
+          <a:fontRef idx="minor">
+            <a:schemeClr val="lt1"/>
+          </a:fontRef>
+        </p:style>
+        <p:txBody>
+          <a:bodyPr rtlCol="0" anchor="ctr"/>
+          <a:lstStyle/>
+          <a:p>
+            <a:pPr algn="ctr"/>
+            <a:endParaRPr lang="en-US"/>
+          </a:p>
+        </p:txBody>
+      </p:sp>
+      <p:sp>
+        <p:nvSpPr>
+          <p:cNvPr id="74" name="Oval 73">
+            <a:extLst>
+              <a:ext uri="{FF2B5EF4-FFF2-40B4-BE49-F238E27FC236}">
+                <a16:creationId xmlns:a16="http://schemas.microsoft.com/office/drawing/2014/main" id="{94B7F5E5-2D44-9DF6-E2A7-47966B563A5D}"/>
+              </a:ext>
+            </a:extLst>
+          </p:cNvPr>
+          <p:cNvSpPr/>
+          <p:nvPr/>
+        </p:nvSpPr>
+        <p:spPr>
+          <a:xfrm>
+            <a:off x="5976064" y="5746518"/>
+            <a:ext cx="140086" cy="140086"/>
+          </a:xfrm>
+          <a:prstGeom prst="ellipse">
+            <a:avLst/>
+          </a:prstGeom>
+          <a:solidFill>
+            <a:srgbClr val="945200"/>
+          </a:solidFill>
+          <a:ln w="19050">
+            <a:solidFill>
+              <a:schemeClr val="tx1"/>
+            </a:solidFill>
+          </a:ln>
+        </p:spPr>
+        <p:style>
+          <a:lnRef idx="2">
+            <a:schemeClr val="accent5">
+              <a:shade val="50000"/>
+            </a:schemeClr>
+          </a:lnRef>
+          <a:fillRef idx="1">
+            <a:schemeClr val="accent5"/>
+          </a:fillRef>
+          <a:effectRef idx="0">
+            <a:schemeClr val="accent5"/>
+          </a:effectRef>
+          <a:fontRef idx="minor">
+            <a:schemeClr val="lt1"/>
+          </a:fontRef>
+        </p:style>
+        <p:txBody>
+          <a:bodyPr rtlCol="0" anchor="ctr"/>
+          <a:lstStyle/>
+          <a:p>
+            <a:pPr algn="ctr"/>
+            <a:endParaRPr lang="en-US"/>
+          </a:p>
+        </p:txBody>
+      </p:sp>
+      <p:sp>
+        <p:nvSpPr>
+          <p:cNvPr id="75" name="Oval 74">
+            <a:extLst>
+              <a:ext uri="{FF2B5EF4-FFF2-40B4-BE49-F238E27FC236}">
+                <a16:creationId xmlns:a16="http://schemas.microsoft.com/office/drawing/2014/main" id="{2681F330-4331-A628-9157-CE01906622AD}"/>
+              </a:ext>
+            </a:extLst>
+          </p:cNvPr>
+          <p:cNvSpPr/>
+          <p:nvPr/>
+        </p:nvSpPr>
+        <p:spPr>
+          <a:xfrm>
+            <a:off x="3364261" y="2571184"/>
+            <a:ext cx="140086" cy="140086"/>
+          </a:xfrm>
+          <a:prstGeom prst="ellipse">
+            <a:avLst/>
+          </a:prstGeom>
+          <a:solidFill>
+            <a:srgbClr val="FF0000"/>
+          </a:solidFill>
+          <a:ln>
+            <a:solidFill>
+              <a:schemeClr val="tx1"/>
+            </a:solidFill>
+          </a:ln>
+        </p:spPr>
+        <p:style>
+          <a:lnRef idx="2">
+            <a:schemeClr val="accent5">
+              <a:shade val="50000"/>
+            </a:schemeClr>
+          </a:lnRef>
+          <a:fillRef idx="1">
+            <a:schemeClr val="accent5"/>
+          </a:fillRef>
+          <a:effectRef idx="0">
+            <a:schemeClr val="accent5"/>
+          </a:effectRef>
+          <a:fontRef idx="minor">
+            <a:schemeClr val="lt1"/>
+          </a:fontRef>
+        </p:style>
+        <p:txBody>
+          <a:bodyPr rtlCol="0" anchor="ctr"/>
+          <a:lstStyle/>
+          <a:p>
+            <a:pPr algn="ctr"/>
+            <a:endParaRPr lang="en-US"/>
+          </a:p>
+        </p:txBody>
+      </p:sp>
+      <p:cxnSp>
+        <p:nvCxnSpPr>
+          <p:cNvPr id="76" name="Straight Connector 75">
+            <a:extLst>
+              <a:ext uri="{FF2B5EF4-FFF2-40B4-BE49-F238E27FC236}">
+                <a16:creationId xmlns:a16="http://schemas.microsoft.com/office/drawing/2014/main" id="{A36A77EA-1A46-D3BE-8A67-7C6D1FFD633E}"/>
+              </a:ext>
+            </a:extLst>
+          </p:cNvPr>
+          <p:cNvCxnSpPr>
+            <a:cxnSpLocks/>
+            <a:stCxn id="75" idx="6"/>
+            <a:endCxn id="77" idx="2"/>
+          </p:cNvCxnSpPr>
+          <p:nvPr/>
+        </p:nvCxnSpPr>
+        <p:spPr>
+          <a:xfrm flipV="1">
+            <a:off x="3504347" y="2637939"/>
+            <a:ext cx="75410" cy="3288"/>
+          </a:xfrm>
+          <a:prstGeom prst="line">
+            <a:avLst/>
+          </a:prstGeom>
+          <a:ln>
+            <a:solidFill>
+              <a:schemeClr val="tx1"/>
+            </a:solidFill>
+          </a:ln>
+        </p:spPr>
+        <p:style>
+          <a:lnRef idx="3">
+            <a:schemeClr val="accent5"/>
+          </a:lnRef>
+          <a:fillRef idx="0">
+            <a:schemeClr val="accent5"/>
+          </a:fillRef>
+          <a:effectRef idx="2">
+            <a:schemeClr val="accent5"/>
+          </a:effectRef>
+          <a:fontRef idx="minor">
+            <a:schemeClr val="tx1"/>
+          </a:fontRef>
+        </p:style>
+      </p:cxnSp>
+      <p:sp>
+        <p:nvSpPr>
+          <p:cNvPr id="77" name="Oval 76">
+            <a:extLst>
+              <a:ext uri="{FF2B5EF4-FFF2-40B4-BE49-F238E27FC236}">
+                <a16:creationId xmlns:a16="http://schemas.microsoft.com/office/drawing/2014/main" id="{22751413-7EC8-BEFE-1B3F-E41ACB35333B}"/>
+              </a:ext>
+            </a:extLst>
+          </p:cNvPr>
+          <p:cNvSpPr/>
+          <p:nvPr/>
+        </p:nvSpPr>
+        <p:spPr>
+          <a:xfrm>
+            <a:off x="3579757" y="2567896"/>
+            <a:ext cx="140086" cy="140086"/>
+          </a:xfrm>
+          <a:prstGeom prst="ellipse">
+            <a:avLst/>
+          </a:prstGeom>
+          <a:solidFill>
+            <a:srgbClr val="FFFF00"/>
+          </a:solidFill>
+          <a:ln>
+            <a:solidFill>
+              <a:schemeClr val="tx1"/>
+            </a:solidFill>
+          </a:ln>
+        </p:spPr>
+        <p:style>
+          <a:lnRef idx="2">
+            <a:schemeClr val="accent5">
+              <a:shade val="50000"/>
+            </a:schemeClr>
+          </a:lnRef>
+          <a:fillRef idx="1">
+            <a:schemeClr val="accent5"/>
+          </a:fillRef>
+          <a:effectRef idx="0">
+            <a:schemeClr val="accent5"/>
+          </a:effectRef>
+          <a:fontRef idx="minor">
+            <a:schemeClr val="lt1"/>
+          </a:fontRef>
+        </p:style>
+        <p:txBody>
+          <a:bodyPr rtlCol="0" anchor="ctr"/>
+          <a:lstStyle/>
+          <a:p>
+            <a:pPr algn="ctr"/>
+            <a:endParaRPr lang="en-US"/>
+          </a:p>
+        </p:txBody>
+      </p:sp>
+      <p:cxnSp>
+        <p:nvCxnSpPr>
+          <p:cNvPr id="78" name="Curved Connector 77">
+            <a:extLst>
+              <a:ext uri="{FF2B5EF4-FFF2-40B4-BE49-F238E27FC236}">
+                <a16:creationId xmlns:a16="http://schemas.microsoft.com/office/drawing/2014/main" id="{1132624F-C119-02AB-EACC-CE87BDDEB652}"/>
+              </a:ext>
+            </a:extLst>
+          </p:cNvPr>
+          <p:cNvCxnSpPr>
+            <a:cxnSpLocks/>
+          </p:cNvCxnSpPr>
+          <p:nvPr/>
+        </p:nvCxnSpPr>
+        <p:spPr>
+          <a:xfrm rot="16200000" flipH="1">
+            <a:off x="4186064" y="2738071"/>
+            <a:ext cx="238783" cy="151524"/>
+          </a:xfrm>
+          <a:prstGeom prst="curvedConnector2">
+            <a:avLst/>
+          </a:prstGeom>
+          <a:ln>
+            <a:solidFill>
+              <a:schemeClr val="tx1"/>
+            </a:solidFill>
+            <a:tailEnd type="triangle"/>
+          </a:ln>
+        </p:spPr>
+        <p:style>
+          <a:lnRef idx="2">
+            <a:schemeClr val="accent1"/>
+          </a:lnRef>
+          <a:fillRef idx="0">
+            <a:schemeClr val="accent1"/>
+          </a:fillRef>
+          <a:effectRef idx="1">
+            <a:schemeClr val="accent1"/>
+          </a:effectRef>
+          <a:fontRef idx="minor">
+            <a:schemeClr val="tx1"/>
+          </a:fontRef>
+        </p:style>
+      </p:cxnSp>
+      <p:cxnSp>
+        <p:nvCxnSpPr>
+          <p:cNvPr id="79" name="Straight Connector 78">
+            <a:extLst>
+              <a:ext uri="{FF2B5EF4-FFF2-40B4-BE49-F238E27FC236}">
+                <a16:creationId xmlns:a16="http://schemas.microsoft.com/office/drawing/2014/main" id="{3C6DCBA6-712A-1F6E-7BFE-8E107E8C301C}"/>
+              </a:ext>
+            </a:extLst>
+          </p:cNvPr>
+          <p:cNvCxnSpPr>
+            <a:cxnSpLocks/>
+          </p:cNvCxnSpPr>
+          <p:nvPr/>
+        </p:nvCxnSpPr>
+        <p:spPr>
+          <a:xfrm flipV="1">
+            <a:off x="4050043" y="2641612"/>
+            <a:ext cx="105890" cy="3288"/>
+          </a:xfrm>
+          <a:prstGeom prst="line">
+            <a:avLst/>
+          </a:prstGeom>
+          <a:ln>
+            <a:solidFill>
+              <a:schemeClr val="tx1"/>
+            </a:solidFill>
+          </a:ln>
+        </p:spPr>
+        <p:style>
+          <a:lnRef idx="3">
+            <a:schemeClr val="accent5"/>
+          </a:lnRef>
+          <a:fillRef idx="0">
+            <a:schemeClr val="accent5"/>
+          </a:fillRef>
+          <a:effectRef idx="2">
+            <a:schemeClr val="accent5"/>
+          </a:effectRef>
+          <a:fontRef idx="minor">
+            <a:schemeClr val="tx1"/>
+          </a:fontRef>
+        </p:style>
+      </p:cxnSp>
+      <p:sp>
+        <p:nvSpPr>
+          <p:cNvPr id="80" name="Oval 79">
+            <a:extLst>
+              <a:ext uri="{FF2B5EF4-FFF2-40B4-BE49-F238E27FC236}">
+                <a16:creationId xmlns:a16="http://schemas.microsoft.com/office/drawing/2014/main" id="{E2E2C1C7-98B6-1EFC-641E-51A5ADB3D44A}"/>
+              </a:ext>
+            </a:extLst>
+          </p:cNvPr>
+          <p:cNvSpPr/>
+          <p:nvPr/>
+        </p:nvSpPr>
+        <p:spPr>
+          <a:xfrm>
+            <a:off x="4397636" y="2861809"/>
+            <a:ext cx="140086" cy="140086"/>
+          </a:xfrm>
+          <a:prstGeom prst="ellipse">
+            <a:avLst/>
+          </a:prstGeom>
+          <a:solidFill>
+            <a:srgbClr val="945200"/>
+          </a:solidFill>
+          <a:ln w="19050">
+            <a:solidFill>
+              <a:schemeClr val="tx1"/>
+            </a:solidFill>
+          </a:ln>
+        </p:spPr>
+        <p:style>
+          <a:lnRef idx="2">
+            <a:schemeClr val="accent5">
+              <a:shade val="50000"/>
+            </a:schemeClr>
+          </a:lnRef>
+          <a:fillRef idx="1">
+            <a:schemeClr val="accent5"/>
+          </a:fillRef>
+          <a:effectRef idx="0">
+            <a:schemeClr val="accent5"/>
+          </a:effectRef>
+          <a:fontRef idx="minor">
+            <a:schemeClr val="lt1"/>
+          </a:fontRef>
+        </p:style>
+        <p:txBody>
+          <a:bodyPr rtlCol="0" anchor="ctr"/>
+          <a:lstStyle/>
+          <a:p>
+            <a:pPr algn="ctr"/>
+            <a:endParaRPr lang="en-US"/>
+          </a:p>
+        </p:txBody>
+      </p:sp>
+      <p:cxnSp>
+        <p:nvCxnSpPr>
+          <p:cNvPr id="81" name="Straight Connector 80">
+            <a:extLst>
+              <a:ext uri="{FF2B5EF4-FFF2-40B4-BE49-F238E27FC236}">
+                <a16:creationId xmlns:a16="http://schemas.microsoft.com/office/drawing/2014/main" id="{72FC480F-0500-0463-8F42-9C98F6785790}"/>
+              </a:ext>
+            </a:extLst>
+          </p:cNvPr>
+          <p:cNvCxnSpPr>
+            <a:cxnSpLocks/>
+          </p:cNvCxnSpPr>
+          <p:nvPr/>
+        </p:nvCxnSpPr>
+        <p:spPr>
+          <a:xfrm>
+            <a:off x="3719843" y="2632458"/>
+            <a:ext cx="270692" cy="0"/>
+          </a:xfrm>
+          <a:prstGeom prst="line">
+            <a:avLst/>
+          </a:prstGeom>
+          <a:ln>
+            <a:solidFill>
+              <a:schemeClr val="tx1"/>
+            </a:solidFill>
+            <a:prstDash val="sysDot"/>
+          </a:ln>
+        </p:spPr>
+        <p:style>
+          <a:lnRef idx="3">
+            <a:schemeClr val="accent5"/>
+          </a:lnRef>
+          <a:fillRef idx="0">
+            <a:schemeClr val="accent5"/>
+          </a:fillRef>
+          <a:effectRef idx="2">
+            <a:schemeClr val="accent5"/>
+          </a:effectRef>
+          <a:fontRef idx="minor">
+            <a:schemeClr val="tx1"/>
+          </a:fontRef>
+        </p:style>
+      </p:cxnSp>
+      <p:sp>
+        <p:nvSpPr>
+          <p:cNvPr id="82" name="Oval 81">
+            <a:extLst>
+              <a:ext uri="{FF2B5EF4-FFF2-40B4-BE49-F238E27FC236}">
+                <a16:creationId xmlns:a16="http://schemas.microsoft.com/office/drawing/2014/main" id="{B2513758-CC8F-0CE2-B835-0C76D80D60B5}"/>
+              </a:ext>
+            </a:extLst>
+          </p:cNvPr>
+          <p:cNvSpPr/>
+          <p:nvPr/>
+        </p:nvSpPr>
+        <p:spPr>
+          <a:xfrm>
+            <a:off x="3937092" y="2572029"/>
+            <a:ext cx="140086" cy="140086"/>
+          </a:xfrm>
+          <a:prstGeom prst="ellipse">
+            <a:avLst/>
+          </a:prstGeom>
+          <a:solidFill>
+            <a:srgbClr val="FF6EFD"/>
+          </a:solidFill>
+          <a:ln>
+            <a:solidFill>
+              <a:schemeClr val="tx1"/>
+            </a:solidFill>
+          </a:ln>
+        </p:spPr>
+        <p:style>
+          <a:lnRef idx="2">
+            <a:schemeClr val="accent5">
+              <a:shade val="50000"/>
+            </a:schemeClr>
+          </a:lnRef>
+          <a:fillRef idx="1">
+            <a:schemeClr val="accent5"/>
+          </a:fillRef>
+          <a:effectRef idx="0">
+            <a:schemeClr val="accent5"/>
+          </a:effectRef>
+          <a:fontRef idx="minor">
+            <a:schemeClr val="lt1"/>
+          </a:fontRef>
+        </p:style>
+        <p:txBody>
+          <a:bodyPr rtlCol="0" anchor="ctr"/>
+          <a:lstStyle/>
+          <a:p>
+            <a:pPr algn="ctr"/>
+            <a:endParaRPr lang="en-US"/>
+          </a:p>
+        </p:txBody>
+      </p:sp>
+      <p:sp>
+        <p:nvSpPr>
+          <p:cNvPr id="83" name="Oval 82">
+            <a:extLst>
+              <a:ext uri="{FF2B5EF4-FFF2-40B4-BE49-F238E27FC236}">
+                <a16:creationId xmlns:a16="http://schemas.microsoft.com/office/drawing/2014/main" id="{CC09E82C-04F8-F6A9-C5EA-353966828885}"/>
+              </a:ext>
+            </a:extLst>
+          </p:cNvPr>
+          <p:cNvSpPr/>
+          <p:nvPr/>
+        </p:nvSpPr>
+        <p:spPr>
+          <a:xfrm>
+            <a:off x="4156921" y="2566116"/>
+            <a:ext cx="140086" cy="140086"/>
+          </a:xfrm>
+          <a:prstGeom prst="ellipse">
+            <a:avLst/>
+          </a:prstGeom>
+          <a:solidFill>
+            <a:srgbClr val="00B0F0"/>
+          </a:solidFill>
+          <a:ln w="31750">
+            <a:solidFill>
+              <a:schemeClr val="bg1"/>
+            </a:solidFill>
+          </a:ln>
+        </p:spPr>
+        <p:style>
+          <a:lnRef idx="2">
+            <a:schemeClr val="accent5">
+              <a:shade val="50000"/>
+            </a:schemeClr>
+          </a:lnRef>
+          <a:fillRef idx="1">
+            <a:schemeClr val="accent5"/>
+          </a:fillRef>
+          <a:effectRef idx="0">
+            <a:schemeClr val="accent5"/>
+          </a:effectRef>
+          <a:fontRef idx="minor">
+            <a:schemeClr val="lt1"/>
+          </a:fontRef>
+        </p:style>
+        <p:txBody>
+          <a:bodyPr rtlCol="0" anchor="ctr"/>
+          <a:lstStyle/>
+          <a:p>
+            <a:pPr algn="ctr"/>
+            <a:endParaRPr lang="en-US"/>
+          </a:p>
+        </p:txBody>
+      </p:sp>
+      <p:sp>
+        <p:nvSpPr>
+          <p:cNvPr id="2" name="Rounded Rectangle 1">
+            <a:extLst>
+              <a:ext uri="{FF2B5EF4-FFF2-40B4-BE49-F238E27FC236}">
+                <a16:creationId xmlns:a16="http://schemas.microsoft.com/office/drawing/2014/main" id="{A3E71AD7-AEEF-9958-C415-925AC13A8AAD}"/>
+              </a:ext>
+            </a:extLst>
+          </p:cNvPr>
+          <p:cNvSpPr/>
+          <p:nvPr/>
+        </p:nvSpPr>
+        <p:spPr>
+          <a:xfrm>
+            <a:off x="9085585" y="3250662"/>
+            <a:ext cx="1253994" cy="239921"/>
+          </a:xfrm>
+          <a:prstGeom prst="roundRect">
+            <a:avLst/>
+          </a:prstGeom>
+        </p:spPr>
+        <p:style>
+          <a:lnRef idx="3">
+            <a:schemeClr val="lt1"/>
+          </a:lnRef>
+          <a:fillRef idx="1">
+            <a:schemeClr val="accent3"/>
+          </a:fillRef>
+          <a:effectRef idx="1">
+            <a:schemeClr val="accent3"/>
+          </a:effectRef>
+          <a:fontRef idx="minor">
+            <a:schemeClr val="lt1"/>
+          </a:fontRef>
+        </p:style>
+        <p:txBody>
+          <a:bodyPr rtlCol="0" anchor="ctr"/>
+          <a:lstStyle/>
+          <a:p>
+            <a:pPr algn="ctr"/>
+            <a:endParaRPr lang="en-US" sz="1400" dirty="0"/>
+          </a:p>
+        </p:txBody>
+      </p:sp>
+      <p:sp>
+        <p:nvSpPr>
+          <p:cNvPr id="3" name="Rounded Rectangle 2">
+            <a:extLst>
+              <a:ext uri="{FF2B5EF4-FFF2-40B4-BE49-F238E27FC236}">
+                <a16:creationId xmlns:a16="http://schemas.microsoft.com/office/drawing/2014/main" id="{5BC72236-5C75-08D8-19C1-7EEA47A9BDE4}"/>
+              </a:ext>
+            </a:extLst>
+          </p:cNvPr>
+          <p:cNvSpPr/>
+          <p:nvPr/>
+        </p:nvSpPr>
+        <p:spPr>
+          <a:xfrm>
+            <a:off x="9095282" y="3561509"/>
+            <a:ext cx="1253994" cy="239921"/>
+          </a:xfrm>
+          <a:prstGeom prst="roundRect">
+            <a:avLst/>
+          </a:prstGeom>
+        </p:spPr>
+        <p:style>
+          <a:lnRef idx="3">
+            <a:schemeClr val="lt1"/>
+          </a:lnRef>
+          <a:fillRef idx="1">
+            <a:schemeClr val="accent4"/>
+          </a:fillRef>
+          <a:effectRef idx="1">
+            <a:schemeClr val="accent4"/>
+          </a:effectRef>
+          <a:fontRef idx="minor">
+            <a:schemeClr val="lt1"/>
+          </a:fontRef>
+        </p:style>
+        <p:txBody>
+          <a:bodyPr rtlCol="0" anchor="ctr"/>
+          <a:lstStyle/>
+          <a:p>
+            <a:pPr algn="ctr"/>
+            <a:endParaRPr lang="en-US" sz="1200" dirty="0"/>
+          </a:p>
+        </p:txBody>
+      </p:sp>
+      <p:sp>
+        <p:nvSpPr>
+          <p:cNvPr id="84" name="Oval 83">
+            <a:extLst>
+              <a:ext uri="{FF2B5EF4-FFF2-40B4-BE49-F238E27FC236}">
+                <a16:creationId xmlns:a16="http://schemas.microsoft.com/office/drawing/2014/main" id="{8AD6D146-564C-89D3-58A9-149A873D6B32}"/>
+              </a:ext>
+            </a:extLst>
+          </p:cNvPr>
+          <p:cNvSpPr/>
+          <p:nvPr/>
+        </p:nvSpPr>
+        <p:spPr>
+          <a:xfrm>
+            <a:off x="9136923" y="3313486"/>
+            <a:ext cx="140086" cy="140086"/>
+          </a:xfrm>
+          <a:prstGeom prst="ellipse">
+            <a:avLst/>
+          </a:prstGeom>
+          <a:solidFill>
+            <a:srgbClr val="FF0000"/>
+          </a:solidFill>
+          <a:ln>
+            <a:solidFill>
+              <a:schemeClr val="tx1"/>
+            </a:solidFill>
+          </a:ln>
+        </p:spPr>
+        <p:style>
+          <a:lnRef idx="2">
+            <a:schemeClr val="accent5">
+              <a:shade val="50000"/>
+            </a:schemeClr>
+          </a:lnRef>
+          <a:fillRef idx="1">
+            <a:schemeClr val="accent5"/>
+          </a:fillRef>
+          <a:effectRef idx="0">
+            <a:schemeClr val="accent5"/>
+          </a:effectRef>
+          <a:fontRef idx="minor">
+            <a:schemeClr val="lt1"/>
+          </a:fontRef>
+        </p:style>
+        <p:txBody>
+          <a:bodyPr rtlCol="0" anchor="ctr"/>
+          <a:lstStyle/>
+          <a:p>
+            <a:pPr algn="ctr"/>
+            <a:endParaRPr lang="en-US"/>
+          </a:p>
+        </p:txBody>
+      </p:sp>
+      <p:cxnSp>
+        <p:nvCxnSpPr>
+          <p:cNvPr id="85" name="Straight Connector 84">
+            <a:extLst>
+              <a:ext uri="{FF2B5EF4-FFF2-40B4-BE49-F238E27FC236}">
+                <a16:creationId xmlns:a16="http://schemas.microsoft.com/office/drawing/2014/main" id="{F258BC7B-8ABF-8730-2909-062AA1A42841}"/>
+              </a:ext>
+            </a:extLst>
+          </p:cNvPr>
+          <p:cNvCxnSpPr>
+            <a:cxnSpLocks/>
+            <a:stCxn id="84" idx="6"/>
+            <a:endCxn id="86" idx="2"/>
+          </p:cNvCxnSpPr>
+          <p:nvPr/>
+        </p:nvCxnSpPr>
+        <p:spPr>
+          <a:xfrm flipV="1">
+            <a:off x="9277009" y="3380241"/>
+            <a:ext cx="75410" cy="3288"/>
+          </a:xfrm>
+          <a:prstGeom prst="line">
+            <a:avLst/>
+          </a:prstGeom>
+          <a:ln>
+            <a:solidFill>
+              <a:schemeClr val="tx1"/>
+            </a:solidFill>
+          </a:ln>
+        </p:spPr>
+        <p:style>
+          <a:lnRef idx="3">
+            <a:schemeClr val="accent5"/>
+          </a:lnRef>
+          <a:fillRef idx="0">
+            <a:schemeClr val="accent5"/>
+          </a:fillRef>
+          <a:effectRef idx="2">
+            <a:schemeClr val="accent5"/>
+          </a:effectRef>
+          <a:fontRef idx="minor">
+            <a:schemeClr val="tx1"/>
+          </a:fontRef>
+        </p:style>
+      </p:cxnSp>
+      <p:sp>
+        <p:nvSpPr>
+          <p:cNvPr id="86" name="Oval 85">
+            <a:extLst>
+              <a:ext uri="{FF2B5EF4-FFF2-40B4-BE49-F238E27FC236}">
+                <a16:creationId xmlns:a16="http://schemas.microsoft.com/office/drawing/2014/main" id="{A2B1A9BB-47FD-C5C0-613C-83FC13D77AFA}"/>
+              </a:ext>
+            </a:extLst>
+          </p:cNvPr>
+          <p:cNvSpPr/>
+          <p:nvPr/>
+        </p:nvSpPr>
+        <p:spPr>
+          <a:xfrm>
+            <a:off x="9352419" y="3310198"/>
+            <a:ext cx="140086" cy="140086"/>
+          </a:xfrm>
+          <a:prstGeom prst="ellipse">
+            <a:avLst/>
+          </a:prstGeom>
+          <a:solidFill>
+            <a:srgbClr val="FFFF00"/>
+          </a:solidFill>
+          <a:ln>
+            <a:solidFill>
+              <a:schemeClr val="tx1"/>
+            </a:solidFill>
+          </a:ln>
+        </p:spPr>
+        <p:style>
+          <a:lnRef idx="2">
+            <a:schemeClr val="accent5">
+              <a:shade val="50000"/>
+            </a:schemeClr>
+          </a:lnRef>
+          <a:fillRef idx="1">
+            <a:schemeClr val="accent5"/>
+          </a:fillRef>
+          <a:effectRef idx="0">
+            <a:schemeClr val="accent5"/>
+          </a:effectRef>
+          <a:fontRef idx="minor">
+            <a:schemeClr val="lt1"/>
+          </a:fontRef>
+        </p:style>
+        <p:txBody>
+          <a:bodyPr rtlCol="0" anchor="ctr"/>
+          <a:lstStyle/>
+          <a:p>
+            <a:pPr algn="ctr"/>
+            <a:endParaRPr lang="en-US"/>
+          </a:p>
+        </p:txBody>
+      </p:sp>
+      <p:cxnSp>
+        <p:nvCxnSpPr>
+          <p:cNvPr id="87" name="Curved Connector 86">
+            <a:extLst>
+              <a:ext uri="{FF2B5EF4-FFF2-40B4-BE49-F238E27FC236}">
+                <a16:creationId xmlns:a16="http://schemas.microsoft.com/office/drawing/2014/main" id="{A78E57A4-8760-6ED3-72E7-4CDD746A15FE}"/>
+              </a:ext>
+            </a:extLst>
+          </p:cNvPr>
+          <p:cNvCxnSpPr>
+            <a:cxnSpLocks/>
+          </p:cNvCxnSpPr>
+          <p:nvPr/>
+        </p:nvCxnSpPr>
+        <p:spPr>
+          <a:xfrm rot="16200000" flipH="1">
+            <a:off x="9958726" y="3480373"/>
+            <a:ext cx="238783" cy="151524"/>
+          </a:xfrm>
+          <a:prstGeom prst="curvedConnector2">
+            <a:avLst/>
+          </a:prstGeom>
+          <a:ln>
+            <a:solidFill>
+              <a:schemeClr val="tx1"/>
+            </a:solidFill>
+            <a:tailEnd type="triangle"/>
+          </a:ln>
+        </p:spPr>
+        <p:style>
+          <a:lnRef idx="2">
+            <a:schemeClr val="accent1"/>
+          </a:lnRef>
+          <a:fillRef idx="0">
+            <a:schemeClr val="accent1"/>
+          </a:fillRef>
+          <a:effectRef idx="1">
+            <a:schemeClr val="accent1"/>
+          </a:effectRef>
+          <a:fontRef idx="minor">
+            <a:schemeClr val="tx1"/>
+          </a:fontRef>
+        </p:style>
+      </p:cxnSp>
+      <p:cxnSp>
+        <p:nvCxnSpPr>
+          <p:cNvPr id="88" name="Straight Connector 87">
+            <a:extLst>
+              <a:ext uri="{FF2B5EF4-FFF2-40B4-BE49-F238E27FC236}">
+                <a16:creationId xmlns:a16="http://schemas.microsoft.com/office/drawing/2014/main" id="{30AD28FF-1DC6-2CDE-3E3C-5E2A252E632B}"/>
+              </a:ext>
+            </a:extLst>
+          </p:cNvPr>
+          <p:cNvCxnSpPr>
+            <a:cxnSpLocks/>
+          </p:cNvCxnSpPr>
+          <p:nvPr/>
+        </p:nvCxnSpPr>
+        <p:spPr>
+          <a:xfrm flipV="1">
+            <a:off x="9822705" y="3383914"/>
+            <a:ext cx="105890" cy="3288"/>
+          </a:xfrm>
+          <a:prstGeom prst="line">
+            <a:avLst/>
+          </a:prstGeom>
+          <a:ln>
+            <a:solidFill>
+              <a:schemeClr val="tx1"/>
+            </a:solidFill>
+          </a:ln>
+        </p:spPr>
+        <p:style>
+          <a:lnRef idx="3">
+            <a:schemeClr val="accent5"/>
+          </a:lnRef>
+          <a:fillRef idx="0">
+            <a:schemeClr val="accent5"/>
+          </a:fillRef>
+          <a:effectRef idx="2">
+            <a:schemeClr val="accent5"/>
+          </a:effectRef>
+          <a:fontRef idx="minor">
+            <a:schemeClr val="tx1"/>
+          </a:fontRef>
+        </p:style>
+      </p:cxnSp>
+      <p:cxnSp>
+        <p:nvCxnSpPr>
+          <p:cNvPr id="90" name="Straight Connector 89">
+            <a:extLst>
+              <a:ext uri="{FF2B5EF4-FFF2-40B4-BE49-F238E27FC236}">
+                <a16:creationId xmlns:a16="http://schemas.microsoft.com/office/drawing/2014/main" id="{60E3E5CD-7659-F325-1AB2-D472FC269280}"/>
+              </a:ext>
+            </a:extLst>
+          </p:cNvPr>
+          <p:cNvCxnSpPr>
+            <a:cxnSpLocks/>
+          </p:cNvCxnSpPr>
+          <p:nvPr/>
+        </p:nvCxnSpPr>
+        <p:spPr>
+          <a:xfrm>
+            <a:off x="9492505" y="3374760"/>
+            <a:ext cx="270692" cy="0"/>
+          </a:xfrm>
+          <a:prstGeom prst="line">
+            <a:avLst/>
+          </a:prstGeom>
+          <a:ln>
+            <a:solidFill>
+              <a:schemeClr val="tx1"/>
+            </a:solidFill>
+            <a:prstDash val="sysDot"/>
+          </a:ln>
+        </p:spPr>
+        <p:style>
+          <a:lnRef idx="3">
+            <a:schemeClr val="accent5"/>
+          </a:lnRef>
+          <a:fillRef idx="0">
+            <a:schemeClr val="accent5"/>
+          </a:fillRef>
+          <a:effectRef idx="2">
+            <a:schemeClr val="accent5"/>
+          </a:effectRef>
+          <a:fontRef idx="minor">
+            <a:schemeClr val="tx1"/>
+          </a:fontRef>
+        </p:style>
+      </p:cxnSp>
+      <p:sp>
+        <p:nvSpPr>
+          <p:cNvPr id="91" name="Oval 90">
+            <a:extLst>
+              <a:ext uri="{FF2B5EF4-FFF2-40B4-BE49-F238E27FC236}">
+                <a16:creationId xmlns:a16="http://schemas.microsoft.com/office/drawing/2014/main" id="{10DE4957-DECD-838F-3191-174032835646}"/>
+              </a:ext>
+            </a:extLst>
+          </p:cNvPr>
+          <p:cNvSpPr/>
+          <p:nvPr/>
+        </p:nvSpPr>
+        <p:spPr>
+          <a:xfrm>
+            <a:off x="9709754" y="3314331"/>
+            <a:ext cx="140086" cy="140086"/>
+          </a:xfrm>
+          <a:prstGeom prst="ellipse">
+            <a:avLst/>
+          </a:prstGeom>
+          <a:solidFill>
+            <a:srgbClr val="FF6EFD"/>
+          </a:solidFill>
+          <a:ln>
+            <a:solidFill>
+              <a:schemeClr val="tx1"/>
+            </a:solidFill>
+          </a:ln>
+        </p:spPr>
+        <p:style>
+          <a:lnRef idx="2">
+            <a:schemeClr val="accent5">
+              <a:shade val="50000"/>
+            </a:schemeClr>
+          </a:lnRef>
+          <a:fillRef idx="1">
+            <a:schemeClr val="accent5"/>
+          </a:fillRef>
+          <a:effectRef idx="0">
+            <a:schemeClr val="accent5"/>
+          </a:effectRef>
+          <a:fontRef idx="minor">
+            <a:schemeClr val="lt1"/>
+          </a:fontRef>
+        </p:style>
+        <p:txBody>
+          <a:bodyPr rtlCol="0" anchor="ctr"/>
+          <a:lstStyle/>
+          <a:p>
+            <a:pPr algn="ctr"/>
+            <a:endParaRPr lang="en-US"/>
+          </a:p>
+        </p:txBody>
+      </p:sp>
+      <p:sp>
+        <p:nvSpPr>
+          <p:cNvPr id="92" name="Oval 91">
+            <a:extLst>
+              <a:ext uri="{FF2B5EF4-FFF2-40B4-BE49-F238E27FC236}">
+                <a16:creationId xmlns:a16="http://schemas.microsoft.com/office/drawing/2014/main" id="{8A86C1A1-34DE-3651-A751-1841B26EDF61}"/>
+              </a:ext>
+            </a:extLst>
+          </p:cNvPr>
+          <p:cNvSpPr/>
+          <p:nvPr/>
+        </p:nvSpPr>
+        <p:spPr>
+          <a:xfrm>
+            <a:off x="9929583" y="3308418"/>
+            <a:ext cx="140086" cy="140086"/>
+          </a:xfrm>
+          <a:prstGeom prst="ellipse">
+            <a:avLst/>
+          </a:prstGeom>
+          <a:solidFill>
+            <a:srgbClr val="00B0F0"/>
+          </a:solidFill>
+          <a:ln w="31750">
+            <a:solidFill>
+              <a:schemeClr val="bg1"/>
+            </a:solidFill>
+          </a:ln>
+        </p:spPr>
+        <p:style>
+          <a:lnRef idx="2">
+            <a:schemeClr val="accent5">
+              <a:shade val="50000"/>
+            </a:schemeClr>
+          </a:lnRef>
+          <a:fillRef idx="1">
+            <a:schemeClr val="accent5"/>
+          </a:fillRef>
+          <a:effectRef idx="0">
+            <a:schemeClr val="accent5"/>
+          </a:effectRef>
+          <a:fontRef idx="minor">
+            <a:schemeClr val="lt1"/>
+          </a:fontRef>
+        </p:style>
+        <p:txBody>
+          <a:bodyPr rtlCol="0" anchor="ctr"/>
+          <a:lstStyle/>
+          <a:p>
+            <a:pPr algn="ctr"/>
+            <a:endParaRPr lang="en-US"/>
+          </a:p>
+        </p:txBody>
+      </p:sp>
+      <p:sp>
+        <p:nvSpPr>
+          <p:cNvPr id="47" name="Oval 46">
+            <a:extLst>
+              <a:ext uri="{FF2B5EF4-FFF2-40B4-BE49-F238E27FC236}">
+                <a16:creationId xmlns:a16="http://schemas.microsoft.com/office/drawing/2014/main" id="{2CE1FB23-4974-DE59-DEE6-7EBF2C2ADB12}"/>
+              </a:ext>
+            </a:extLst>
+          </p:cNvPr>
+          <p:cNvSpPr/>
+          <p:nvPr/>
+        </p:nvSpPr>
+        <p:spPr>
+          <a:xfrm>
+            <a:off x="10176957" y="3613438"/>
+            <a:ext cx="140086" cy="140086"/>
+          </a:xfrm>
+          <a:prstGeom prst="ellipse">
+            <a:avLst/>
+          </a:prstGeom>
+          <a:solidFill>
+            <a:schemeClr val="accent5">
+              <a:lumMod val="60000"/>
+              <a:lumOff val="40000"/>
+            </a:schemeClr>
+          </a:solidFill>
+          <a:ln>
+            <a:solidFill>
+              <a:schemeClr val="tx1"/>
+            </a:solidFill>
+          </a:ln>
+        </p:spPr>
+        <p:style>
+          <a:lnRef idx="3">
+            <a:schemeClr val="lt1"/>
+          </a:lnRef>
+          <a:fillRef idx="1">
+            <a:schemeClr val="accent6"/>
+          </a:fillRef>
+          <a:effectRef idx="1">
+            <a:schemeClr val="accent6"/>
+          </a:effectRef>
+          <a:fontRef idx="minor">
+            <a:schemeClr val="lt1"/>
+          </a:fontRef>
+        </p:style>
+        <p:txBody>
+          <a:bodyPr rtlCol="0" anchor="ctr"/>
+          <a:lstStyle/>
+          <a:p>
+            <a:pPr algn="ctr"/>
+            <a:endParaRPr lang="en-US"/>
+          </a:p>
+        </p:txBody>
+      </p:sp>
+    </p:spTree>
+    <p:extLst>
+      <p:ext uri="{BB962C8B-B14F-4D97-AF65-F5344CB8AC3E}">
+        <p14:creationId xmlns:p14="http://schemas.microsoft.com/office/powerpoint/2010/main" val="797074174"/>
+      </p:ext>
+    </p:extLst>
+  </p:cSld>
+  <p:clrMapOvr>
+    <a:masterClrMapping/>
+  </p:clrMapOvr>
+</p:sld>
+</file>
+
+<file path=ppt/slides/slide21.xml><?xml version="1.0" encoding="utf-8"?>
+<p:sld xmlns:a="http://schemas.openxmlformats.org/drawingml/2006/main" xmlns:r="http://schemas.openxmlformats.org/officeDocument/2006/relationships" xmlns:p="http://schemas.openxmlformats.org/presentationml/2006/main">
+  <p:cSld>
+    <p:spTree>
+      <p:nvGrpSpPr>
+        <p:cNvPr id="1" name="">
+          <a:extLst>
+            <a:ext uri="{FF2B5EF4-FFF2-40B4-BE49-F238E27FC236}">
+              <a16:creationId xmlns:a16="http://schemas.microsoft.com/office/drawing/2014/main" id="{6151865B-ADCD-2AC8-036C-4698A7C1C18C}"/>
+            </a:ext>
+          </a:extLst>
+        </p:cNvPr>
+        <p:cNvGrpSpPr/>
+        <p:nvPr/>
+      </p:nvGrpSpPr>
+      <p:grpSpPr>
+        <a:xfrm>
+          <a:off x="0" y="0"/>
+          <a:ext cx="0" cy="0"/>
+          <a:chOff x="0" y="0"/>
+          <a:chExt cx="0" cy="0"/>
+        </a:xfrm>
+      </p:grpSpPr>
+      <p:sp>
+        <p:nvSpPr>
+          <p:cNvPr id="4" name="Can 3">
+            <a:extLst>
+              <a:ext uri="{FF2B5EF4-FFF2-40B4-BE49-F238E27FC236}">
+                <a16:creationId xmlns:a16="http://schemas.microsoft.com/office/drawing/2014/main" id="{CFFC6903-FC00-8FC6-0AB7-E0EE84EF8FED}"/>
+              </a:ext>
+            </a:extLst>
+          </p:cNvPr>
+          <p:cNvSpPr/>
+          <p:nvPr/>
+        </p:nvSpPr>
+        <p:spPr>
+          <a:xfrm>
+            <a:off x="3225492" y="4812391"/>
+            <a:ext cx="1426477" cy="1679170"/>
+          </a:xfrm>
+          <a:prstGeom prst="can">
+            <a:avLst/>
+          </a:prstGeom>
+        </p:spPr>
+        <p:style>
+          <a:lnRef idx="2">
+            <a:schemeClr val="accent1">
+              <a:shade val="50000"/>
+            </a:schemeClr>
+          </a:lnRef>
+          <a:fillRef idx="1">
+            <a:schemeClr val="accent1"/>
+          </a:fillRef>
+          <a:effectRef idx="0">
+            <a:schemeClr val="accent1"/>
+          </a:effectRef>
+          <a:fontRef idx="minor">
+            <a:schemeClr val="lt1"/>
+          </a:fontRef>
+        </p:style>
+        <p:txBody>
+          <a:bodyPr rtlCol="0" anchor="ctr"/>
+          <a:lstStyle/>
+          <a:p>
+            <a:pPr algn="ctr"/>
+            <a:br>
+              <a:rPr lang="en-US" sz="2000" dirty="0"/>
+            </a:br>
+            <a:endParaRPr lang="en-US" sz="2000" dirty="0"/>
+          </a:p>
+        </p:txBody>
+      </p:sp>
+      <p:cxnSp>
+        <p:nvCxnSpPr>
+          <p:cNvPr id="5" name="Straight Connector 4">
+            <a:extLst>
+              <a:ext uri="{FF2B5EF4-FFF2-40B4-BE49-F238E27FC236}">
+                <a16:creationId xmlns:a16="http://schemas.microsoft.com/office/drawing/2014/main" id="{49E9A376-B0F4-36C4-8F9A-EC118842378A}"/>
+              </a:ext>
+            </a:extLst>
+          </p:cNvPr>
+          <p:cNvCxnSpPr/>
+          <p:nvPr/>
+        </p:nvCxnSpPr>
+        <p:spPr>
+          <a:xfrm>
+            <a:off x="2022263" y="4392718"/>
+            <a:ext cx="5903596" cy="0"/>
+          </a:xfrm>
+          <a:prstGeom prst="line">
+            <a:avLst/>
+          </a:prstGeom>
+          <a:ln w="76200" cmpd="sng">
+            <a:solidFill>
+              <a:srgbClr val="76C5EF"/>
+            </a:solidFill>
+          </a:ln>
+        </p:spPr>
+        <p:style>
+          <a:lnRef idx="2">
+            <a:schemeClr val="accent1"/>
+          </a:lnRef>
+          <a:fillRef idx="0">
+            <a:schemeClr val="accent1"/>
+          </a:fillRef>
+          <a:effectRef idx="1">
+            <a:schemeClr val="accent1"/>
+          </a:effectRef>
+          <a:fontRef idx="minor">
+            <a:schemeClr val="tx1"/>
+          </a:fontRef>
+        </p:style>
+      </p:cxnSp>
       <p:grpSp>
         <p:nvGrpSpPr>
-          <p:cNvPr id="36" name="Group 35">
-            <a:extLst>
-              <a:ext uri="{FF2B5EF4-FFF2-40B4-BE49-F238E27FC236}">
-                <a16:creationId xmlns:a16="http://schemas.microsoft.com/office/drawing/2014/main" id="{3E2AB32D-A067-9BE8-EF79-87C647F90DC6}"/>
+          <p:cNvPr id="6" name="Group 5">
+            <a:extLst>
+              <a:ext uri="{FF2B5EF4-FFF2-40B4-BE49-F238E27FC236}">
+                <a16:creationId xmlns:a16="http://schemas.microsoft.com/office/drawing/2014/main" id="{B0FC3B0F-69F1-0CFA-5140-FD647F91DE9F}"/>
               </a:ext>
             </a:extLst>
           </p:cNvPr>
@@ -25237,18 +27796,18 @@
         </p:nvGrpSpPr>
         <p:grpSpPr>
           <a:xfrm>
-            <a:off x="7332278" y="2542317"/>
-            <a:ext cx="3117765" cy="1479630"/>
-            <a:chOff x="4993889" y="577703"/>
-            <a:chExt cx="3117765" cy="1479630"/>
+            <a:off x="2690664" y="1396256"/>
+            <a:ext cx="4973053" cy="2672510"/>
+            <a:chOff x="1355581" y="1021204"/>
+            <a:chExt cx="6524194" cy="2928680"/>
           </a:xfrm>
         </p:grpSpPr>
         <p:sp>
           <p:nvSpPr>
-            <p:cNvPr id="37" name="Right Arrow 36">
+            <p:cNvPr id="7" name="Cloud 6">
               <a:extLst>
                 <a:ext uri="{FF2B5EF4-FFF2-40B4-BE49-F238E27FC236}">
-                  <a16:creationId xmlns:a16="http://schemas.microsoft.com/office/drawing/2014/main" id="{DB27D89B-5682-4E88-6941-E6A56C20C156}"/>
+                  <a16:creationId xmlns:a16="http://schemas.microsoft.com/office/drawing/2014/main" id="{1B8643B3-E3CC-489E-EC65-6A8CCF6FBCAC}"/>
                 </a:ext>
               </a:extLst>
             </p:cNvPr>
@@ -25256,22 +27815,68 @@
             <p:nvPr/>
           </p:nvSpPr>
           <p:spPr>
-            <a:xfrm rot="940990" flipH="1">
-              <a:off x="5008484" y="605618"/>
-              <a:ext cx="1766804" cy="1407882"/>
+            <a:xfrm>
+              <a:off x="1355581" y="1021204"/>
+              <a:ext cx="6524194" cy="2928680"/>
             </a:xfrm>
-            <a:prstGeom prst="rightArrow">
+            <a:prstGeom prst="cloud">
               <a:avLst/>
             </a:prstGeom>
           </p:spPr>
           <p:style>
-            <a:lnRef idx="3">
-              <a:schemeClr val="lt1"/>
+            <a:lnRef idx="1">
+              <a:schemeClr val="accent1"/>
+            </a:lnRef>
+            <a:fillRef idx="2">
+              <a:schemeClr val="accent1"/>
+            </a:fillRef>
+            <a:effectRef idx="1">
+              <a:schemeClr val="accent1"/>
+            </a:effectRef>
+            <a:fontRef idx="minor">
+              <a:schemeClr val="dk1"/>
+            </a:fontRef>
+          </p:style>
+          <p:txBody>
+            <a:bodyPr rtlCol="0" anchor="ctr"/>
+            <a:lstStyle/>
+            <a:p>
+              <a:pPr algn="ctr"/>
+              <a:endParaRPr lang="en-US" sz="4800" dirty="0"/>
+            </a:p>
+          </p:txBody>
+        </p:sp>
+        <p:sp>
+          <p:nvSpPr>
+            <p:cNvPr id="8" name="Can 7">
+              <a:extLst>
+                <a:ext uri="{FF2B5EF4-FFF2-40B4-BE49-F238E27FC236}">
+                  <a16:creationId xmlns:a16="http://schemas.microsoft.com/office/drawing/2014/main" id="{45881C8D-43CF-67FD-A2AF-CBD8EEAEA5FB}"/>
+                </a:ext>
+              </a:extLst>
+            </p:cNvPr>
+            <p:cNvSpPr/>
+            <p:nvPr/>
+          </p:nvSpPr>
+          <p:spPr>
+            <a:xfrm>
+              <a:off x="5580807" y="1487321"/>
+              <a:ext cx="1871408" cy="1604308"/>
+            </a:xfrm>
+            <a:prstGeom prst="can">
+              <a:avLst/>
+            </a:prstGeom>
+          </p:spPr>
+          <p:style>
+            <a:lnRef idx="2">
+              <a:schemeClr val="accent1">
+                <a:shade val="50000"/>
+              </a:schemeClr>
             </a:lnRef>
             <a:fillRef idx="1">
               <a:schemeClr val="accent1"/>
             </a:fillRef>
-            <a:effectRef idx="1">
+            <a:effectRef idx="0">
               <a:schemeClr val="accent1"/>
             </a:effectRef>
             <a:fontRef idx="minor">
@@ -25284,22 +27889,26 @@
             <a:p>
               <a:pPr algn="ctr"/>
               <a:r>
-                <a:rPr lang="en-US" sz="1600" b="1" dirty="0">
-                  <a:solidFill>
-                    <a:srgbClr val="FFFF00"/>
-                  </a:solidFill>
-                </a:rPr>
-                <a:t>Pull Request</a:t>
+                <a:rPr lang="en-US" sz="2000" dirty="0"/>
+                <a:t>upstream</a:t>
               </a:r>
+            </a:p>
+            <a:p>
+              <a:pPr algn="ctr"/>
+              <a:endParaRPr lang="en-US" sz="2000" i="1" dirty="0"/>
+            </a:p>
+            <a:p>
+              <a:pPr algn="ctr"/>
+              <a:endParaRPr lang="en-US" sz="2000" i="1" dirty="0"/>
             </a:p>
           </p:txBody>
         </p:sp>
         <p:sp>
           <p:nvSpPr>
-            <p:cNvPr id="38" name="Can 37">
+            <p:cNvPr id="9" name="Can 8">
               <a:extLst>
                 <a:ext uri="{FF2B5EF4-FFF2-40B4-BE49-F238E27FC236}">
-                  <a16:creationId xmlns:a16="http://schemas.microsoft.com/office/drawing/2014/main" id="{D5FCED7C-A4A1-32C0-9E1B-CFC169DFC4B5}"/>
+                  <a16:creationId xmlns:a16="http://schemas.microsoft.com/office/drawing/2014/main" id="{BA07ADC5-B648-609B-BBD3-F31CE03B3A38}"/>
                 </a:ext>
               </a:extLst>
             </p:cNvPr>
@@ -25308,8 +27917,8 @@
           </p:nvSpPr>
           <p:spPr>
             <a:xfrm>
-              <a:off x="6685177" y="593353"/>
-              <a:ext cx="1426477" cy="1463980"/>
+              <a:off x="2057227" y="1487321"/>
+              <a:ext cx="1871408" cy="1604308"/>
             </a:xfrm>
             <a:prstGeom prst="can">
               <a:avLst/>
@@ -25351,496 +27960,1175 @@
             </a:p>
           </p:txBody>
         </p:sp>
-        <p:sp>
-          <p:nvSpPr>
-            <p:cNvPr id="39" name="Rounded Rectangle 38">
-              <a:extLst>
-                <a:ext uri="{FF2B5EF4-FFF2-40B4-BE49-F238E27FC236}">
-                  <a16:creationId xmlns:a16="http://schemas.microsoft.com/office/drawing/2014/main" id="{E61ED962-5F28-C653-1ED8-F73BCC0E107F}"/>
-                </a:ext>
-              </a:extLst>
-            </p:cNvPr>
-            <p:cNvSpPr/>
-            <p:nvPr/>
-          </p:nvSpPr>
-          <p:spPr>
-            <a:xfrm>
-              <a:off x="6771419" y="1277443"/>
-              <a:ext cx="1253994" cy="239921"/>
-            </a:xfrm>
-            <a:prstGeom prst="roundRect">
-              <a:avLst/>
-            </a:prstGeom>
-          </p:spPr>
-          <p:style>
-            <a:lnRef idx="3">
-              <a:schemeClr val="lt1"/>
-            </a:lnRef>
-            <a:fillRef idx="1">
-              <a:schemeClr val="accent3"/>
-            </a:fillRef>
-            <a:effectRef idx="1">
-              <a:schemeClr val="accent3"/>
-            </a:effectRef>
-            <a:fontRef idx="minor">
-              <a:schemeClr val="lt1"/>
-            </a:fontRef>
-          </p:style>
-          <p:txBody>
-            <a:bodyPr rtlCol="0" anchor="ctr"/>
-            <a:lstStyle/>
-            <a:p>
-              <a:pPr algn="ctr"/>
-              <a:endParaRPr lang="en-US" sz="1400" dirty="0"/>
-            </a:p>
-          </p:txBody>
-        </p:sp>
-        <p:sp>
-          <p:nvSpPr>
-            <p:cNvPr id="40" name="Oval 39">
-              <a:extLst>
-                <a:ext uri="{FF2B5EF4-FFF2-40B4-BE49-F238E27FC236}">
-                  <a16:creationId xmlns:a16="http://schemas.microsoft.com/office/drawing/2014/main" id="{6E0FD961-D105-FF52-8F75-C92A209F5FC1}"/>
-                </a:ext>
-              </a:extLst>
-            </p:cNvPr>
-            <p:cNvSpPr/>
-            <p:nvPr/>
-          </p:nvSpPr>
-          <p:spPr>
-            <a:xfrm>
-              <a:off x="6815616" y="1328444"/>
-              <a:ext cx="140086" cy="140086"/>
-            </a:xfrm>
-            <a:prstGeom prst="ellipse">
-              <a:avLst/>
-            </a:prstGeom>
-            <a:solidFill>
-              <a:srgbClr val="FF0000"/>
-            </a:solidFill>
-            <a:ln>
+      </p:grpSp>
+      <p:sp>
+        <p:nvSpPr>
+          <p:cNvPr id="10" name="Rounded Rectangle 9">
+            <a:extLst>
+              <a:ext uri="{FF2B5EF4-FFF2-40B4-BE49-F238E27FC236}">
+                <a16:creationId xmlns:a16="http://schemas.microsoft.com/office/drawing/2014/main" id="{5FFC68CA-85B5-8759-519E-878DF60E4C1F}"/>
+              </a:ext>
+            </a:extLst>
+          </p:cNvPr>
+          <p:cNvSpPr/>
+          <p:nvPr/>
+        </p:nvSpPr>
+        <p:spPr>
+          <a:xfrm>
+            <a:off x="6032772" y="2505692"/>
+            <a:ext cx="1253994" cy="239921"/>
+          </a:xfrm>
+          <a:prstGeom prst="roundRect">
+            <a:avLst/>
+          </a:prstGeom>
+        </p:spPr>
+        <p:style>
+          <a:lnRef idx="3">
+            <a:schemeClr val="lt1"/>
+          </a:lnRef>
+          <a:fillRef idx="1">
+            <a:schemeClr val="accent3"/>
+          </a:fillRef>
+          <a:effectRef idx="1">
+            <a:schemeClr val="accent3"/>
+          </a:effectRef>
+          <a:fontRef idx="minor">
+            <a:schemeClr val="lt1"/>
+          </a:fontRef>
+        </p:style>
+        <p:txBody>
+          <a:bodyPr rtlCol="0" anchor="ctr"/>
+          <a:lstStyle/>
+          <a:p>
+            <a:pPr algn="ctr"/>
+            <a:endParaRPr lang="en-US" sz="1400" dirty="0"/>
+          </a:p>
+        </p:txBody>
+      </p:sp>
+      <p:sp>
+        <p:nvSpPr>
+          <p:cNvPr id="11" name="Rounded Rectangle 10">
+            <a:extLst>
+              <a:ext uri="{FF2B5EF4-FFF2-40B4-BE49-F238E27FC236}">
+                <a16:creationId xmlns:a16="http://schemas.microsoft.com/office/drawing/2014/main" id="{FB040FA1-ED09-DA4E-22C0-F2AC8E4B643D}"/>
+              </a:ext>
+            </a:extLst>
+          </p:cNvPr>
+          <p:cNvSpPr/>
+          <p:nvPr/>
+        </p:nvSpPr>
+        <p:spPr>
+          <a:xfrm>
+            <a:off x="3311734" y="2505692"/>
+            <a:ext cx="1253994" cy="239921"/>
+          </a:xfrm>
+          <a:prstGeom prst="roundRect">
+            <a:avLst/>
+          </a:prstGeom>
+        </p:spPr>
+        <p:style>
+          <a:lnRef idx="3">
+            <a:schemeClr val="lt1"/>
+          </a:lnRef>
+          <a:fillRef idx="1">
+            <a:schemeClr val="accent3"/>
+          </a:fillRef>
+          <a:effectRef idx="1">
+            <a:schemeClr val="accent3"/>
+          </a:effectRef>
+          <a:fontRef idx="minor">
+            <a:schemeClr val="lt1"/>
+          </a:fontRef>
+        </p:style>
+        <p:txBody>
+          <a:bodyPr rtlCol="0" anchor="ctr"/>
+          <a:lstStyle/>
+          <a:p>
+            <a:pPr algn="ctr"/>
+            <a:endParaRPr lang="en-US" sz="1400" dirty="0"/>
+          </a:p>
+        </p:txBody>
+      </p:sp>
+      <p:sp>
+        <p:nvSpPr>
+          <p:cNvPr id="12" name="Rounded Rectangle 11">
+            <a:extLst>
+              <a:ext uri="{FF2B5EF4-FFF2-40B4-BE49-F238E27FC236}">
+                <a16:creationId xmlns:a16="http://schemas.microsoft.com/office/drawing/2014/main" id="{C7C616A2-B8A8-7381-566B-0EDD3D90F9F8}"/>
+              </a:ext>
+            </a:extLst>
+          </p:cNvPr>
+          <p:cNvSpPr/>
+          <p:nvPr/>
+        </p:nvSpPr>
+        <p:spPr>
+          <a:xfrm>
+            <a:off x="3302038" y="5218897"/>
+            <a:ext cx="1253994" cy="239921"/>
+          </a:xfrm>
+          <a:prstGeom prst="roundRect">
+            <a:avLst/>
+          </a:prstGeom>
+        </p:spPr>
+        <p:style>
+          <a:lnRef idx="3">
+            <a:schemeClr val="lt1"/>
+          </a:lnRef>
+          <a:fillRef idx="1">
+            <a:schemeClr val="accent3"/>
+          </a:fillRef>
+          <a:effectRef idx="1">
+            <a:schemeClr val="accent3"/>
+          </a:effectRef>
+          <a:fontRef idx="minor">
+            <a:schemeClr val="lt1"/>
+          </a:fontRef>
+        </p:style>
+        <p:txBody>
+          <a:bodyPr rtlCol="0" anchor="ctr"/>
+          <a:lstStyle/>
+          <a:p>
+            <a:pPr algn="ctr"/>
+            <a:endParaRPr lang="en-US" sz="1400" dirty="0"/>
+          </a:p>
+        </p:txBody>
+      </p:sp>
+      <p:sp>
+        <p:nvSpPr>
+          <p:cNvPr id="13" name="TextBox 12">
+            <a:extLst>
+              <a:ext uri="{FF2B5EF4-FFF2-40B4-BE49-F238E27FC236}">
+                <a16:creationId xmlns:a16="http://schemas.microsoft.com/office/drawing/2014/main" id="{53DE4978-199B-8475-ADAF-F88ACFC5AD74}"/>
+              </a:ext>
+            </a:extLst>
+          </p:cNvPr>
+          <p:cNvSpPr txBox="1"/>
+          <p:nvPr/>
+        </p:nvSpPr>
+        <p:spPr>
+          <a:xfrm>
+            <a:off x="5634559" y="3930188"/>
+            <a:ext cx="2435667" cy="369332"/>
+          </a:xfrm>
+          <a:prstGeom prst="rect">
+            <a:avLst/>
+          </a:prstGeom>
+          <a:noFill/>
+        </p:spPr>
+        <p:txBody>
+          <a:bodyPr wrap="none" rtlCol="0">
+            <a:spAutoFit/>
+          </a:bodyPr>
+          <a:lstStyle/>
+          <a:p>
+            <a:r>
+              <a:rPr lang="en-US" dirty="0"/>
+              <a:t>On GitHub (Browser)</a:t>
+            </a:r>
+          </a:p>
+        </p:txBody>
+      </p:sp>
+      <p:sp>
+        <p:nvSpPr>
+          <p:cNvPr id="14" name="TextBox 13">
+            <a:extLst>
+              <a:ext uri="{FF2B5EF4-FFF2-40B4-BE49-F238E27FC236}">
+                <a16:creationId xmlns:a16="http://schemas.microsoft.com/office/drawing/2014/main" id="{04B6FFCC-3FF4-EFFE-080E-5A25B9EADEF4}"/>
+              </a:ext>
+            </a:extLst>
+          </p:cNvPr>
+          <p:cNvSpPr txBox="1"/>
+          <p:nvPr/>
+        </p:nvSpPr>
+        <p:spPr>
+          <a:xfrm>
+            <a:off x="5084729" y="4438807"/>
+            <a:ext cx="2985497" cy="369332"/>
+          </a:xfrm>
+          <a:prstGeom prst="rect">
+            <a:avLst/>
+          </a:prstGeom>
+          <a:noFill/>
+        </p:spPr>
+        <p:txBody>
+          <a:bodyPr wrap="none" rtlCol="0">
+            <a:spAutoFit/>
+          </a:bodyPr>
+          <a:lstStyle/>
+          <a:p>
+            <a:r>
+              <a:rPr lang="en-US" dirty="0"/>
+              <a:t>On Your Machine (git/CLI)</a:t>
+            </a:r>
+          </a:p>
+        </p:txBody>
+      </p:sp>
+      <p:sp>
+        <p:nvSpPr>
+          <p:cNvPr id="15" name="TextBox 14">
+            <a:extLst>
+              <a:ext uri="{FF2B5EF4-FFF2-40B4-BE49-F238E27FC236}">
+                <a16:creationId xmlns:a16="http://schemas.microsoft.com/office/drawing/2014/main" id="{FB2A625A-A1FD-06D1-08BB-D5531B3AB1B9}"/>
+              </a:ext>
+            </a:extLst>
+          </p:cNvPr>
+          <p:cNvSpPr txBox="1"/>
+          <p:nvPr/>
+        </p:nvSpPr>
+        <p:spPr>
+          <a:xfrm>
+            <a:off x="1927596" y="3923587"/>
+            <a:ext cx="1013419" cy="369332"/>
+          </a:xfrm>
+          <a:prstGeom prst="rect">
+            <a:avLst/>
+          </a:prstGeom>
+          <a:noFill/>
+        </p:spPr>
+        <p:txBody>
+          <a:bodyPr wrap="none" rtlCol="0">
+            <a:spAutoFit/>
+          </a:bodyPr>
+          <a:lstStyle/>
+          <a:p>
+            <a:r>
+              <a:rPr lang="en-US" dirty="0"/>
+              <a:t>Remote</a:t>
+            </a:r>
+          </a:p>
+        </p:txBody>
+      </p:sp>
+      <p:sp>
+        <p:nvSpPr>
+          <p:cNvPr id="16" name="TextBox 15">
+            <a:extLst>
+              <a:ext uri="{FF2B5EF4-FFF2-40B4-BE49-F238E27FC236}">
+                <a16:creationId xmlns:a16="http://schemas.microsoft.com/office/drawing/2014/main" id="{E89715AC-68E0-ED3C-2FA6-8B81D880B08E}"/>
+              </a:ext>
+            </a:extLst>
+          </p:cNvPr>
+          <p:cNvSpPr txBox="1"/>
+          <p:nvPr/>
+        </p:nvSpPr>
+        <p:spPr>
+          <a:xfrm>
+            <a:off x="2070471" y="4465313"/>
+            <a:ext cx="748923" cy="369332"/>
+          </a:xfrm>
+          <a:prstGeom prst="rect">
+            <a:avLst/>
+          </a:prstGeom>
+          <a:noFill/>
+        </p:spPr>
+        <p:txBody>
+          <a:bodyPr wrap="none" rtlCol="0">
+            <a:spAutoFit/>
+          </a:bodyPr>
+          <a:lstStyle/>
+          <a:p>
+            <a:r>
+              <a:rPr lang="en-US" dirty="0"/>
+              <a:t>Local</a:t>
+            </a:r>
+          </a:p>
+        </p:txBody>
+      </p:sp>
+      <p:cxnSp>
+        <p:nvCxnSpPr>
+          <p:cNvPr id="17" name="Curved Connector 16">
+            <a:extLst>
+              <a:ext uri="{FF2B5EF4-FFF2-40B4-BE49-F238E27FC236}">
+                <a16:creationId xmlns:a16="http://schemas.microsoft.com/office/drawing/2014/main" id="{F6ADEC66-74FC-6ED2-0C17-B5307E5EF64E}"/>
+              </a:ext>
+            </a:extLst>
+          </p:cNvPr>
+          <p:cNvCxnSpPr>
+            <a:cxnSpLocks/>
+          </p:cNvCxnSpPr>
+          <p:nvPr/>
+        </p:nvCxnSpPr>
+        <p:spPr>
+          <a:xfrm rot="5400000" flipH="1" flipV="1">
+            <a:off x="5282861" y="742649"/>
+            <a:ext cx="19660" cy="2734056"/>
+          </a:xfrm>
+          <a:prstGeom prst="curvedConnector3">
+            <a:avLst>
+              <a:gd name="adj1" fmla="val 1838622"/>
+            </a:avLst>
+          </a:prstGeom>
+          <a:ln w="63500">
+            <a:solidFill>
+              <a:schemeClr val="accent4"/>
+            </a:solidFill>
+            <a:prstDash val="sysDot"/>
+            <a:tailEnd type="triangle"/>
+          </a:ln>
+        </p:spPr>
+        <p:style>
+          <a:lnRef idx="2">
+            <a:schemeClr val="accent1"/>
+          </a:lnRef>
+          <a:fillRef idx="0">
+            <a:schemeClr val="accent1"/>
+          </a:fillRef>
+          <a:effectRef idx="1">
+            <a:schemeClr val="accent1"/>
+          </a:effectRef>
+          <a:fontRef idx="minor">
+            <a:schemeClr val="tx1"/>
+          </a:fontRef>
+        </p:style>
+      </p:cxnSp>
+      <p:cxnSp>
+        <p:nvCxnSpPr>
+          <p:cNvPr id="18" name="Curved Connector 17">
+            <a:extLst>
+              <a:ext uri="{FF2B5EF4-FFF2-40B4-BE49-F238E27FC236}">
+                <a16:creationId xmlns:a16="http://schemas.microsoft.com/office/drawing/2014/main" id="{8531F629-1658-8E08-8B7D-DF5C312C9F68}"/>
+              </a:ext>
+            </a:extLst>
+          </p:cNvPr>
+          <p:cNvCxnSpPr>
+            <a:cxnSpLocks/>
+          </p:cNvCxnSpPr>
+          <p:nvPr/>
+        </p:nvCxnSpPr>
+        <p:spPr>
+          <a:xfrm rot="10800000" flipH="1">
+            <a:off x="3225491" y="2719672"/>
+            <a:ext cx="21649" cy="2932304"/>
+          </a:xfrm>
+          <a:prstGeom prst="curvedConnector3">
+            <a:avLst>
+              <a:gd name="adj1" fmla="val -1055938"/>
+            </a:avLst>
+          </a:prstGeom>
+          <a:ln w="63500">
+            <a:solidFill>
+              <a:schemeClr val="accent4"/>
+            </a:solidFill>
+            <a:prstDash val="sysDot"/>
+            <a:tailEnd type="triangle"/>
+          </a:ln>
+        </p:spPr>
+        <p:style>
+          <a:lnRef idx="2">
+            <a:schemeClr val="accent1"/>
+          </a:lnRef>
+          <a:fillRef idx="0">
+            <a:schemeClr val="accent1"/>
+          </a:fillRef>
+          <a:effectRef idx="1">
+            <a:schemeClr val="accent1"/>
+          </a:effectRef>
+          <a:fontRef idx="minor">
+            <a:schemeClr val="tx1"/>
+          </a:fontRef>
+        </p:style>
+      </p:cxnSp>
+      <p:sp>
+        <p:nvSpPr>
+          <p:cNvPr id="19" name="Rounded Rectangle 18">
+            <a:extLst>
+              <a:ext uri="{FF2B5EF4-FFF2-40B4-BE49-F238E27FC236}">
+                <a16:creationId xmlns:a16="http://schemas.microsoft.com/office/drawing/2014/main" id="{ACD2BA8C-1E95-4A09-2B23-641EEF400FE3}"/>
+              </a:ext>
+            </a:extLst>
+          </p:cNvPr>
+          <p:cNvSpPr/>
+          <p:nvPr/>
+        </p:nvSpPr>
+        <p:spPr>
+          <a:xfrm>
+            <a:off x="6328314" y="4820118"/>
+            <a:ext cx="1471845" cy="239921"/>
+          </a:xfrm>
+          <a:prstGeom prst="roundRect">
+            <a:avLst/>
+          </a:prstGeom>
+        </p:spPr>
+        <p:style>
+          <a:lnRef idx="3">
+            <a:schemeClr val="lt1"/>
+          </a:lnRef>
+          <a:fillRef idx="1">
+            <a:schemeClr val="accent3"/>
+          </a:fillRef>
+          <a:effectRef idx="1">
+            <a:schemeClr val="accent3"/>
+          </a:effectRef>
+          <a:fontRef idx="minor">
+            <a:schemeClr val="lt1"/>
+          </a:fontRef>
+        </p:style>
+        <p:txBody>
+          <a:bodyPr rtlCol="0" anchor="ctr"/>
+          <a:lstStyle/>
+          <a:p>
+            <a:pPr algn="ctr"/>
+            <a:r>
+              <a:rPr lang="en-US" sz="1200" dirty="0"/>
+              <a:t>main branch</a:t>
+            </a:r>
+          </a:p>
+        </p:txBody>
+      </p:sp>
+      <p:sp>
+        <p:nvSpPr>
+          <p:cNvPr id="20" name="Rounded Rectangle 19">
+            <a:extLst>
+              <a:ext uri="{FF2B5EF4-FFF2-40B4-BE49-F238E27FC236}">
+                <a16:creationId xmlns:a16="http://schemas.microsoft.com/office/drawing/2014/main" id="{90DF71FA-E0C0-3A05-B40B-C3F97B7D7861}"/>
+              </a:ext>
+            </a:extLst>
+          </p:cNvPr>
+          <p:cNvSpPr/>
+          <p:nvPr/>
+        </p:nvSpPr>
+        <p:spPr>
+          <a:xfrm>
+            <a:off x="3311735" y="5529744"/>
+            <a:ext cx="1253994" cy="239921"/>
+          </a:xfrm>
+          <a:prstGeom prst="roundRect">
+            <a:avLst/>
+          </a:prstGeom>
+        </p:spPr>
+        <p:style>
+          <a:lnRef idx="3">
+            <a:schemeClr val="lt1"/>
+          </a:lnRef>
+          <a:fillRef idx="1">
+            <a:schemeClr val="accent4"/>
+          </a:fillRef>
+          <a:effectRef idx="1">
+            <a:schemeClr val="accent4"/>
+          </a:effectRef>
+          <a:fontRef idx="minor">
+            <a:schemeClr val="lt1"/>
+          </a:fontRef>
+        </p:style>
+        <p:txBody>
+          <a:bodyPr rtlCol="0" anchor="ctr"/>
+          <a:lstStyle/>
+          <a:p>
+            <a:pPr algn="ctr"/>
+            <a:endParaRPr lang="en-US" sz="1200" dirty="0"/>
+          </a:p>
+        </p:txBody>
+      </p:sp>
+      <p:sp>
+        <p:nvSpPr>
+          <p:cNvPr id="21" name="Parallelogram 20">
+            <a:extLst>
+              <a:ext uri="{FF2B5EF4-FFF2-40B4-BE49-F238E27FC236}">
+                <a16:creationId xmlns:a16="http://schemas.microsoft.com/office/drawing/2014/main" id="{B5B4D8C2-A2C8-1A8D-F3EE-397751487681}"/>
+              </a:ext>
+            </a:extLst>
+          </p:cNvPr>
+          <p:cNvSpPr/>
+          <p:nvPr/>
+        </p:nvSpPr>
+        <p:spPr>
+          <a:xfrm>
+            <a:off x="5493939" y="5529744"/>
+            <a:ext cx="1104476" cy="587856"/>
+          </a:xfrm>
+          <a:prstGeom prst="parallelogram">
+            <a:avLst/>
+          </a:prstGeom>
+        </p:spPr>
+        <p:style>
+          <a:lnRef idx="1">
+            <a:schemeClr val="accent1"/>
+          </a:lnRef>
+          <a:fillRef idx="3">
+            <a:schemeClr val="accent1"/>
+          </a:fillRef>
+          <a:effectRef idx="2">
+            <a:schemeClr val="accent1"/>
+          </a:effectRef>
+          <a:fontRef idx="minor">
+            <a:schemeClr val="lt1"/>
+          </a:fontRef>
+        </p:style>
+        <p:txBody>
+          <a:bodyPr rtlCol="0" anchor="ctr"/>
+          <a:lstStyle/>
+          <a:p>
+            <a:pPr algn="ctr"/>
+            <a:endParaRPr lang="en-US" dirty="0">
               <a:solidFill>
-                <a:schemeClr val="tx1"/>
+                <a:srgbClr val="000000"/>
               </a:solidFill>
-            </a:ln>
-          </p:spPr>
-          <p:style>
-            <a:lnRef idx="2">
-              <a:schemeClr val="accent5">
-                <a:shade val="50000"/>
-              </a:schemeClr>
-            </a:lnRef>
-            <a:fillRef idx="1">
-              <a:schemeClr val="accent5"/>
-            </a:fillRef>
-            <a:effectRef idx="0">
-              <a:schemeClr val="accent5"/>
-            </a:effectRef>
-            <a:fontRef idx="minor">
-              <a:schemeClr val="lt1"/>
-            </a:fontRef>
-          </p:style>
-          <p:txBody>
-            <a:bodyPr rtlCol="0" anchor="ctr"/>
-            <a:lstStyle/>
-            <a:p>
-              <a:pPr algn="ctr"/>
-              <a:endParaRPr lang="en-US"/>
-            </a:p>
-          </p:txBody>
-        </p:sp>
-        <p:cxnSp>
-          <p:nvCxnSpPr>
-            <p:cNvPr id="41" name="Straight Connector 40">
-              <a:extLst>
-                <a:ext uri="{FF2B5EF4-FFF2-40B4-BE49-F238E27FC236}">
-                  <a16:creationId xmlns:a16="http://schemas.microsoft.com/office/drawing/2014/main" id="{92673F7B-7883-730F-9FAF-7636BC23AC39}"/>
-                </a:ext>
-              </a:extLst>
-            </p:cNvPr>
-            <p:cNvCxnSpPr>
-              <a:stCxn id="40" idx="6"/>
-              <a:endCxn id="42" idx="2"/>
-            </p:cNvCxnSpPr>
-            <p:nvPr/>
-          </p:nvCxnSpPr>
-          <p:spPr>
-            <a:xfrm flipV="1">
-              <a:off x="6955702" y="1395199"/>
-              <a:ext cx="105890" cy="3288"/>
-            </a:xfrm>
-            <a:prstGeom prst="line">
-              <a:avLst/>
-            </a:prstGeom>
-            <a:ln>
-              <a:solidFill>
-                <a:schemeClr val="tx1"/>
-              </a:solidFill>
-            </a:ln>
-          </p:spPr>
-          <p:style>
-            <a:lnRef idx="3">
-              <a:schemeClr val="accent5"/>
-            </a:lnRef>
-            <a:fillRef idx="0">
-              <a:schemeClr val="accent5"/>
-            </a:fillRef>
-            <a:effectRef idx="2">
-              <a:schemeClr val="accent5"/>
-            </a:effectRef>
-            <a:fontRef idx="minor">
+            </a:endParaRPr>
+          </a:p>
+        </p:txBody>
+      </p:sp>
+      <p:sp>
+        <p:nvSpPr>
+          <p:cNvPr id="22" name="Rounded Rectangle 21">
+            <a:extLst>
+              <a:ext uri="{FF2B5EF4-FFF2-40B4-BE49-F238E27FC236}">
+                <a16:creationId xmlns:a16="http://schemas.microsoft.com/office/drawing/2014/main" id="{6950B72C-62CB-FEEE-FC9B-7B9C9AFFF1AA}"/>
+              </a:ext>
+            </a:extLst>
+          </p:cNvPr>
+          <p:cNvSpPr/>
+          <p:nvPr/>
+        </p:nvSpPr>
+        <p:spPr>
+          <a:xfrm>
+            <a:off x="5752672" y="5697621"/>
+            <a:ext cx="526199" cy="239921"/>
+          </a:xfrm>
+          <a:prstGeom prst="roundRect">
+            <a:avLst/>
+          </a:prstGeom>
+          <a:solidFill>
+            <a:schemeClr val="accent4">
+              <a:lumMod val="20000"/>
+              <a:lumOff val="80000"/>
+            </a:schemeClr>
+          </a:solidFill>
+        </p:spPr>
+        <p:style>
+          <a:lnRef idx="3">
+            <a:schemeClr val="lt1"/>
+          </a:lnRef>
+          <a:fillRef idx="1">
+            <a:schemeClr val="accent4"/>
+          </a:fillRef>
+          <a:effectRef idx="1">
+            <a:schemeClr val="accent4"/>
+          </a:effectRef>
+          <a:fontRef idx="minor">
+            <a:schemeClr val="lt1"/>
+          </a:fontRef>
+        </p:style>
+        <p:txBody>
+          <a:bodyPr rtlCol="0" anchor="ctr"/>
+          <a:lstStyle/>
+          <a:p>
+            <a:pPr algn="ctr"/>
+            <a:endParaRPr lang="en-US" sz="1200" dirty="0"/>
+          </a:p>
+        </p:txBody>
+      </p:sp>
+      <p:sp>
+        <p:nvSpPr>
+          <p:cNvPr id="23" name="Rounded Rectangle 22">
+            <a:extLst>
+              <a:ext uri="{FF2B5EF4-FFF2-40B4-BE49-F238E27FC236}">
+                <a16:creationId xmlns:a16="http://schemas.microsoft.com/office/drawing/2014/main" id="{224C1DB3-D150-A3B3-81A9-F754EAA797E3}"/>
+              </a:ext>
+            </a:extLst>
+          </p:cNvPr>
+          <p:cNvSpPr/>
+          <p:nvPr/>
+        </p:nvSpPr>
+        <p:spPr>
+          <a:xfrm>
+            <a:off x="6328314" y="5080896"/>
+            <a:ext cx="1471845" cy="239921"/>
+          </a:xfrm>
+          <a:prstGeom prst="roundRect">
+            <a:avLst/>
+          </a:prstGeom>
+        </p:spPr>
+        <p:style>
+          <a:lnRef idx="3">
+            <a:schemeClr val="lt1"/>
+          </a:lnRef>
+          <a:fillRef idx="1">
+            <a:schemeClr val="accent4"/>
+          </a:fillRef>
+          <a:effectRef idx="1">
+            <a:schemeClr val="accent4"/>
+          </a:effectRef>
+          <a:fontRef idx="minor">
+            <a:schemeClr val="lt1"/>
+          </a:fontRef>
+        </p:style>
+        <p:txBody>
+          <a:bodyPr rtlCol="0" anchor="ctr"/>
+          <a:lstStyle/>
+          <a:p>
+            <a:pPr algn="ctr"/>
+            <a:r>
+              <a:rPr lang="en-US" sz="1200" dirty="0"/>
+              <a:t>feature branch</a:t>
+            </a:r>
+          </a:p>
+        </p:txBody>
+      </p:sp>
+      <p:sp>
+        <p:nvSpPr>
+          <p:cNvPr id="24" name="Rounded Rectangle 23">
+            <a:extLst>
+              <a:ext uri="{FF2B5EF4-FFF2-40B4-BE49-F238E27FC236}">
+                <a16:creationId xmlns:a16="http://schemas.microsoft.com/office/drawing/2014/main" id="{4A029393-4E0A-F8A2-EAAD-5E658F3E0C8C}"/>
+              </a:ext>
+            </a:extLst>
+          </p:cNvPr>
+          <p:cNvSpPr/>
+          <p:nvPr/>
+        </p:nvSpPr>
+        <p:spPr>
+          <a:xfrm>
+            <a:off x="3671950" y="6144690"/>
+            <a:ext cx="871375" cy="210376"/>
+          </a:xfrm>
+          <a:prstGeom prst="roundRect">
+            <a:avLst/>
+          </a:prstGeom>
+        </p:spPr>
+        <p:style>
+          <a:lnRef idx="3">
+            <a:schemeClr val="lt1"/>
+          </a:lnRef>
+          <a:fillRef idx="1">
+            <a:schemeClr val="accent5"/>
+          </a:fillRef>
+          <a:effectRef idx="1">
+            <a:schemeClr val="accent5"/>
+          </a:effectRef>
+          <a:fontRef idx="minor">
+            <a:schemeClr val="lt1"/>
+          </a:fontRef>
+        </p:style>
+        <p:txBody>
+          <a:bodyPr rtlCol="0" anchor="ctr"/>
+          <a:lstStyle/>
+          <a:p>
+            <a:pPr algn="ctr"/>
+            <a:r>
+              <a:rPr lang="en-US" sz="1400" dirty="0"/>
+              <a:t>Stage</a:t>
+            </a:r>
+          </a:p>
+        </p:txBody>
+      </p:sp>
+      <p:sp>
+        <p:nvSpPr>
+          <p:cNvPr id="25" name="TextBox 24">
+            <a:extLst>
+              <a:ext uri="{FF2B5EF4-FFF2-40B4-BE49-F238E27FC236}">
+                <a16:creationId xmlns:a16="http://schemas.microsoft.com/office/drawing/2014/main" id="{0EB2CC33-801C-D7FF-2B6D-EAAD35F5D653}"/>
+              </a:ext>
+            </a:extLst>
+          </p:cNvPr>
+          <p:cNvSpPr txBox="1"/>
+          <p:nvPr/>
+        </p:nvSpPr>
+        <p:spPr>
+          <a:xfrm>
+            <a:off x="5605983" y="5256647"/>
+            <a:ext cx="1056700" cy="307777"/>
+          </a:xfrm>
+          <a:prstGeom prst="rect">
+            <a:avLst/>
+          </a:prstGeom>
+          <a:noFill/>
+        </p:spPr>
+        <p:txBody>
+          <a:bodyPr wrap="none" rtlCol="0">
+            <a:spAutoFit/>
+          </a:bodyPr>
+          <a:lstStyle/>
+          <a:p>
+            <a:r>
+              <a:rPr lang="en-US" sz="1400" dirty="0"/>
+              <a:t>Local Files</a:t>
+            </a:r>
+          </a:p>
+        </p:txBody>
+      </p:sp>
+      <p:sp>
+        <p:nvSpPr>
+          <p:cNvPr id="26" name="Rounded Rectangle 25">
+            <a:extLst>
+              <a:ext uri="{FF2B5EF4-FFF2-40B4-BE49-F238E27FC236}">
+                <a16:creationId xmlns:a16="http://schemas.microsoft.com/office/drawing/2014/main" id="{37C883BA-3AEC-6CF5-07A0-EBF86AE7B0DB}"/>
+              </a:ext>
+            </a:extLst>
+          </p:cNvPr>
+          <p:cNvSpPr/>
+          <p:nvPr/>
+        </p:nvSpPr>
+        <p:spPr>
+          <a:xfrm>
+            <a:off x="3321257" y="2810332"/>
+            <a:ext cx="1253994" cy="239921"/>
+          </a:xfrm>
+          <a:prstGeom prst="roundRect">
+            <a:avLst/>
+          </a:prstGeom>
+        </p:spPr>
+        <p:style>
+          <a:lnRef idx="3">
+            <a:schemeClr val="lt1"/>
+          </a:lnRef>
+          <a:fillRef idx="1">
+            <a:schemeClr val="accent4"/>
+          </a:fillRef>
+          <a:effectRef idx="1">
+            <a:schemeClr val="accent4"/>
+          </a:effectRef>
+          <a:fontRef idx="minor">
+            <a:schemeClr val="lt1"/>
+          </a:fontRef>
+        </p:style>
+        <p:txBody>
+          <a:bodyPr rtlCol="0" anchor="ctr"/>
+          <a:lstStyle/>
+          <a:p>
+            <a:pPr algn="ctr"/>
+            <a:endParaRPr lang="en-US" sz="1200" dirty="0"/>
+          </a:p>
+        </p:txBody>
+      </p:sp>
+      <p:sp>
+        <p:nvSpPr>
+          <p:cNvPr id="27" name="Can 26">
+            <a:extLst>
+              <a:ext uri="{FF2B5EF4-FFF2-40B4-BE49-F238E27FC236}">
+                <a16:creationId xmlns:a16="http://schemas.microsoft.com/office/drawing/2014/main" id="{946FC085-0372-51F5-D8D3-DD8BECD57813}"/>
+              </a:ext>
+            </a:extLst>
+          </p:cNvPr>
+          <p:cNvSpPr/>
+          <p:nvPr/>
+        </p:nvSpPr>
+        <p:spPr>
+          <a:xfrm>
+            <a:off x="8600474" y="333861"/>
+            <a:ext cx="1426477" cy="1463980"/>
+          </a:xfrm>
+          <a:prstGeom prst="can">
+            <a:avLst/>
+          </a:prstGeom>
+        </p:spPr>
+        <p:style>
+          <a:lnRef idx="2">
+            <a:schemeClr val="accent1">
+              <a:shade val="50000"/>
+            </a:schemeClr>
+          </a:lnRef>
+          <a:fillRef idx="1">
+            <a:schemeClr val="accent1"/>
+          </a:fillRef>
+          <a:effectRef idx="0">
+            <a:schemeClr val="accent1"/>
+          </a:effectRef>
+          <a:fontRef idx="minor">
+            <a:schemeClr val="lt1"/>
+          </a:fontRef>
+        </p:style>
+        <p:txBody>
+          <a:bodyPr rtlCol="0" anchor="ctr"/>
+          <a:lstStyle/>
+          <a:p>
+            <a:pPr algn="ctr"/>
+            <a:r>
+              <a:rPr lang="en-US" sz="2000" dirty="0"/>
+              <a:t>origin</a:t>
+            </a:r>
+          </a:p>
+          <a:p>
+            <a:pPr algn="ctr"/>
+            <a:endParaRPr lang="en-US" sz="2000" i="1" dirty="0"/>
+          </a:p>
+          <a:p>
+            <a:pPr algn="ctr"/>
+            <a:endParaRPr lang="en-US" sz="2000" i="1" dirty="0"/>
+          </a:p>
+        </p:txBody>
+      </p:sp>
+      <p:sp>
+        <p:nvSpPr>
+          <p:cNvPr id="28" name="Rounded Rectangle 27">
+            <a:extLst>
+              <a:ext uri="{FF2B5EF4-FFF2-40B4-BE49-F238E27FC236}">
+                <a16:creationId xmlns:a16="http://schemas.microsoft.com/office/drawing/2014/main" id="{333E1609-EED6-B3EC-ECD3-5289535A5437}"/>
+              </a:ext>
+            </a:extLst>
+          </p:cNvPr>
+          <p:cNvSpPr/>
+          <p:nvPr/>
+        </p:nvSpPr>
+        <p:spPr>
+          <a:xfrm>
+            <a:off x="8686716" y="1017951"/>
+            <a:ext cx="1253994" cy="239921"/>
+          </a:xfrm>
+          <a:prstGeom prst="roundRect">
+            <a:avLst/>
+          </a:prstGeom>
+        </p:spPr>
+        <p:style>
+          <a:lnRef idx="3">
+            <a:schemeClr val="lt1"/>
+          </a:lnRef>
+          <a:fillRef idx="1">
+            <a:schemeClr val="accent3"/>
+          </a:fillRef>
+          <a:effectRef idx="1">
+            <a:schemeClr val="accent3"/>
+          </a:effectRef>
+          <a:fontRef idx="minor">
+            <a:schemeClr val="lt1"/>
+          </a:fontRef>
+        </p:style>
+        <p:txBody>
+          <a:bodyPr rtlCol="0" anchor="ctr"/>
+          <a:lstStyle/>
+          <a:p>
+            <a:pPr algn="ctr"/>
+            <a:endParaRPr lang="en-US" sz="1400" dirty="0"/>
+          </a:p>
+        </p:txBody>
+      </p:sp>
+      <p:sp>
+        <p:nvSpPr>
+          <p:cNvPr id="29" name="Oval 28">
+            <a:extLst>
+              <a:ext uri="{FF2B5EF4-FFF2-40B4-BE49-F238E27FC236}">
+                <a16:creationId xmlns:a16="http://schemas.microsoft.com/office/drawing/2014/main" id="{A2CA4C7C-0420-5F61-BC3C-F6A4551077F9}"/>
+              </a:ext>
+            </a:extLst>
+          </p:cNvPr>
+          <p:cNvSpPr/>
+          <p:nvPr/>
+        </p:nvSpPr>
+        <p:spPr>
+          <a:xfrm>
+            <a:off x="8730913" y="1068952"/>
+            <a:ext cx="140086" cy="140086"/>
+          </a:xfrm>
+          <a:prstGeom prst="ellipse">
+            <a:avLst/>
+          </a:prstGeom>
+          <a:solidFill>
+            <a:srgbClr val="FF0000"/>
+          </a:solidFill>
+          <a:ln>
+            <a:solidFill>
               <a:schemeClr val="tx1"/>
-            </a:fontRef>
-          </p:style>
-        </p:cxnSp>
-        <p:sp>
-          <p:nvSpPr>
-            <p:cNvPr id="42" name="Oval 41">
-              <a:extLst>
-                <a:ext uri="{FF2B5EF4-FFF2-40B4-BE49-F238E27FC236}">
-                  <a16:creationId xmlns:a16="http://schemas.microsoft.com/office/drawing/2014/main" id="{A725D468-4768-0A60-9CE8-B9D916391281}"/>
-                </a:ext>
-              </a:extLst>
-            </p:cNvPr>
-            <p:cNvSpPr/>
-            <p:nvPr/>
-          </p:nvSpPr>
-          <p:spPr>
-            <a:xfrm>
-              <a:off x="7061592" y="1325156"/>
-              <a:ext cx="140086" cy="140086"/>
-            </a:xfrm>
-            <a:prstGeom prst="ellipse">
-              <a:avLst/>
-            </a:prstGeom>
-            <a:solidFill>
-              <a:srgbClr val="FFFF00"/>
-            </a:solidFill>
-            <a:ln>
-              <a:solidFill>
-                <a:schemeClr val="tx1"/>
-              </a:solidFill>
-            </a:ln>
-          </p:spPr>
-          <p:style>
-            <a:lnRef idx="2">
-              <a:schemeClr val="accent5">
-                <a:shade val="50000"/>
-              </a:schemeClr>
-            </a:lnRef>
-            <a:fillRef idx="1">
-              <a:schemeClr val="accent5"/>
-            </a:fillRef>
-            <a:effectRef idx="0">
-              <a:schemeClr val="accent5"/>
-            </a:effectRef>
-            <a:fontRef idx="minor">
-              <a:schemeClr val="lt1"/>
-            </a:fontRef>
-          </p:style>
-          <p:txBody>
-            <a:bodyPr rtlCol="0" anchor="ctr"/>
-            <a:lstStyle/>
-            <a:p>
-              <a:pPr algn="ctr"/>
-              <a:endParaRPr lang="en-US"/>
-            </a:p>
-          </p:txBody>
-        </p:sp>
-        <p:cxnSp>
-          <p:nvCxnSpPr>
-            <p:cNvPr id="43" name="Straight Connector 42">
-              <a:extLst>
-                <a:ext uri="{FF2B5EF4-FFF2-40B4-BE49-F238E27FC236}">
-                  <a16:creationId xmlns:a16="http://schemas.microsoft.com/office/drawing/2014/main" id="{2F71CB9B-6A4F-4B3E-76C1-A28AC3291E8A}"/>
-                </a:ext>
-              </a:extLst>
-            </p:cNvPr>
-            <p:cNvCxnSpPr>
-              <a:endCxn id="44" idx="2"/>
-            </p:cNvCxnSpPr>
-            <p:nvPr/>
-          </p:nvCxnSpPr>
-          <p:spPr>
-            <a:xfrm flipV="1">
-              <a:off x="7208118" y="1397156"/>
-              <a:ext cx="105890" cy="3288"/>
-            </a:xfrm>
-            <a:prstGeom prst="line">
-              <a:avLst/>
-            </a:prstGeom>
-            <a:ln>
-              <a:solidFill>
-                <a:schemeClr val="tx1"/>
-              </a:solidFill>
-            </a:ln>
-          </p:spPr>
-          <p:style>
-            <a:lnRef idx="3">
-              <a:schemeClr val="accent5"/>
-            </a:lnRef>
-            <a:fillRef idx="0">
-              <a:schemeClr val="accent5"/>
-            </a:fillRef>
-            <a:effectRef idx="2">
-              <a:schemeClr val="accent5"/>
-            </a:effectRef>
-            <a:fontRef idx="minor">
+            </a:solidFill>
+          </a:ln>
+        </p:spPr>
+        <p:style>
+          <a:lnRef idx="2">
+            <a:schemeClr val="accent5">
+              <a:shade val="50000"/>
+            </a:schemeClr>
+          </a:lnRef>
+          <a:fillRef idx="1">
+            <a:schemeClr val="accent5"/>
+          </a:fillRef>
+          <a:effectRef idx="0">
+            <a:schemeClr val="accent5"/>
+          </a:effectRef>
+          <a:fontRef idx="minor">
+            <a:schemeClr val="lt1"/>
+          </a:fontRef>
+        </p:style>
+        <p:txBody>
+          <a:bodyPr rtlCol="0" anchor="ctr"/>
+          <a:lstStyle/>
+          <a:p>
+            <a:pPr algn="ctr"/>
+            <a:endParaRPr lang="en-US"/>
+          </a:p>
+        </p:txBody>
+      </p:sp>
+      <p:cxnSp>
+        <p:nvCxnSpPr>
+          <p:cNvPr id="30" name="Straight Connector 29">
+            <a:extLst>
+              <a:ext uri="{FF2B5EF4-FFF2-40B4-BE49-F238E27FC236}">
+                <a16:creationId xmlns:a16="http://schemas.microsoft.com/office/drawing/2014/main" id="{796A61CF-8391-D04E-164F-F1070E46F0F7}"/>
+              </a:ext>
+            </a:extLst>
+          </p:cNvPr>
+          <p:cNvCxnSpPr>
+            <a:cxnSpLocks/>
+            <a:stCxn id="29" idx="6"/>
+            <a:endCxn id="31" idx="2"/>
+          </p:cNvCxnSpPr>
+          <p:nvPr/>
+        </p:nvCxnSpPr>
+        <p:spPr>
+          <a:xfrm flipV="1">
+            <a:off x="8870999" y="1135707"/>
+            <a:ext cx="75410" cy="3288"/>
+          </a:xfrm>
+          <a:prstGeom prst="line">
+            <a:avLst/>
+          </a:prstGeom>
+          <a:ln>
+            <a:solidFill>
               <a:schemeClr val="tx1"/>
-            </a:fontRef>
-          </p:style>
-        </p:cxnSp>
-        <p:sp>
-          <p:nvSpPr>
-            <p:cNvPr id="44" name="Oval 43">
-              <a:extLst>
-                <a:ext uri="{FF2B5EF4-FFF2-40B4-BE49-F238E27FC236}">
-                  <a16:creationId xmlns:a16="http://schemas.microsoft.com/office/drawing/2014/main" id="{1EA5168D-5E39-DF36-E489-4A0E86B290EC}"/>
-                </a:ext>
-              </a:extLst>
-            </p:cNvPr>
-            <p:cNvSpPr/>
-            <p:nvPr/>
-          </p:nvSpPr>
-          <p:spPr>
-            <a:xfrm>
-              <a:off x="7314008" y="1327113"/>
-              <a:ext cx="140086" cy="140086"/>
-            </a:xfrm>
-            <a:prstGeom prst="ellipse">
-              <a:avLst/>
-            </a:prstGeom>
-            <a:solidFill>
-              <a:srgbClr val="00B050"/>
-            </a:solidFill>
-            <a:ln>
-              <a:solidFill>
-                <a:schemeClr val="tx1"/>
-              </a:solidFill>
-            </a:ln>
-          </p:spPr>
-          <p:style>
-            <a:lnRef idx="2">
-              <a:schemeClr val="accent5">
-                <a:shade val="50000"/>
-              </a:schemeClr>
-            </a:lnRef>
-            <a:fillRef idx="1">
-              <a:schemeClr val="accent5"/>
-            </a:fillRef>
-            <a:effectRef idx="0">
-              <a:schemeClr val="accent5"/>
-            </a:effectRef>
-            <a:fontRef idx="minor">
-              <a:schemeClr val="lt1"/>
-            </a:fontRef>
-          </p:style>
-          <p:txBody>
-            <a:bodyPr rtlCol="0" anchor="ctr"/>
-            <a:lstStyle/>
-            <a:p>
-              <a:pPr algn="ctr"/>
-              <a:endParaRPr lang="en-US"/>
-            </a:p>
-          </p:txBody>
-        </p:sp>
-        <p:sp>
-          <p:nvSpPr>
-            <p:cNvPr id="45" name="Rounded Rectangle 44">
-              <a:extLst>
-                <a:ext uri="{FF2B5EF4-FFF2-40B4-BE49-F238E27FC236}">
-                  <a16:creationId xmlns:a16="http://schemas.microsoft.com/office/drawing/2014/main" id="{FC6B117B-ED77-DA0F-68A5-3F7227401ABC}"/>
-                </a:ext>
-              </a:extLst>
-            </p:cNvPr>
-            <p:cNvSpPr/>
-            <p:nvPr/>
-          </p:nvSpPr>
-          <p:spPr>
-            <a:xfrm>
-              <a:off x="6780942" y="1582083"/>
-              <a:ext cx="1253994" cy="239921"/>
-            </a:xfrm>
-            <a:prstGeom prst="roundRect">
-              <a:avLst/>
-            </a:prstGeom>
-          </p:spPr>
-          <p:style>
-            <a:lnRef idx="3">
-              <a:schemeClr val="lt1"/>
-            </a:lnRef>
-            <a:fillRef idx="1">
+            </a:solidFill>
+          </a:ln>
+        </p:spPr>
+        <p:style>
+          <a:lnRef idx="3">
+            <a:schemeClr val="accent5"/>
+          </a:lnRef>
+          <a:fillRef idx="0">
+            <a:schemeClr val="accent5"/>
+          </a:fillRef>
+          <a:effectRef idx="2">
+            <a:schemeClr val="accent5"/>
+          </a:effectRef>
+          <a:fontRef idx="minor">
+            <a:schemeClr val="tx1"/>
+          </a:fontRef>
+        </p:style>
+      </p:cxnSp>
+      <p:sp>
+        <p:nvSpPr>
+          <p:cNvPr id="31" name="Oval 30">
+            <a:extLst>
+              <a:ext uri="{FF2B5EF4-FFF2-40B4-BE49-F238E27FC236}">
+                <a16:creationId xmlns:a16="http://schemas.microsoft.com/office/drawing/2014/main" id="{AFBBD720-0169-C4CF-F69B-40B39AE0C0E6}"/>
+              </a:ext>
+            </a:extLst>
+          </p:cNvPr>
+          <p:cNvSpPr/>
+          <p:nvPr/>
+        </p:nvSpPr>
+        <p:spPr>
+          <a:xfrm>
+            <a:off x="8946409" y="1065664"/>
+            <a:ext cx="140086" cy="140086"/>
+          </a:xfrm>
+          <a:prstGeom prst="ellipse">
+            <a:avLst/>
+          </a:prstGeom>
+          <a:solidFill>
+            <a:srgbClr val="FFFF00"/>
+          </a:solidFill>
+          <a:ln>
+            <a:solidFill>
+              <a:schemeClr val="tx1"/>
+            </a:solidFill>
+          </a:ln>
+        </p:spPr>
+        <p:style>
+          <a:lnRef idx="2">
+            <a:schemeClr val="accent5">
+              <a:shade val="50000"/>
+            </a:schemeClr>
+          </a:lnRef>
+          <a:fillRef idx="1">
+            <a:schemeClr val="accent5"/>
+          </a:fillRef>
+          <a:effectRef idx="0">
+            <a:schemeClr val="accent5"/>
+          </a:effectRef>
+          <a:fontRef idx="minor">
+            <a:schemeClr val="lt1"/>
+          </a:fontRef>
+        </p:style>
+        <p:txBody>
+          <a:bodyPr rtlCol="0" anchor="ctr"/>
+          <a:lstStyle/>
+          <a:p>
+            <a:pPr algn="ctr"/>
+            <a:endParaRPr lang="en-US"/>
+          </a:p>
+        </p:txBody>
+      </p:sp>
+      <p:sp>
+        <p:nvSpPr>
+          <p:cNvPr id="32" name="Rounded Rectangle 31">
+            <a:extLst>
+              <a:ext uri="{FF2B5EF4-FFF2-40B4-BE49-F238E27FC236}">
+                <a16:creationId xmlns:a16="http://schemas.microsoft.com/office/drawing/2014/main" id="{8999D38A-61E4-644B-7DD9-6C1CAB768B8D}"/>
+              </a:ext>
+            </a:extLst>
+          </p:cNvPr>
+          <p:cNvSpPr/>
+          <p:nvPr/>
+        </p:nvSpPr>
+        <p:spPr>
+          <a:xfrm>
+            <a:off x="8696239" y="1322591"/>
+            <a:ext cx="1253994" cy="239921"/>
+          </a:xfrm>
+          <a:prstGeom prst="roundRect">
+            <a:avLst/>
+          </a:prstGeom>
+        </p:spPr>
+        <p:style>
+          <a:lnRef idx="3">
+            <a:schemeClr val="lt1"/>
+          </a:lnRef>
+          <a:fillRef idx="1">
+            <a:schemeClr val="accent4"/>
+          </a:fillRef>
+          <a:effectRef idx="1">
+            <a:schemeClr val="accent4"/>
+          </a:effectRef>
+          <a:fontRef idx="minor">
+            <a:schemeClr val="lt1"/>
+          </a:fontRef>
+        </p:style>
+        <p:txBody>
+          <a:bodyPr rtlCol="0" anchor="ctr"/>
+          <a:lstStyle/>
+          <a:p>
+            <a:pPr algn="ctr"/>
+            <a:endParaRPr lang="en-US" sz="1200" dirty="0"/>
+          </a:p>
+        </p:txBody>
+      </p:sp>
+      <p:cxnSp>
+        <p:nvCxnSpPr>
+          <p:cNvPr id="33" name="Curved Connector 32">
+            <a:extLst>
+              <a:ext uri="{FF2B5EF4-FFF2-40B4-BE49-F238E27FC236}">
+                <a16:creationId xmlns:a16="http://schemas.microsoft.com/office/drawing/2014/main" id="{24894381-B3A0-F2B1-3FFF-F36954CDA070}"/>
+              </a:ext>
+            </a:extLst>
+          </p:cNvPr>
+          <p:cNvCxnSpPr>
+            <a:cxnSpLocks/>
+          </p:cNvCxnSpPr>
+          <p:nvPr/>
+        </p:nvCxnSpPr>
+        <p:spPr>
+          <a:xfrm rot="16200000" flipH="1">
+            <a:off x="9552716" y="1235839"/>
+            <a:ext cx="238783" cy="151524"/>
+          </a:xfrm>
+          <a:prstGeom prst="curvedConnector2">
+            <a:avLst/>
+          </a:prstGeom>
+          <a:ln>
+            <a:solidFill>
+              <a:schemeClr val="tx1"/>
+            </a:solidFill>
+            <a:tailEnd type="triangle"/>
+          </a:ln>
+        </p:spPr>
+        <p:style>
+          <a:lnRef idx="2">
+            <a:schemeClr val="accent1"/>
+          </a:lnRef>
+          <a:fillRef idx="0">
+            <a:schemeClr val="accent1"/>
+          </a:fillRef>
+          <a:effectRef idx="1">
+            <a:schemeClr val="accent1"/>
+          </a:effectRef>
+          <a:fontRef idx="minor">
+            <a:schemeClr val="tx1"/>
+          </a:fontRef>
+        </p:style>
+      </p:cxnSp>
+      <p:cxnSp>
+        <p:nvCxnSpPr>
+          <p:cNvPr id="34" name="Curved Connector 33">
+            <a:extLst>
+              <a:ext uri="{FF2B5EF4-FFF2-40B4-BE49-F238E27FC236}">
+                <a16:creationId xmlns:a16="http://schemas.microsoft.com/office/drawing/2014/main" id="{7B4B0151-BCD5-B1FD-DB3D-431C3EDD4678}"/>
+              </a:ext>
+            </a:extLst>
+          </p:cNvPr>
+          <p:cNvCxnSpPr>
+            <a:cxnSpLocks/>
+          </p:cNvCxnSpPr>
+          <p:nvPr/>
+        </p:nvCxnSpPr>
+        <p:spPr>
+          <a:xfrm rot="10800000" flipV="1">
+            <a:off x="6912260" y="730521"/>
+            <a:ext cx="1768017" cy="1242101"/>
+          </a:xfrm>
+          <a:prstGeom prst="curvedConnector3">
+            <a:avLst>
+              <a:gd name="adj1" fmla="val 106567"/>
+            </a:avLst>
+          </a:prstGeom>
+          <a:ln w="63500">
+            <a:solidFill>
               <a:schemeClr val="accent4"/>
-            </a:fillRef>
-            <a:effectRef idx="1">
+            </a:solidFill>
+            <a:prstDash val="sysDot"/>
+            <a:tailEnd type="triangle"/>
+          </a:ln>
+        </p:spPr>
+        <p:style>
+          <a:lnRef idx="2">
+            <a:schemeClr val="accent1"/>
+          </a:lnRef>
+          <a:fillRef idx="0">
+            <a:schemeClr val="accent1"/>
+          </a:fillRef>
+          <a:effectRef idx="1">
+            <a:schemeClr val="accent1"/>
+          </a:effectRef>
+          <a:fontRef idx="minor">
+            <a:schemeClr val="tx1"/>
+          </a:fontRef>
+        </p:style>
+      </p:cxnSp>
+      <p:cxnSp>
+        <p:nvCxnSpPr>
+          <p:cNvPr id="35" name="Curved Connector 34">
+            <a:extLst>
+              <a:ext uri="{FF2B5EF4-FFF2-40B4-BE49-F238E27FC236}">
+                <a16:creationId xmlns:a16="http://schemas.microsoft.com/office/drawing/2014/main" id="{12F41C9F-7B46-EB0E-A0C2-4B7F89A51BED}"/>
+              </a:ext>
+            </a:extLst>
+          </p:cNvPr>
+          <p:cNvCxnSpPr>
+            <a:cxnSpLocks/>
+          </p:cNvCxnSpPr>
+          <p:nvPr/>
+        </p:nvCxnSpPr>
+        <p:spPr>
+          <a:xfrm flipV="1">
+            <a:off x="4651969" y="3294487"/>
+            <a:ext cx="2093022" cy="2357489"/>
+          </a:xfrm>
+          <a:prstGeom prst="curvedConnector2">
+            <a:avLst/>
+          </a:prstGeom>
+          <a:ln w="63500">
+            <a:solidFill>
               <a:schemeClr val="accent4"/>
-            </a:effectRef>
-            <a:fontRef idx="minor">
-              <a:schemeClr val="lt1"/>
-            </a:fontRef>
-          </p:style>
-          <p:txBody>
-            <a:bodyPr rtlCol="0" anchor="ctr"/>
-            <a:lstStyle/>
-            <a:p>
-              <a:pPr algn="ctr"/>
-              <a:endParaRPr lang="en-US" sz="1200" dirty="0"/>
-            </a:p>
-          </p:txBody>
-        </p:sp>
-        <p:cxnSp>
-          <p:nvCxnSpPr>
-            <p:cNvPr id="46" name="Curved Connector 45">
-              <a:extLst>
-                <a:ext uri="{FF2B5EF4-FFF2-40B4-BE49-F238E27FC236}">
-                  <a16:creationId xmlns:a16="http://schemas.microsoft.com/office/drawing/2014/main" id="{D3AA2F63-B511-3252-9DA9-E0C5546EFDCB}"/>
-                </a:ext>
-              </a:extLst>
-            </p:cNvPr>
-            <p:cNvCxnSpPr>
-              <a:cxnSpLocks/>
-            </p:cNvCxnSpPr>
-            <p:nvPr/>
-          </p:nvCxnSpPr>
-          <p:spPr>
-            <a:xfrm rot="16200000" flipH="1">
-              <a:off x="7343504" y="1495331"/>
-              <a:ext cx="238783" cy="151524"/>
-            </a:xfrm>
-            <a:prstGeom prst="curvedConnector2">
-              <a:avLst/>
-            </a:prstGeom>
-            <a:ln>
-              <a:solidFill>
-                <a:schemeClr val="tx1"/>
-              </a:solidFill>
-              <a:tailEnd type="triangle"/>
-            </a:ln>
-          </p:spPr>
-          <p:style>
-            <a:lnRef idx="2">
-              <a:schemeClr val="accent1"/>
-            </a:lnRef>
-            <a:fillRef idx="0">
-              <a:schemeClr val="accent1"/>
-            </a:fillRef>
-            <a:effectRef idx="1">
-              <a:schemeClr val="accent1"/>
-            </a:effectRef>
-            <a:fontRef idx="minor">
-              <a:schemeClr val="tx1"/>
-            </a:fontRef>
-          </p:style>
-        </p:cxnSp>
-        <p:sp>
-          <p:nvSpPr>
-            <p:cNvPr id="47" name="Oval 46">
-              <a:extLst>
-                <a:ext uri="{FF2B5EF4-FFF2-40B4-BE49-F238E27FC236}">
-                  <a16:creationId xmlns:a16="http://schemas.microsoft.com/office/drawing/2014/main" id="{2CE1FB23-4974-DE59-DEE6-7EBF2C2ADB12}"/>
-                </a:ext>
-              </a:extLst>
-            </p:cNvPr>
-            <p:cNvSpPr/>
-            <p:nvPr/>
-          </p:nvSpPr>
-          <p:spPr>
-            <a:xfrm>
-              <a:off x="7542543" y="1624522"/>
-              <a:ext cx="140086" cy="140086"/>
-            </a:xfrm>
-            <a:prstGeom prst="ellipse">
-              <a:avLst/>
-            </a:prstGeom>
-            <a:solidFill>
-              <a:schemeClr val="accent5">
-                <a:lumMod val="60000"/>
-                <a:lumOff val="40000"/>
-              </a:schemeClr>
-            </a:solidFill>
-            <a:ln>
-              <a:solidFill>
-                <a:schemeClr val="tx1"/>
-              </a:solidFill>
-            </a:ln>
-          </p:spPr>
-          <p:style>
-            <a:lnRef idx="3">
-              <a:schemeClr val="lt1"/>
-            </a:lnRef>
-            <a:fillRef idx="1">
-              <a:schemeClr val="accent6"/>
-            </a:fillRef>
-            <a:effectRef idx="1">
-              <a:schemeClr val="accent6"/>
-            </a:effectRef>
-            <a:fontRef idx="minor">
-              <a:schemeClr val="lt1"/>
-            </a:fontRef>
-          </p:style>
-          <p:txBody>
-            <a:bodyPr rtlCol="0" anchor="ctr"/>
-            <a:lstStyle/>
-            <a:p>
-              <a:pPr algn="ctr"/>
-              <a:endParaRPr lang="en-US"/>
-            </a:p>
-          </p:txBody>
-        </p:sp>
-        <p:cxnSp>
-          <p:nvCxnSpPr>
-            <p:cNvPr id="48" name="Curved Connector 47">
-              <a:extLst>
-                <a:ext uri="{FF2B5EF4-FFF2-40B4-BE49-F238E27FC236}">
-                  <a16:creationId xmlns:a16="http://schemas.microsoft.com/office/drawing/2014/main" id="{043D2CCF-3DA5-FFD5-210D-89594197A9B0}"/>
-                </a:ext>
-              </a:extLst>
-            </p:cNvPr>
-            <p:cNvCxnSpPr>
-              <a:cxnSpLocks/>
-            </p:cNvCxnSpPr>
-            <p:nvPr/>
-          </p:nvCxnSpPr>
-          <p:spPr>
-            <a:xfrm rot="10800000">
-              <a:off x="4993889" y="577703"/>
-              <a:ext cx="2353196" cy="199066"/>
-            </a:xfrm>
-            <a:prstGeom prst="curvedConnector3">
-              <a:avLst>
-                <a:gd name="adj1" fmla="val 50000"/>
-              </a:avLst>
-            </a:prstGeom>
-            <a:ln w="63500">
-              <a:solidFill>
-                <a:schemeClr val="accent4"/>
-              </a:solidFill>
-              <a:prstDash val="sysDot"/>
-              <a:tailEnd type="triangle"/>
-            </a:ln>
-          </p:spPr>
-          <p:style>
-            <a:lnRef idx="2">
-              <a:schemeClr val="accent1"/>
-            </a:lnRef>
-            <a:fillRef idx="0">
-              <a:schemeClr val="accent1"/>
-            </a:fillRef>
-            <a:effectRef idx="1">
-              <a:schemeClr val="accent1"/>
-            </a:effectRef>
-            <a:fontRef idx="minor">
-              <a:schemeClr val="tx1"/>
-            </a:fontRef>
-          </p:style>
-        </p:cxnSp>
-      </p:grpSp>
-      <p:sp>
-        <p:nvSpPr>
-          <p:cNvPr id="49" name="Right Arrow 48">
-            <a:extLst>
-              <a:ext uri="{FF2B5EF4-FFF2-40B4-BE49-F238E27FC236}">
-                <a16:creationId xmlns:a16="http://schemas.microsoft.com/office/drawing/2014/main" id="{23F60CD0-BF6C-8B09-FA9F-B0D63230F907}"/>
+            </a:solidFill>
+            <a:prstDash val="sysDot"/>
+            <a:tailEnd type="triangle"/>
+          </a:ln>
+        </p:spPr>
+        <p:style>
+          <a:lnRef idx="2">
+            <a:schemeClr val="accent1"/>
+          </a:lnRef>
+          <a:fillRef idx="0">
+            <a:schemeClr val="accent1"/>
+          </a:fillRef>
+          <a:effectRef idx="1">
+            <a:schemeClr val="accent1"/>
+          </a:effectRef>
+          <a:fontRef idx="minor">
+            <a:schemeClr val="tx1"/>
+          </a:fontRef>
+        </p:style>
+      </p:cxnSp>
+      <p:sp>
+        <p:nvSpPr>
+          <p:cNvPr id="37" name="Right Arrow 36">
+            <a:extLst>
+              <a:ext uri="{FF2B5EF4-FFF2-40B4-BE49-F238E27FC236}">
+                <a16:creationId xmlns:a16="http://schemas.microsoft.com/office/drawing/2014/main" id="{756C5B0E-DBC6-E869-95FF-09C02A1D03FF}"/>
               </a:ext>
             </a:extLst>
           </p:cNvPr>
@@ -25848,16 +29136,13 @@
           <p:nvPr/>
         </p:nvSpPr>
         <p:spPr>
-          <a:xfrm>
-            <a:off x="4678705" y="2052494"/>
-            <a:ext cx="1394208" cy="1407882"/>
+          <a:xfrm rot="940990" flipH="1">
+            <a:off x="7346873" y="2570232"/>
+            <a:ext cx="1766804" cy="1407882"/>
           </a:xfrm>
           <a:prstGeom prst="rightArrow">
             <a:avLst/>
           </a:prstGeom>
-          <a:solidFill>
-            <a:schemeClr val="accent1"/>
-          </a:solidFill>
         </p:spPr>
         <p:style>
           <a:lnRef idx="3">
@@ -25891,10 +29176,10 @@
       </p:sp>
       <p:sp>
         <p:nvSpPr>
-          <p:cNvPr id="50" name="Right Arrow 49">
-            <a:extLst>
-              <a:ext uri="{FF2B5EF4-FFF2-40B4-BE49-F238E27FC236}">
-                <a16:creationId xmlns:a16="http://schemas.microsoft.com/office/drawing/2014/main" id="{F012F65C-BD3D-593E-0FCB-5432680D3B87}"/>
+          <p:cNvPr id="38" name="Can 37">
+            <a:extLst>
+              <a:ext uri="{FF2B5EF4-FFF2-40B4-BE49-F238E27FC236}">
+                <a16:creationId xmlns:a16="http://schemas.microsoft.com/office/drawing/2014/main" id="{437DD5A4-B973-9C39-3983-7E6EE5D3B78D}"/>
               </a:ext>
             </a:extLst>
           </p:cNvPr>
@@ -25902,22 +29187,129 @@
           <p:nvPr/>
         </p:nvSpPr>
         <p:spPr>
-          <a:xfrm rot="709870">
-            <a:off x="4633447" y="5513493"/>
-            <a:ext cx="1076699" cy="486914"/>
+          <a:xfrm>
+            <a:off x="9023566" y="2557967"/>
+            <a:ext cx="1426477" cy="1463980"/>
+          </a:xfrm>
+          <a:prstGeom prst="can">
+            <a:avLst/>
+          </a:prstGeom>
+        </p:spPr>
+        <p:style>
+          <a:lnRef idx="2">
+            <a:schemeClr val="accent1">
+              <a:shade val="50000"/>
+            </a:schemeClr>
+          </a:lnRef>
+          <a:fillRef idx="1">
+            <a:schemeClr val="accent1"/>
+          </a:fillRef>
+          <a:effectRef idx="0">
+            <a:schemeClr val="accent1"/>
+          </a:effectRef>
+          <a:fontRef idx="minor">
+            <a:schemeClr val="lt1"/>
+          </a:fontRef>
+        </p:style>
+        <p:txBody>
+          <a:bodyPr rtlCol="0" anchor="ctr"/>
+          <a:lstStyle/>
+          <a:p>
+            <a:pPr algn="ctr"/>
+            <a:r>
+              <a:rPr lang="en-US" sz="2000" dirty="0"/>
+              <a:t>origin</a:t>
+            </a:r>
+          </a:p>
+          <a:p>
+            <a:pPr algn="ctr"/>
+            <a:endParaRPr lang="en-US" sz="2000" i="1" dirty="0"/>
+          </a:p>
+          <a:p>
+            <a:pPr algn="ctr"/>
+            <a:endParaRPr lang="en-US" sz="2000" i="1" dirty="0"/>
+          </a:p>
+        </p:txBody>
+      </p:sp>
+      <p:cxnSp>
+        <p:nvCxnSpPr>
+          <p:cNvPr id="48" name="Curved Connector 47">
+            <a:extLst>
+              <a:ext uri="{FF2B5EF4-FFF2-40B4-BE49-F238E27FC236}">
+                <a16:creationId xmlns:a16="http://schemas.microsoft.com/office/drawing/2014/main" id="{1F715CC7-105D-EBC5-C329-D74173A5264E}"/>
+              </a:ext>
+            </a:extLst>
+          </p:cNvPr>
+          <p:cNvCxnSpPr>
+            <a:cxnSpLocks/>
+          </p:cNvCxnSpPr>
+          <p:nvPr/>
+        </p:nvCxnSpPr>
+        <p:spPr>
+          <a:xfrm rot="10800000">
+            <a:off x="7332278" y="2542317"/>
+            <a:ext cx="2353196" cy="199066"/>
+          </a:xfrm>
+          <a:prstGeom prst="curvedConnector3">
+            <a:avLst>
+              <a:gd name="adj1" fmla="val 50000"/>
+            </a:avLst>
+          </a:prstGeom>
+          <a:ln w="63500">
+            <a:solidFill>
+              <a:schemeClr val="accent4"/>
+            </a:solidFill>
+            <a:prstDash val="sysDot"/>
+            <a:tailEnd type="triangle"/>
+          </a:ln>
+        </p:spPr>
+        <p:style>
+          <a:lnRef idx="2">
+            <a:schemeClr val="accent1"/>
+          </a:lnRef>
+          <a:fillRef idx="0">
+            <a:schemeClr val="accent1"/>
+          </a:fillRef>
+          <a:effectRef idx="1">
+            <a:schemeClr val="accent1"/>
+          </a:effectRef>
+          <a:fontRef idx="minor">
+            <a:schemeClr val="tx1"/>
+          </a:fontRef>
+        </p:style>
+      </p:cxnSp>
+      <p:sp>
+        <p:nvSpPr>
+          <p:cNvPr id="49" name="Right Arrow 48">
+            <a:extLst>
+              <a:ext uri="{FF2B5EF4-FFF2-40B4-BE49-F238E27FC236}">
+                <a16:creationId xmlns:a16="http://schemas.microsoft.com/office/drawing/2014/main" id="{D0D80855-1795-E7B0-5EB8-0BCA90D2D7CD}"/>
+              </a:ext>
+            </a:extLst>
+          </p:cNvPr>
+          <p:cNvSpPr/>
+          <p:nvPr/>
+        </p:nvSpPr>
+        <p:spPr>
+          <a:xfrm>
+            <a:off x="4678705" y="2052494"/>
+            <a:ext cx="1394208" cy="1407882"/>
           </a:xfrm>
           <a:prstGeom prst="rightArrow">
             <a:avLst/>
           </a:prstGeom>
-        </p:spPr>
-        <p:style>
-          <a:lnRef idx="1">
-            <a:schemeClr val="accent1"/>
-          </a:lnRef>
-          <a:fillRef idx="3">
-            <a:schemeClr val="accent1"/>
-          </a:fillRef>
-          <a:effectRef idx="2">
+          <a:solidFill>
+            <a:schemeClr val="accent1"/>
+          </a:solidFill>
+        </p:spPr>
+        <p:style>
+          <a:lnRef idx="3">
+            <a:schemeClr val="lt1"/>
+          </a:lnRef>
+          <a:fillRef idx="1">
+            <a:schemeClr val="accent1"/>
+          </a:fillRef>
+          <a:effectRef idx="1">
             <a:schemeClr val="accent1"/>
           </a:effectRef>
           <a:fontRef idx="minor">
@@ -25929,11 +29321,14 @@
           <a:lstStyle/>
           <a:p>
             <a:pPr algn="ctr"/>
-            <a:endParaRPr lang="en-US" sz="2000" b="1" dirty="0">
-              <a:solidFill>
-                <a:srgbClr val="FFFF00"/>
-              </a:solidFill>
-            </a:endParaRPr>
+            <a:r>
+              <a:rPr lang="en-US" sz="1600" b="1" dirty="0">
+                <a:solidFill>
+                  <a:srgbClr val="FFFF00"/>
+                </a:solidFill>
+              </a:rPr>
+              <a:t>Pull Request</a:t>
+            </a:r>
           </a:p>
         </p:txBody>
       </p:sp>
@@ -25942,7 +29337,7 @@
           <p:cNvPr id="51" name="Straight Connector 50">
             <a:extLst>
               <a:ext uri="{FF2B5EF4-FFF2-40B4-BE49-F238E27FC236}">
-                <a16:creationId xmlns:a16="http://schemas.microsoft.com/office/drawing/2014/main" id="{397D7BAC-63B2-A357-698E-42AEED37C6A1}"/>
+                <a16:creationId xmlns:a16="http://schemas.microsoft.com/office/drawing/2014/main" id="{D16342A9-95F6-E2EF-135D-053B5E5E5D60}"/>
               </a:ext>
             </a:extLst>
           </p:cNvPr>
@@ -25985,7 +29380,7 @@
           <p:cNvPr id="52" name="Oval 51">
             <a:extLst>
               <a:ext uri="{FF2B5EF4-FFF2-40B4-BE49-F238E27FC236}">
-                <a16:creationId xmlns:a16="http://schemas.microsoft.com/office/drawing/2014/main" id="{52A92593-B65A-6E32-D6A2-8571E29F7F65}"/>
+                <a16:creationId xmlns:a16="http://schemas.microsoft.com/office/drawing/2014/main" id="{C1B969A1-F3C0-77D6-F62D-1FA376305CBC}"/>
               </a:ext>
             </a:extLst>
           </p:cNvPr>
@@ -26039,7 +29434,7 @@
           <p:cNvPr id="53" name="Straight Connector 52">
             <a:extLst>
               <a:ext uri="{FF2B5EF4-FFF2-40B4-BE49-F238E27FC236}">
-                <a16:creationId xmlns:a16="http://schemas.microsoft.com/office/drawing/2014/main" id="{EB793F1E-14BE-A8D9-E5FE-E4C57C22884F}"/>
+                <a16:creationId xmlns:a16="http://schemas.microsoft.com/office/drawing/2014/main" id="{50494A26-6D45-37EB-BAEF-6F1116333CC3}"/>
               </a:ext>
             </a:extLst>
           </p:cNvPr>
@@ -26083,7 +29478,7 @@
           <p:cNvPr id="54" name="Oval 53">
             <a:extLst>
               <a:ext uri="{FF2B5EF4-FFF2-40B4-BE49-F238E27FC236}">
-                <a16:creationId xmlns:a16="http://schemas.microsoft.com/office/drawing/2014/main" id="{03E325D3-412B-5D8A-F289-08EC24586F57}"/>
+                <a16:creationId xmlns:a16="http://schemas.microsoft.com/office/drawing/2014/main" id="{9F92F3AC-CBA6-D891-AD99-5BE8E0587689}"/>
               </a:ext>
             </a:extLst>
           </p:cNvPr>
@@ -26137,7 +29532,7 @@
           <p:cNvPr id="55" name="Oval 54">
             <a:extLst>
               <a:ext uri="{FF2B5EF4-FFF2-40B4-BE49-F238E27FC236}">
-                <a16:creationId xmlns:a16="http://schemas.microsoft.com/office/drawing/2014/main" id="{F4FDB09B-AF74-7365-6622-6E099839287A}"/>
+                <a16:creationId xmlns:a16="http://schemas.microsoft.com/office/drawing/2014/main" id="{11B46448-E09E-CF88-BEE9-311888EBD382}"/>
               </a:ext>
             </a:extLst>
           </p:cNvPr>
@@ -26191,7 +29586,7 @@
           <p:cNvPr id="56" name="Oval 55">
             <a:extLst>
               <a:ext uri="{FF2B5EF4-FFF2-40B4-BE49-F238E27FC236}">
-                <a16:creationId xmlns:a16="http://schemas.microsoft.com/office/drawing/2014/main" id="{1E6BD34F-0ACF-F680-6404-FCF724558374}"/>
+                <a16:creationId xmlns:a16="http://schemas.microsoft.com/office/drawing/2014/main" id="{AE567675-F82A-1F35-1D19-3D281CE0686D}"/>
               </a:ext>
             </a:extLst>
           </p:cNvPr>
@@ -26245,7 +29640,7 @@
           <p:cNvPr id="57" name="Straight Connector 56">
             <a:extLst>
               <a:ext uri="{FF2B5EF4-FFF2-40B4-BE49-F238E27FC236}">
-                <a16:creationId xmlns:a16="http://schemas.microsoft.com/office/drawing/2014/main" id="{33BC3C00-FACE-BA00-1200-32B925B1EFD7}"/>
+                <a16:creationId xmlns:a16="http://schemas.microsoft.com/office/drawing/2014/main" id="{0039E087-C50B-7D2B-2D42-C4D1EA206766}"/>
               </a:ext>
             </a:extLst>
           </p:cNvPr>
@@ -26290,7 +29685,7 @@
           <p:cNvPr id="58" name="Oval 57">
             <a:extLst>
               <a:ext uri="{FF2B5EF4-FFF2-40B4-BE49-F238E27FC236}">
-                <a16:creationId xmlns:a16="http://schemas.microsoft.com/office/drawing/2014/main" id="{DB59DD04-186A-EECD-6732-167BD8785862}"/>
+                <a16:creationId xmlns:a16="http://schemas.microsoft.com/office/drawing/2014/main" id="{DDFE1058-2D35-76F7-13ED-503645CB4633}"/>
               </a:ext>
             </a:extLst>
           </p:cNvPr>
@@ -26344,7 +29739,7 @@
           <p:cNvPr id="59" name="Straight Connector 58">
             <a:extLst>
               <a:ext uri="{FF2B5EF4-FFF2-40B4-BE49-F238E27FC236}">
-                <a16:creationId xmlns:a16="http://schemas.microsoft.com/office/drawing/2014/main" id="{1EE68350-71CA-A391-0E98-B8ED963E9A02}"/>
+                <a16:creationId xmlns:a16="http://schemas.microsoft.com/office/drawing/2014/main" id="{3A821623-31D4-8B92-F5A9-5100BF2B5457}"/>
               </a:ext>
             </a:extLst>
           </p:cNvPr>
@@ -26387,7 +29782,7 @@
           <p:cNvPr id="60" name="Oval 59">
             <a:extLst>
               <a:ext uri="{FF2B5EF4-FFF2-40B4-BE49-F238E27FC236}">
-                <a16:creationId xmlns:a16="http://schemas.microsoft.com/office/drawing/2014/main" id="{93246C4D-47A2-4896-62A3-9994AED2FFA6}"/>
+                <a16:creationId xmlns:a16="http://schemas.microsoft.com/office/drawing/2014/main" id="{D3ED3B86-9B17-6601-8B35-7F83018A5801}"/>
               </a:ext>
             </a:extLst>
           </p:cNvPr>
@@ -26441,7 +29836,7 @@
           <p:cNvPr id="61" name="Straight Connector 60">
             <a:extLst>
               <a:ext uri="{FF2B5EF4-FFF2-40B4-BE49-F238E27FC236}">
-                <a16:creationId xmlns:a16="http://schemas.microsoft.com/office/drawing/2014/main" id="{4B468B20-24AE-7151-59E9-E6A5DB107193}"/>
+                <a16:creationId xmlns:a16="http://schemas.microsoft.com/office/drawing/2014/main" id="{81FFFA29-B316-B044-F15D-CEFE961F00C8}"/>
               </a:ext>
             </a:extLst>
           </p:cNvPr>
@@ -26484,7 +29879,7 @@
           <p:cNvPr id="62" name="Straight Connector 61">
             <a:extLst>
               <a:ext uri="{FF2B5EF4-FFF2-40B4-BE49-F238E27FC236}">
-                <a16:creationId xmlns:a16="http://schemas.microsoft.com/office/drawing/2014/main" id="{33A1AE5D-F48B-AE22-8547-648CED2332BB}"/>
+                <a16:creationId xmlns:a16="http://schemas.microsoft.com/office/drawing/2014/main" id="{6B4225F2-B876-0DD6-D2B4-F9C44E43ECE4}"/>
               </a:ext>
             </a:extLst>
           </p:cNvPr>
@@ -26528,7 +29923,7 @@
           <p:cNvPr id="63" name="Oval 62">
             <a:extLst>
               <a:ext uri="{FF2B5EF4-FFF2-40B4-BE49-F238E27FC236}">
-                <a16:creationId xmlns:a16="http://schemas.microsoft.com/office/drawing/2014/main" id="{B03BD494-5843-BC69-C7E5-5F83B17076EC}"/>
+                <a16:creationId xmlns:a16="http://schemas.microsoft.com/office/drawing/2014/main" id="{F2AB3B98-B9A3-E8E5-B70C-961182B268CF}"/>
               </a:ext>
             </a:extLst>
           </p:cNvPr>
@@ -26582,7 +29977,7 @@
           <p:cNvPr id="64" name="Oval 63">
             <a:extLst>
               <a:ext uri="{FF2B5EF4-FFF2-40B4-BE49-F238E27FC236}">
-                <a16:creationId xmlns:a16="http://schemas.microsoft.com/office/drawing/2014/main" id="{47265B3C-271E-D963-EDAC-D421F79482E7}"/>
+                <a16:creationId xmlns:a16="http://schemas.microsoft.com/office/drawing/2014/main" id="{DC02C135-8BD9-BEE2-D81A-5D8D4211C90E}"/>
               </a:ext>
             </a:extLst>
           </p:cNvPr>
@@ -26636,7 +30031,7 @@
           <p:cNvPr id="65" name="Oval 64">
             <a:extLst>
               <a:ext uri="{FF2B5EF4-FFF2-40B4-BE49-F238E27FC236}">
-                <a16:creationId xmlns:a16="http://schemas.microsoft.com/office/drawing/2014/main" id="{BF378A1A-F054-D5BE-81C2-0C078D4191B3}"/>
+                <a16:creationId xmlns:a16="http://schemas.microsoft.com/office/drawing/2014/main" id="{58598E44-9AD6-6232-8BF8-9374DD6E681F}"/>
               </a:ext>
             </a:extLst>
           </p:cNvPr>
@@ -26690,7 +30085,7 @@
           <p:cNvPr id="66" name="Straight Connector 65">
             <a:extLst>
               <a:ext uri="{FF2B5EF4-FFF2-40B4-BE49-F238E27FC236}">
-                <a16:creationId xmlns:a16="http://schemas.microsoft.com/office/drawing/2014/main" id="{223E55E8-2025-E8AF-BB9E-B432B6EF99A1}"/>
+                <a16:creationId xmlns:a16="http://schemas.microsoft.com/office/drawing/2014/main" id="{BED0CB92-28CE-9395-D3B8-FBE35B0440CD}"/>
               </a:ext>
             </a:extLst>
           </p:cNvPr>
@@ -26735,7 +30130,7 @@
           <p:cNvPr id="67" name="Oval 66">
             <a:extLst>
               <a:ext uri="{FF2B5EF4-FFF2-40B4-BE49-F238E27FC236}">
-                <a16:creationId xmlns:a16="http://schemas.microsoft.com/office/drawing/2014/main" id="{0B82E63D-F01F-30F9-D851-F8CD6BDF302F}"/>
+                <a16:creationId xmlns:a16="http://schemas.microsoft.com/office/drawing/2014/main" id="{CD44DE9B-463F-8097-E6DB-453A7A931E58}"/>
               </a:ext>
             </a:extLst>
           </p:cNvPr>
@@ -26789,7 +30184,7 @@
           <p:cNvPr id="68" name="Curved Connector 67">
             <a:extLst>
               <a:ext uri="{FF2B5EF4-FFF2-40B4-BE49-F238E27FC236}">
-                <a16:creationId xmlns:a16="http://schemas.microsoft.com/office/drawing/2014/main" id="{1D108FB3-9ADB-E6B3-D984-5FFF2C466DCC}"/>
+                <a16:creationId xmlns:a16="http://schemas.microsoft.com/office/drawing/2014/main" id="{74B87A16-3902-B5CD-B25C-96750AD58682}"/>
               </a:ext>
             </a:extLst>
           </p:cNvPr>
@@ -26833,7 +30228,7 @@
           <p:cNvPr id="69" name="Straight Connector 68">
             <a:extLst>
               <a:ext uri="{FF2B5EF4-FFF2-40B4-BE49-F238E27FC236}">
-                <a16:creationId xmlns:a16="http://schemas.microsoft.com/office/drawing/2014/main" id="{0EA9004D-E21F-AC03-ED63-B490CDB02A54}"/>
+                <a16:creationId xmlns:a16="http://schemas.microsoft.com/office/drawing/2014/main" id="{ABAD919E-0D2E-2C76-6952-F78FE98FCF2D}"/>
               </a:ext>
             </a:extLst>
           </p:cNvPr>
@@ -26876,7 +30271,7 @@
           <p:cNvPr id="70" name="Oval 69">
             <a:extLst>
               <a:ext uri="{FF2B5EF4-FFF2-40B4-BE49-F238E27FC236}">
-                <a16:creationId xmlns:a16="http://schemas.microsoft.com/office/drawing/2014/main" id="{29737F55-A9E2-491E-2B60-B815787F0E19}"/>
+                <a16:creationId xmlns:a16="http://schemas.microsoft.com/office/drawing/2014/main" id="{22FE90B6-8924-C1D8-F79F-F1735BE1A25E}"/>
               </a:ext>
             </a:extLst>
           </p:cNvPr>
@@ -26930,7 +30325,7 @@
           <p:cNvPr id="71" name="Straight Connector 70">
             <a:extLst>
               <a:ext uri="{FF2B5EF4-FFF2-40B4-BE49-F238E27FC236}">
-                <a16:creationId xmlns:a16="http://schemas.microsoft.com/office/drawing/2014/main" id="{D5439ADA-9E8A-DF7E-B19A-5BC8919E764D}"/>
+                <a16:creationId xmlns:a16="http://schemas.microsoft.com/office/drawing/2014/main" id="{FFE54163-1EC1-13AD-B2D3-D26BC7115C4A}"/>
               </a:ext>
             </a:extLst>
           </p:cNvPr>
@@ -26974,7 +30369,7 @@
           <p:cNvPr id="72" name="Oval 71">
             <a:extLst>
               <a:ext uri="{FF2B5EF4-FFF2-40B4-BE49-F238E27FC236}">
-                <a16:creationId xmlns:a16="http://schemas.microsoft.com/office/drawing/2014/main" id="{3D4A048F-1B6A-2E63-10D9-0E455A72E6BD}"/>
+                <a16:creationId xmlns:a16="http://schemas.microsoft.com/office/drawing/2014/main" id="{19931899-3B08-6C7F-0A01-CBC8C91C8142}"/>
               </a:ext>
             </a:extLst>
           </p:cNvPr>
@@ -27028,7 +30423,7 @@
           <p:cNvPr id="73" name="Oval 72">
             <a:extLst>
               <a:ext uri="{FF2B5EF4-FFF2-40B4-BE49-F238E27FC236}">
-                <a16:creationId xmlns:a16="http://schemas.microsoft.com/office/drawing/2014/main" id="{97D468D8-7667-9E0E-CFB7-CE7D5578D148}"/>
+                <a16:creationId xmlns:a16="http://schemas.microsoft.com/office/drawing/2014/main" id="{F6EAB222-0636-1C70-3C5B-A3E0C773D1D2}"/>
               </a:ext>
             </a:extLst>
           </p:cNvPr>
@@ -27079,10 +30474,10 @@
       </p:sp>
       <p:sp>
         <p:nvSpPr>
-          <p:cNvPr id="74" name="Oval 73">
-            <a:extLst>
-              <a:ext uri="{FF2B5EF4-FFF2-40B4-BE49-F238E27FC236}">
-                <a16:creationId xmlns:a16="http://schemas.microsoft.com/office/drawing/2014/main" id="{94B7F5E5-2D44-9DF6-E2A7-47966B563A5D}"/>
+          <p:cNvPr id="75" name="Oval 74">
+            <a:extLst>
+              <a:ext uri="{FF2B5EF4-FFF2-40B4-BE49-F238E27FC236}">
+                <a16:creationId xmlns:a16="http://schemas.microsoft.com/office/drawing/2014/main" id="{91841E9C-FACE-8195-EDFD-F2CCCD178F7F}"/>
               </a:ext>
             </a:extLst>
           </p:cNvPr>
@@ -27091,16 +30486,16 @@
         </p:nvSpPr>
         <p:spPr>
           <a:xfrm>
-            <a:off x="5976064" y="5746518"/>
+            <a:off x="3364261" y="2571184"/>
             <a:ext cx="140086" cy="140086"/>
           </a:xfrm>
           <a:prstGeom prst="ellipse">
             <a:avLst/>
           </a:prstGeom>
           <a:solidFill>
-            <a:srgbClr val="945200"/>
+            <a:srgbClr val="FF0000"/>
           </a:solidFill>
-          <a:ln w="19050">
+          <a:ln>
             <a:solidFill>
               <a:schemeClr val="tx1"/>
             </a:solidFill>
@@ -27131,66 +30526,12 @@
           </a:p>
         </p:txBody>
       </p:sp>
-      <p:sp>
-        <p:nvSpPr>
-          <p:cNvPr id="75" name="Oval 74">
-            <a:extLst>
-              <a:ext uri="{FF2B5EF4-FFF2-40B4-BE49-F238E27FC236}">
-                <a16:creationId xmlns:a16="http://schemas.microsoft.com/office/drawing/2014/main" id="{2681F330-4331-A628-9157-CE01906622AD}"/>
-              </a:ext>
-            </a:extLst>
-          </p:cNvPr>
-          <p:cNvSpPr/>
-          <p:nvPr/>
-        </p:nvSpPr>
-        <p:spPr>
-          <a:xfrm>
-            <a:off x="3364261" y="2571184"/>
-            <a:ext cx="140086" cy="140086"/>
-          </a:xfrm>
-          <a:prstGeom prst="ellipse">
-            <a:avLst/>
-          </a:prstGeom>
-          <a:solidFill>
-            <a:srgbClr val="FF0000"/>
-          </a:solidFill>
-          <a:ln>
-            <a:solidFill>
-              <a:schemeClr val="tx1"/>
-            </a:solidFill>
-          </a:ln>
-        </p:spPr>
-        <p:style>
-          <a:lnRef idx="2">
-            <a:schemeClr val="accent5">
-              <a:shade val="50000"/>
-            </a:schemeClr>
-          </a:lnRef>
-          <a:fillRef idx="1">
-            <a:schemeClr val="accent5"/>
-          </a:fillRef>
-          <a:effectRef idx="0">
-            <a:schemeClr val="accent5"/>
-          </a:effectRef>
-          <a:fontRef idx="minor">
-            <a:schemeClr val="lt1"/>
-          </a:fontRef>
-        </p:style>
-        <p:txBody>
-          <a:bodyPr rtlCol="0" anchor="ctr"/>
-          <a:lstStyle/>
-          <a:p>
-            <a:pPr algn="ctr"/>
-            <a:endParaRPr lang="en-US"/>
-          </a:p>
-        </p:txBody>
-      </p:sp>
       <p:cxnSp>
         <p:nvCxnSpPr>
           <p:cNvPr id="76" name="Straight Connector 75">
             <a:extLst>
               <a:ext uri="{FF2B5EF4-FFF2-40B4-BE49-F238E27FC236}">
-                <a16:creationId xmlns:a16="http://schemas.microsoft.com/office/drawing/2014/main" id="{A36A77EA-1A46-D3BE-8A67-7C6D1FFD633E}"/>
+                <a16:creationId xmlns:a16="http://schemas.microsoft.com/office/drawing/2014/main" id="{3F57DBE7-4E23-6E02-9ADE-C04C58403088}"/>
               </a:ext>
             </a:extLst>
           </p:cNvPr>
@@ -27235,7 +30576,7 @@
           <p:cNvPr id="77" name="Oval 76">
             <a:extLst>
               <a:ext uri="{FF2B5EF4-FFF2-40B4-BE49-F238E27FC236}">
-                <a16:creationId xmlns:a16="http://schemas.microsoft.com/office/drawing/2014/main" id="{22751413-7EC8-BEFE-1B3F-E41ACB35333B}"/>
+                <a16:creationId xmlns:a16="http://schemas.microsoft.com/office/drawing/2014/main" id="{9BA5E0F0-57B8-DBD7-3F0A-C590F4B9DF79}"/>
               </a:ext>
             </a:extLst>
           </p:cNvPr>
@@ -27289,7 +30630,7 @@
           <p:cNvPr id="78" name="Curved Connector 77">
             <a:extLst>
               <a:ext uri="{FF2B5EF4-FFF2-40B4-BE49-F238E27FC236}">
-                <a16:creationId xmlns:a16="http://schemas.microsoft.com/office/drawing/2014/main" id="{1132624F-C119-02AB-EACC-CE87BDDEB652}"/>
+                <a16:creationId xmlns:a16="http://schemas.microsoft.com/office/drawing/2014/main" id="{B2CEEF82-E9D8-BBB2-6EF4-C9791F3909D1}"/>
               </a:ext>
             </a:extLst>
           </p:cNvPr>
@@ -27333,7 +30674,7 @@
           <p:cNvPr id="79" name="Straight Connector 78">
             <a:extLst>
               <a:ext uri="{FF2B5EF4-FFF2-40B4-BE49-F238E27FC236}">
-                <a16:creationId xmlns:a16="http://schemas.microsoft.com/office/drawing/2014/main" id="{3C6DCBA6-712A-1F6E-7BFE-8E107E8C301C}"/>
+                <a16:creationId xmlns:a16="http://schemas.microsoft.com/office/drawing/2014/main" id="{110CDABB-8BD1-D6C2-D953-9D7A59D6E06A}"/>
               </a:ext>
             </a:extLst>
           </p:cNvPr>
@@ -27376,7 +30717,7 @@
           <p:cNvPr id="80" name="Oval 79">
             <a:extLst>
               <a:ext uri="{FF2B5EF4-FFF2-40B4-BE49-F238E27FC236}">
-                <a16:creationId xmlns:a16="http://schemas.microsoft.com/office/drawing/2014/main" id="{E2E2C1C7-98B6-1EFC-641E-51A5ADB3D44A}"/>
+                <a16:creationId xmlns:a16="http://schemas.microsoft.com/office/drawing/2014/main" id="{F1F48C76-1C26-14EB-F527-63E247519A65}"/>
               </a:ext>
             </a:extLst>
           </p:cNvPr>
@@ -27430,7 +30771,7 @@
           <p:cNvPr id="81" name="Straight Connector 80">
             <a:extLst>
               <a:ext uri="{FF2B5EF4-FFF2-40B4-BE49-F238E27FC236}">
-                <a16:creationId xmlns:a16="http://schemas.microsoft.com/office/drawing/2014/main" id="{72FC480F-0500-0463-8F42-9C98F6785790}"/>
+                <a16:creationId xmlns:a16="http://schemas.microsoft.com/office/drawing/2014/main" id="{ED6D7BD2-68DC-BA0B-59D7-1AF373726B2A}"/>
               </a:ext>
             </a:extLst>
           </p:cNvPr>
@@ -27474,7 +30815,7 @@
           <p:cNvPr id="82" name="Oval 81">
             <a:extLst>
               <a:ext uri="{FF2B5EF4-FFF2-40B4-BE49-F238E27FC236}">
-                <a16:creationId xmlns:a16="http://schemas.microsoft.com/office/drawing/2014/main" id="{B2513758-CC8F-0CE2-B835-0C76D80D60B5}"/>
+                <a16:creationId xmlns:a16="http://schemas.microsoft.com/office/drawing/2014/main" id="{87B0B850-FFB7-A64C-E403-FF7B6B0F3EF0}"/>
               </a:ext>
             </a:extLst>
           </p:cNvPr>
@@ -27528,7 +30869,7 @@
           <p:cNvPr id="83" name="Oval 82">
             <a:extLst>
               <a:ext uri="{FF2B5EF4-FFF2-40B4-BE49-F238E27FC236}">
-                <a16:creationId xmlns:a16="http://schemas.microsoft.com/office/drawing/2014/main" id="{CC09E82C-04F8-F6A9-C5EA-353966828885}"/>
+                <a16:creationId xmlns:a16="http://schemas.microsoft.com/office/drawing/2014/main" id="{EBCEE0BC-1159-5CCE-9DD6-B29ED4CB4EAE}"/>
               </a:ext>
             </a:extLst>
           </p:cNvPr>
@@ -27577,10 +30918,946 @@
           </a:p>
         </p:txBody>
       </p:sp>
+      <p:sp>
+        <p:nvSpPr>
+          <p:cNvPr id="2" name="Rounded Rectangle 1">
+            <a:extLst>
+              <a:ext uri="{FF2B5EF4-FFF2-40B4-BE49-F238E27FC236}">
+                <a16:creationId xmlns:a16="http://schemas.microsoft.com/office/drawing/2014/main" id="{9B39734F-F943-29E5-FD41-35256F7D7D90}"/>
+              </a:ext>
+            </a:extLst>
+          </p:cNvPr>
+          <p:cNvSpPr/>
+          <p:nvPr/>
+        </p:nvSpPr>
+        <p:spPr>
+          <a:xfrm>
+            <a:off x="9085585" y="3250662"/>
+            <a:ext cx="1253994" cy="239921"/>
+          </a:xfrm>
+          <a:prstGeom prst="roundRect">
+            <a:avLst/>
+          </a:prstGeom>
+        </p:spPr>
+        <p:style>
+          <a:lnRef idx="3">
+            <a:schemeClr val="lt1"/>
+          </a:lnRef>
+          <a:fillRef idx="1">
+            <a:schemeClr val="accent3"/>
+          </a:fillRef>
+          <a:effectRef idx="1">
+            <a:schemeClr val="accent3"/>
+          </a:effectRef>
+          <a:fontRef idx="minor">
+            <a:schemeClr val="lt1"/>
+          </a:fontRef>
+        </p:style>
+        <p:txBody>
+          <a:bodyPr rtlCol="0" anchor="ctr"/>
+          <a:lstStyle/>
+          <a:p>
+            <a:pPr algn="ctr"/>
+            <a:endParaRPr lang="en-US" sz="1400" dirty="0"/>
+          </a:p>
+        </p:txBody>
+      </p:sp>
+      <p:sp>
+        <p:nvSpPr>
+          <p:cNvPr id="3" name="Rounded Rectangle 2">
+            <a:extLst>
+              <a:ext uri="{FF2B5EF4-FFF2-40B4-BE49-F238E27FC236}">
+                <a16:creationId xmlns:a16="http://schemas.microsoft.com/office/drawing/2014/main" id="{2559CE71-9EED-EAE4-4411-4FAA3AB72F76}"/>
+              </a:ext>
+            </a:extLst>
+          </p:cNvPr>
+          <p:cNvSpPr/>
+          <p:nvPr/>
+        </p:nvSpPr>
+        <p:spPr>
+          <a:xfrm>
+            <a:off x="9095282" y="3561509"/>
+            <a:ext cx="1253994" cy="239921"/>
+          </a:xfrm>
+          <a:prstGeom prst="roundRect">
+            <a:avLst/>
+          </a:prstGeom>
+        </p:spPr>
+        <p:style>
+          <a:lnRef idx="3">
+            <a:schemeClr val="lt1"/>
+          </a:lnRef>
+          <a:fillRef idx="1">
+            <a:schemeClr val="accent4"/>
+          </a:fillRef>
+          <a:effectRef idx="1">
+            <a:schemeClr val="accent4"/>
+          </a:effectRef>
+          <a:fontRef idx="minor">
+            <a:schemeClr val="lt1"/>
+          </a:fontRef>
+        </p:style>
+        <p:txBody>
+          <a:bodyPr rtlCol="0" anchor="ctr"/>
+          <a:lstStyle/>
+          <a:p>
+            <a:pPr algn="ctr"/>
+            <a:endParaRPr lang="en-US" sz="1200" dirty="0"/>
+          </a:p>
+        </p:txBody>
+      </p:sp>
+      <p:sp>
+        <p:nvSpPr>
+          <p:cNvPr id="84" name="Oval 83">
+            <a:extLst>
+              <a:ext uri="{FF2B5EF4-FFF2-40B4-BE49-F238E27FC236}">
+                <a16:creationId xmlns:a16="http://schemas.microsoft.com/office/drawing/2014/main" id="{DCE43FD8-E7BB-3440-0977-CC810B625EA4}"/>
+              </a:ext>
+            </a:extLst>
+          </p:cNvPr>
+          <p:cNvSpPr/>
+          <p:nvPr/>
+        </p:nvSpPr>
+        <p:spPr>
+          <a:xfrm>
+            <a:off x="9136923" y="3313486"/>
+            <a:ext cx="140086" cy="140086"/>
+          </a:xfrm>
+          <a:prstGeom prst="ellipse">
+            <a:avLst/>
+          </a:prstGeom>
+          <a:solidFill>
+            <a:srgbClr val="FF0000"/>
+          </a:solidFill>
+          <a:ln>
+            <a:solidFill>
+              <a:schemeClr val="tx1"/>
+            </a:solidFill>
+          </a:ln>
+        </p:spPr>
+        <p:style>
+          <a:lnRef idx="2">
+            <a:schemeClr val="accent5">
+              <a:shade val="50000"/>
+            </a:schemeClr>
+          </a:lnRef>
+          <a:fillRef idx="1">
+            <a:schemeClr val="accent5"/>
+          </a:fillRef>
+          <a:effectRef idx="0">
+            <a:schemeClr val="accent5"/>
+          </a:effectRef>
+          <a:fontRef idx="minor">
+            <a:schemeClr val="lt1"/>
+          </a:fontRef>
+        </p:style>
+        <p:txBody>
+          <a:bodyPr rtlCol="0" anchor="ctr"/>
+          <a:lstStyle/>
+          <a:p>
+            <a:pPr algn="ctr"/>
+            <a:endParaRPr lang="en-US"/>
+          </a:p>
+        </p:txBody>
+      </p:sp>
+      <p:cxnSp>
+        <p:nvCxnSpPr>
+          <p:cNvPr id="85" name="Straight Connector 84">
+            <a:extLst>
+              <a:ext uri="{FF2B5EF4-FFF2-40B4-BE49-F238E27FC236}">
+                <a16:creationId xmlns:a16="http://schemas.microsoft.com/office/drawing/2014/main" id="{14F55ABC-4194-55C9-5BAB-604D590CE045}"/>
+              </a:ext>
+            </a:extLst>
+          </p:cNvPr>
+          <p:cNvCxnSpPr>
+            <a:cxnSpLocks/>
+            <a:stCxn id="84" idx="6"/>
+            <a:endCxn id="86" idx="2"/>
+          </p:cNvCxnSpPr>
+          <p:nvPr/>
+        </p:nvCxnSpPr>
+        <p:spPr>
+          <a:xfrm flipV="1">
+            <a:off x="9277009" y="3380241"/>
+            <a:ext cx="75410" cy="3288"/>
+          </a:xfrm>
+          <a:prstGeom prst="line">
+            <a:avLst/>
+          </a:prstGeom>
+          <a:ln>
+            <a:solidFill>
+              <a:schemeClr val="tx1"/>
+            </a:solidFill>
+          </a:ln>
+        </p:spPr>
+        <p:style>
+          <a:lnRef idx="3">
+            <a:schemeClr val="accent5"/>
+          </a:lnRef>
+          <a:fillRef idx="0">
+            <a:schemeClr val="accent5"/>
+          </a:fillRef>
+          <a:effectRef idx="2">
+            <a:schemeClr val="accent5"/>
+          </a:effectRef>
+          <a:fontRef idx="minor">
+            <a:schemeClr val="tx1"/>
+          </a:fontRef>
+        </p:style>
+      </p:cxnSp>
+      <p:sp>
+        <p:nvSpPr>
+          <p:cNvPr id="86" name="Oval 85">
+            <a:extLst>
+              <a:ext uri="{FF2B5EF4-FFF2-40B4-BE49-F238E27FC236}">
+                <a16:creationId xmlns:a16="http://schemas.microsoft.com/office/drawing/2014/main" id="{B630FA03-C1A6-55A5-FFDD-F8EDA3C930F1}"/>
+              </a:ext>
+            </a:extLst>
+          </p:cNvPr>
+          <p:cNvSpPr/>
+          <p:nvPr/>
+        </p:nvSpPr>
+        <p:spPr>
+          <a:xfrm>
+            <a:off x="9352419" y="3310198"/>
+            <a:ext cx="140086" cy="140086"/>
+          </a:xfrm>
+          <a:prstGeom prst="ellipse">
+            <a:avLst/>
+          </a:prstGeom>
+          <a:solidFill>
+            <a:srgbClr val="FFFF00"/>
+          </a:solidFill>
+          <a:ln>
+            <a:solidFill>
+              <a:schemeClr val="tx1"/>
+            </a:solidFill>
+          </a:ln>
+        </p:spPr>
+        <p:style>
+          <a:lnRef idx="2">
+            <a:schemeClr val="accent5">
+              <a:shade val="50000"/>
+            </a:schemeClr>
+          </a:lnRef>
+          <a:fillRef idx="1">
+            <a:schemeClr val="accent5"/>
+          </a:fillRef>
+          <a:effectRef idx="0">
+            <a:schemeClr val="accent5"/>
+          </a:effectRef>
+          <a:fontRef idx="minor">
+            <a:schemeClr val="lt1"/>
+          </a:fontRef>
+        </p:style>
+        <p:txBody>
+          <a:bodyPr rtlCol="0" anchor="ctr"/>
+          <a:lstStyle/>
+          <a:p>
+            <a:pPr algn="ctr"/>
+            <a:endParaRPr lang="en-US"/>
+          </a:p>
+        </p:txBody>
+      </p:sp>
+      <p:cxnSp>
+        <p:nvCxnSpPr>
+          <p:cNvPr id="87" name="Curved Connector 86">
+            <a:extLst>
+              <a:ext uri="{FF2B5EF4-FFF2-40B4-BE49-F238E27FC236}">
+                <a16:creationId xmlns:a16="http://schemas.microsoft.com/office/drawing/2014/main" id="{CDDF68B4-C893-6514-34C7-8C4E84F096B1}"/>
+              </a:ext>
+            </a:extLst>
+          </p:cNvPr>
+          <p:cNvCxnSpPr>
+            <a:cxnSpLocks/>
+          </p:cNvCxnSpPr>
+          <p:nvPr/>
+        </p:nvCxnSpPr>
+        <p:spPr>
+          <a:xfrm rot="16200000" flipH="1">
+            <a:off x="9958726" y="3480373"/>
+            <a:ext cx="238783" cy="151524"/>
+          </a:xfrm>
+          <a:prstGeom prst="curvedConnector2">
+            <a:avLst/>
+          </a:prstGeom>
+          <a:ln>
+            <a:solidFill>
+              <a:schemeClr val="tx1"/>
+            </a:solidFill>
+            <a:tailEnd type="triangle"/>
+          </a:ln>
+        </p:spPr>
+        <p:style>
+          <a:lnRef idx="2">
+            <a:schemeClr val="accent1"/>
+          </a:lnRef>
+          <a:fillRef idx="0">
+            <a:schemeClr val="accent1"/>
+          </a:fillRef>
+          <a:effectRef idx="1">
+            <a:schemeClr val="accent1"/>
+          </a:effectRef>
+          <a:fontRef idx="minor">
+            <a:schemeClr val="tx1"/>
+          </a:fontRef>
+        </p:style>
+      </p:cxnSp>
+      <p:cxnSp>
+        <p:nvCxnSpPr>
+          <p:cNvPr id="88" name="Straight Connector 87">
+            <a:extLst>
+              <a:ext uri="{FF2B5EF4-FFF2-40B4-BE49-F238E27FC236}">
+                <a16:creationId xmlns:a16="http://schemas.microsoft.com/office/drawing/2014/main" id="{CA0C441C-1634-FC00-EE4C-5031FC9B624B}"/>
+              </a:ext>
+            </a:extLst>
+          </p:cNvPr>
+          <p:cNvCxnSpPr>
+            <a:cxnSpLocks/>
+          </p:cNvCxnSpPr>
+          <p:nvPr/>
+        </p:nvCxnSpPr>
+        <p:spPr>
+          <a:xfrm flipV="1">
+            <a:off x="9822705" y="3383914"/>
+            <a:ext cx="105890" cy="3288"/>
+          </a:xfrm>
+          <a:prstGeom prst="line">
+            <a:avLst/>
+          </a:prstGeom>
+          <a:ln>
+            <a:solidFill>
+              <a:schemeClr val="tx1"/>
+            </a:solidFill>
+          </a:ln>
+        </p:spPr>
+        <p:style>
+          <a:lnRef idx="3">
+            <a:schemeClr val="accent5"/>
+          </a:lnRef>
+          <a:fillRef idx="0">
+            <a:schemeClr val="accent5"/>
+          </a:fillRef>
+          <a:effectRef idx="2">
+            <a:schemeClr val="accent5"/>
+          </a:effectRef>
+          <a:fontRef idx="minor">
+            <a:schemeClr val="tx1"/>
+          </a:fontRef>
+        </p:style>
+      </p:cxnSp>
+      <p:cxnSp>
+        <p:nvCxnSpPr>
+          <p:cNvPr id="90" name="Straight Connector 89">
+            <a:extLst>
+              <a:ext uri="{FF2B5EF4-FFF2-40B4-BE49-F238E27FC236}">
+                <a16:creationId xmlns:a16="http://schemas.microsoft.com/office/drawing/2014/main" id="{47014F29-D4D7-EBE1-78F1-2BF9EB5E668F}"/>
+              </a:ext>
+            </a:extLst>
+          </p:cNvPr>
+          <p:cNvCxnSpPr>
+            <a:cxnSpLocks/>
+          </p:cNvCxnSpPr>
+          <p:nvPr/>
+        </p:nvCxnSpPr>
+        <p:spPr>
+          <a:xfrm>
+            <a:off x="9492505" y="3374760"/>
+            <a:ext cx="270692" cy="0"/>
+          </a:xfrm>
+          <a:prstGeom prst="line">
+            <a:avLst/>
+          </a:prstGeom>
+          <a:ln>
+            <a:solidFill>
+              <a:schemeClr val="tx1"/>
+            </a:solidFill>
+            <a:prstDash val="sysDot"/>
+          </a:ln>
+        </p:spPr>
+        <p:style>
+          <a:lnRef idx="3">
+            <a:schemeClr val="accent5"/>
+          </a:lnRef>
+          <a:fillRef idx="0">
+            <a:schemeClr val="accent5"/>
+          </a:fillRef>
+          <a:effectRef idx="2">
+            <a:schemeClr val="accent5"/>
+          </a:effectRef>
+          <a:fontRef idx="minor">
+            <a:schemeClr val="tx1"/>
+          </a:fontRef>
+        </p:style>
+      </p:cxnSp>
+      <p:sp>
+        <p:nvSpPr>
+          <p:cNvPr id="91" name="Oval 90">
+            <a:extLst>
+              <a:ext uri="{FF2B5EF4-FFF2-40B4-BE49-F238E27FC236}">
+                <a16:creationId xmlns:a16="http://schemas.microsoft.com/office/drawing/2014/main" id="{C30B8913-8D12-3AB5-84A9-1EE2BAD4D7F5}"/>
+              </a:ext>
+            </a:extLst>
+          </p:cNvPr>
+          <p:cNvSpPr/>
+          <p:nvPr/>
+        </p:nvSpPr>
+        <p:spPr>
+          <a:xfrm>
+            <a:off x="9709754" y="3314331"/>
+            <a:ext cx="140086" cy="140086"/>
+          </a:xfrm>
+          <a:prstGeom prst="ellipse">
+            <a:avLst/>
+          </a:prstGeom>
+          <a:solidFill>
+            <a:srgbClr val="FF6EFD"/>
+          </a:solidFill>
+          <a:ln>
+            <a:solidFill>
+              <a:schemeClr val="tx1"/>
+            </a:solidFill>
+          </a:ln>
+        </p:spPr>
+        <p:style>
+          <a:lnRef idx="2">
+            <a:schemeClr val="accent5">
+              <a:shade val="50000"/>
+            </a:schemeClr>
+          </a:lnRef>
+          <a:fillRef idx="1">
+            <a:schemeClr val="accent5"/>
+          </a:fillRef>
+          <a:effectRef idx="0">
+            <a:schemeClr val="accent5"/>
+          </a:effectRef>
+          <a:fontRef idx="minor">
+            <a:schemeClr val="lt1"/>
+          </a:fontRef>
+        </p:style>
+        <p:txBody>
+          <a:bodyPr rtlCol="0" anchor="ctr"/>
+          <a:lstStyle/>
+          <a:p>
+            <a:pPr algn="ctr"/>
+            <a:endParaRPr lang="en-US"/>
+          </a:p>
+        </p:txBody>
+      </p:sp>
+      <p:sp>
+        <p:nvSpPr>
+          <p:cNvPr id="92" name="Oval 91">
+            <a:extLst>
+              <a:ext uri="{FF2B5EF4-FFF2-40B4-BE49-F238E27FC236}">
+                <a16:creationId xmlns:a16="http://schemas.microsoft.com/office/drawing/2014/main" id="{FBDEEB63-ECF7-6044-1126-7E183F842045}"/>
+              </a:ext>
+            </a:extLst>
+          </p:cNvPr>
+          <p:cNvSpPr/>
+          <p:nvPr/>
+        </p:nvSpPr>
+        <p:spPr>
+          <a:xfrm>
+            <a:off x="9929583" y="3308418"/>
+            <a:ext cx="140086" cy="140086"/>
+          </a:xfrm>
+          <a:prstGeom prst="ellipse">
+            <a:avLst/>
+          </a:prstGeom>
+          <a:solidFill>
+            <a:srgbClr val="00B0F0"/>
+          </a:solidFill>
+          <a:ln w="31750">
+            <a:solidFill>
+              <a:schemeClr val="bg1"/>
+            </a:solidFill>
+          </a:ln>
+        </p:spPr>
+        <p:style>
+          <a:lnRef idx="2">
+            <a:schemeClr val="accent5">
+              <a:shade val="50000"/>
+            </a:schemeClr>
+          </a:lnRef>
+          <a:fillRef idx="1">
+            <a:schemeClr val="accent5"/>
+          </a:fillRef>
+          <a:effectRef idx="0">
+            <a:schemeClr val="accent5"/>
+          </a:effectRef>
+          <a:fontRef idx="minor">
+            <a:schemeClr val="lt1"/>
+          </a:fontRef>
+        </p:style>
+        <p:txBody>
+          <a:bodyPr rtlCol="0" anchor="ctr"/>
+          <a:lstStyle/>
+          <a:p>
+            <a:pPr algn="ctr"/>
+            <a:endParaRPr lang="en-US"/>
+          </a:p>
+        </p:txBody>
+      </p:sp>
+      <p:sp>
+        <p:nvSpPr>
+          <p:cNvPr id="47" name="Oval 46">
+            <a:extLst>
+              <a:ext uri="{FF2B5EF4-FFF2-40B4-BE49-F238E27FC236}">
+                <a16:creationId xmlns:a16="http://schemas.microsoft.com/office/drawing/2014/main" id="{16E55491-0294-8375-7494-D13E8A239184}"/>
+              </a:ext>
+            </a:extLst>
+          </p:cNvPr>
+          <p:cNvSpPr/>
+          <p:nvPr/>
+        </p:nvSpPr>
+        <p:spPr>
+          <a:xfrm>
+            <a:off x="10176957" y="3613438"/>
+            <a:ext cx="140086" cy="140086"/>
+          </a:xfrm>
+          <a:prstGeom prst="ellipse">
+            <a:avLst/>
+          </a:prstGeom>
+          <a:solidFill>
+            <a:schemeClr val="accent5">
+              <a:lumMod val="60000"/>
+              <a:lumOff val="40000"/>
+            </a:schemeClr>
+          </a:solidFill>
+          <a:ln>
+            <a:solidFill>
+              <a:schemeClr val="tx1"/>
+            </a:solidFill>
+          </a:ln>
+        </p:spPr>
+        <p:style>
+          <a:lnRef idx="3">
+            <a:schemeClr val="lt1"/>
+          </a:lnRef>
+          <a:fillRef idx="1">
+            <a:schemeClr val="accent6"/>
+          </a:fillRef>
+          <a:effectRef idx="1">
+            <a:schemeClr val="accent6"/>
+          </a:effectRef>
+          <a:fontRef idx="minor">
+            <a:schemeClr val="lt1"/>
+          </a:fontRef>
+        </p:style>
+        <p:txBody>
+          <a:bodyPr rtlCol="0" anchor="ctr"/>
+          <a:lstStyle/>
+          <a:p>
+            <a:pPr algn="ctr"/>
+            <a:endParaRPr lang="en-US"/>
+          </a:p>
+        </p:txBody>
+      </p:sp>
+      <p:sp>
+        <p:nvSpPr>
+          <p:cNvPr id="39" name="Oval 38">
+            <a:extLst>
+              <a:ext uri="{FF2B5EF4-FFF2-40B4-BE49-F238E27FC236}">
+                <a16:creationId xmlns:a16="http://schemas.microsoft.com/office/drawing/2014/main" id="{5112987D-13DC-522A-E2DA-6A1EE761EEB7}"/>
+              </a:ext>
+            </a:extLst>
+          </p:cNvPr>
+          <p:cNvSpPr/>
+          <p:nvPr/>
+        </p:nvSpPr>
+        <p:spPr>
+          <a:xfrm>
+            <a:off x="4369864" y="5284811"/>
+            <a:ext cx="140086" cy="140086"/>
+          </a:xfrm>
+          <a:prstGeom prst="ellipse">
+            <a:avLst/>
+          </a:prstGeom>
+          <a:solidFill>
+            <a:srgbClr val="0070C0"/>
+          </a:solidFill>
+          <a:ln w="19050">
+            <a:solidFill>
+              <a:schemeClr val="tx1"/>
+            </a:solidFill>
+          </a:ln>
+        </p:spPr>
+        <p:style>
+          <a:lnRef idx="2">
+            <a:schemeClr val="accent5">
+              <a:shade val="50000"/>
+            </a:schemeClr>
+          </a:lnRef>
+          <a:fillRef idx="1">
+            <a:schemeClr val="accent5"/>
+          </a:fillRef>
+          <a:effectRef idx="0">
+            <a:schemeClr val="accent5"/>
+          </a:effectRef>
+          <a:fontRef idx="minor">
+            <a:schemeClr val="lt1"/>
+          </a:fontRef>
+        </p:style>
+        <p:txBody>
+          <a:bodyPr rtlCol="0" anchor="ctr"/>
+          <a:lstStyle/>
+          <a:p>
+            <a:pPr algn="ctr"/>
+            <a:endParaRPr lang="en-US"/>
+          </a:p>
+        </p:txBody>
+      </p:sp>
+      <p:cxnSp>
+        <p:nvCxnSpPr>
+          <p:cNvPr id="40" name="Straight Connector 39">
+            <a:extLst>
+              <a:ext uri="{FF2B5EF4-FFF2-40B4-BE49-F238E27FC236}">
+                <a16:creationId xmlns:a16="http://schemas.microsoft.com/office/drawing/2014/main" id="{FB8586FF-0174-14A9-3AC0-87220DF78303}"/>
+              </a:ext>
+            </a:extLst>
+          </p:cNvPr>
+          <p:cNvCxnSpPr>
+            <a:cxnSpLocks/>
+          </p:cNvCxnSpPr>
+          <p:nvPr/>
+        </p:nvCxnSpPr>
+        <p:spPr>
+          <a:xfrm flipV="1">
+            <a:off x="4283531" y="5336752"/>
+            <a:ext cx="105890" cy="3288"/>
+          </a:xfrm>
+          <a:prstGeom prst="line">
+            <a:avLst/>
+          </a:prstGeom>
+          <a:ln>
+            <a:solidFill>
+              <a:schemeClr val="tx1"/>
+            </a:solidFill>
+          </a:ln>
+        </p:spPr>
+        <p:style>
+          <a:lnRef idx="3">
+            <a:schemeClr val="accent5"/>
+          </a:lnRef>
+          <a:fillRef idx="0">
+            <a:schemeClr val="accent5"/>
+          </a:fillRef>
+          <a:effectRef idx="2">
+            <a:schemeClr val="accent5"/>
+          </a:effectRef>
+          <a:fontRef idx="minor">
+            <a:schemeClr val="tx1"/>
+          </a:fontRef>
+        </p:style>
+      </p:cxnSp>
+      <p:sp>
+        <p:nvSpPr>
+          <p:cNvPr id="41" name="Oval 40">
+            <a:extLst>
+              <a:ext uri="{FF2B5EF4-FFF2-40B4-BE49-F238E27FC236}">
+                <a16:creationId xmlns:a16="http://schemas.microsoft.com/office/drawing/2014/main" id="{2F15DB46-86DE-6932-C0EB-E7E5F9A72440}"/>
+              </a:ext>
+            </a:extLst>
+          </p:cNvPr>
+          <p:cNvSpPr/>
+          <p:nvPr/>
+        </p:nvSpPr>
+        <p:spPr>
+          <a:xfrm>
+            <a:off x="4385630" y="2567894"/>
+            <a:ext cx="140086" cy="140086"/>
+          </a:xfrm>
+          <a:prstGeom prst="ellipse">
+            <a:avLst/>
+          </a:prstGeom>
+          <a:solidFill>
+            <a:srgbClr val="0070C0"/>
+          </a:solidFill>
+          <a:ln w="19050">
+            <a:solidFill>
+              <a:schemeClr val="tx1"/>
+            </a:solidFill>
+          </a:ln>
+        </p:spPr>
+        <p:style>
+          <a:lnRef idx="2">
+            <a:schemeClr val="accent5">
+              <a:shade val="50000"/>
+            </a:schemeClr>
+          </a:lnRef>
+          <a:fillRef idx="1">
+            <a:schemeClr val="accent5"/>
+          </a:fillRef>
+          <a:effectRef idx="0">
+            <a:schemeClr val="accent5"/>
+          </a:effectRef>
+          <a:fontRef idx="minor">
+            <a:schemeClr val="lt1"/>
+          </a:fontRef>
+        </p:style>
+        <p:txBody>
+          <a:bodyPr rtlCol="0" anchor="ctr"/>
+          <a:lstStyle/>
+          <a:p>
+            <a:pPr algn="ctr"/>
+            <a:endParaRPr lang="en-US"/>
+          </a:p>
+        </p:txBody>
+      </p:sp>
+      <p:cxnSp>
+        <p:nvCxnSpPr>
+          <p:cNvPr id="42" name="Straight Connector 41">
+            <a:extLst>
+              <a:ext uri="{FF2B5EF4-FFF2-40B4-BE49-F238E27FC236}">
+                <a16:creationId xmlns:a16="http://schemas.microsoft.com/office/drawing/2014/main" id="{A9CBA197-7D2C-F3F3-8BBE-32AA9E2B0194}"/>
+              </a:ext>
+            </a:extLst>
+          </p:cNvPr>
+          <p:cNvCxnSpPr>
+            <a:cxnSpLocks/>
+          </p:cNvCxnSpPr>
+          <p:nvPr/>
+        </p:nvCxnSpPr>
+        <p:spPr>
+          <a:xfrm flipV="1">
+            <a:off x="4299297" y="2619835"/>
+            <a:ext cx="105890" cy="3288"/>
+          </a:xfrm>
+          <a:prstGeom prst="line">
+            <a:avLst/>
+          </a:prstGeom>
+          <a:ln>
+            <a:solidFill>
+              <a:schemeClr val="tx1"/>
+            </a:solidFill>
+          </a:ln>
+        </p:spPr>
+        <p:style>
+          <a:lnRef idx="3">
+            <a:schemeClr val="accent5"/>
+          </a:lnRef>
+          <a:fillRef idx="0">
+            <a:schemeClr val="accent5"/>
+          </a:fillRef>
+          <a:effectRef idx="2">
+            <a:schemeClr val="accent5"/>
+          </a:effectRef>
+          <a:fontRef idx="minor">
+            <a:schemeClr val="tx1"/>
+          </a:fontRef>
+        </p:style>
+      </p:cxnSp>
+      <p:sp>
+        <p:nvSpPr>
+          <p:cNvPr id="43" name="Up Arrow 42">
+            <a:extLst>
+              <a:ext uri="{FF2B5EF4-FFF2-40B4-BE49-F238E27FC236}">
+                <a16:creationId xmlns:a16="http://schemas.microsoft.com/office/drawing/2014/main" id="{8587F688-44B1-1329-FB12-5E8FC2AB5527}"/>
+              </a:ext>
+            </a:extLst>
+          </p:cNvPr>
+          <p:cNvSpPr/>
+          <p:nvPr/>
+        </p:nvSpPr>
+        <p:spPr>
+          <a:xfrm rot="2683904" flipV="1">
+            <a:off x="4762993" y="2684608"/>
+            <a:ext cx="1363560" cy="2762219"/>
+          </a:xfrm>
+          <a:prstGeom prst="upArrow">
+            <a:avLst/>
+          </a:prstGeom>
+        </p:spPr>
+        <p:style>
+          <a:lnRef idx="3">
+            <a:schemeClr val="lt1"/>
+          </a:lnRef>
+          <a:fillRef idx="1">
+            <a:schemeClr val="accent1"/>
+          </a:fillRef>
+          <a:effectRef idx="1">
+            <a:schemeClr val="accent1"/>
+          </a:effectRef>
+          <a:fontRef idx="minor">
+            <a:schemeClr val="lt1"/>
+          </a:fontRef>
+        </p:style>
+        <p:txBody>
+          <a:bodyPr vert="vert" rtlCol="0" anchor="ctr"/>
+          <a:lstStyle/>
+          <a:p>
+            <a:pPr algn="ctr"/>
+            <a:r>
+              <a:rPr lang="en-US" sz="3200" b="1" dirty="0">
+                <a:solidFill>
+                  <a:srgbClr val="FFFF00"/>
+                </a:solidFill>
+              </a:rPr>
+              <a:t>pull</a:t>
+            </a:r>
+          </a:p>
+        </p:txBody>
+      </p:sp>
+      <p:sp>
+        <p:nvSpPr>
+          <p:cNvPr id="44" name="Up Arrow 43">
+            <a:extLst>
+              <a:ext uri="{FF2B5EF4-FFF2-40B4-BE49-F238E27FC236}">
+                <a16:creationId xmlns:a16="http://schemas.microsoft.com/office/drawing/2014/main" id="{9C797728-8BC4-D782-525F-86BBBDB94905}"/>
+              </a:ext>
+            </a:extLst>
+          </p:cNvPr>
+          <p:cNvSpPr/>
+          <p:nvPr/>
+        </p:nvSpPr>
+        <p:spPr>
+          <a:xfrm>
+            <a:off x="3361577" y="3297622"/>
+            <a:ext cx="1363560" cy="1554007"/>
+          </a:xfrm>
+          <a:prstGeom prst="upArrow">
+            <a:avLst/>
+          </a:prstGeom>
+        </p:spPr>
+        <p:style>
+          <a:lnRef idx="3">
+            <a:schemeClr val="lt1"/>
+          </a:lnRef>
+          <a:fillRef idx="1">
+            <a:schemeClr val="accent1"/>
+          </a:fillRef>
+          <a:effectRef idx="1">
+            <a:schemeClr val="accent1"/>
+          </a:effectRef>
+          <a:fontRef idx="minor">
+            <a:schemeClr val="lt1"/>
+          </a:fontRef>
+        </p:style>
+        <p:txBody>
+          <a:bodyPr vert="vert270" rtlCol="0" anchor="ctr"/>
+          <a:lstStyle/>
+          <a:p>
+            <a:pPr algn="ctr"/>
+            <a:r>
+              <a:rPr lang="en-US" sz="3200" b="1" dirty="0">
+                <a:solidFill>
+                  <a:srgbClr val="FFFF00"/>
+                </a:solidFill>
+              </a:rPr>
+              <a:t>push</a:t>
+            </a:r>
+          </a:p>
+        </p:txBody>
+      </p:sp>
+      <p:sp>
+        <p:nvSpPr>
+          <p:cNvPr id="89" name="Right Arrow 88">
+            <a:extLst>
+              <a:ext uri="{FF2B5EF4-FFF2-40B4-BE49-F238E27FC236}">
+                <a16:creationId xmlns:a16="http://schemas.microsoft.com/office/drawing/2014/main" id="{A33D34C8-DC50-3F2B-04BC-01CF86863E2D}"/>
+              </a:ext>
+            </a:extLst>
+          </p:cNvPr>
+          <p:cNvSpPr/>
+          <p:nvPr/>
+        </p:nvSpPr>
+        <p:spPr>
+          <a:xfrm rot="1456893">
+            <a:off x="4535821" y="5334721"/>
+            <a:ext cx="1141566" cy="486914"/>
+          </a:xfrm>
+          <a:prstGeom prst="rightArrow">
+            <a:avLst/>
+          </a:prstGeom>
+        </p:spPr>
+        <p:style>
+          <a:lnRef idx="1">
+            <a:schemeClr val="accent1"/>
+          </a:lnRef>
+          <a:fillRef idx="3">
+            <a:schemeClr val="accent1"/>
+          </a:fillRef>
+          <a:effectRef idx="2">
+            <a:schemeClr val="accent1"/>
+          </a:effectRef>
+          <a:fontRef idx="minor">
+            <a:schemeClr val="lt1"/>
+          </a:fontRef>
+        </p:style>
+        <p:txBody>
+          <a:bodyPr rtlCol="0" anchor="ctr"/>
+          <a:lstStyle/>
+          <a:p>
+            <a:pPr algn="ctr"/>
+            <a:r>
+              <a:rPr lang="en-US" sz="2000" b="1" dirty="0">
+                <a:solidFill>
+                  <a:srgbClr val="FFFF00"/>
+                </a:solidFill>
+              </a:rPr>
+              <a:t>switch</a:t>
+            </a:r>
+          </a:p>
+        </p:txBody>
+      </p:sp>
+      <p:sp>
+        <p:nvSpPr>
+          <p:cNvPr id="93" name="Oval 92">
+            <a:extLst>
+              <a:ext uri="{FF2B5EF4-FFF2-40B4-BE49-F238E27FC236}">
+                <a16:creationId xmlns:a16="http://schemas.microsoft.com/office/drawing/2014/main" id="{F58BA8C4-8065-9893-2138-CFACA584FAD3}"/>
+              </a:ext>
+            </a:extLst>
+          </p:cNvPr>
+          <p:cNvSpPr/>
+          <p:nvPr/>
+        </p:nvSpPr>
+        <p:spPr>
+          <a:xfrm>
+            <a:off x="5972683" y="5752518"/>
+            <a:ext cx="140086" cy="140086"/>
+          </a:xfrm>
+          <a:prstGeom prst="ellipse">
+            <a:avLst/>
+          </a:prstGeom>
+          <a:solidFill>
+            <a:srgbClr val="0070C0"/>
+          </a:solidFill>
+          <a:ln w="19050">
+            <a:solidFill>
+              <a:schemeClr val="tx1"/>
+            </a:solidFill>
+          </a:ln>
+        </p:spPr>
+        <p:style>
+          <a:lnRef idx="2">
+            <a:schemeClr val="accent5">
+              <a:shade val="50000"/>
+            </a:schemeClr>
+          </a:lnRef>
+          <a:fillRef idx="1">
+            <a:schemeClr val="accent5"/>
+          </a:fillRef>
+          <a:effectRef idx="0">
+            <a:schemeClr val="accent5"/>
+          </a:effectRef>
+          <a:fontRef idx="minor">
+            <a:schemeClr val="lt1"/>
+          </a:fontRef>
+        </p:style>
+        <p:txBody>
+          <a:bodyPr rtlCol="0" anchor="ctr"/>
+          <a:lstStyle/>
+          <a:p>
+            <a:pPr algn="ctr"/>
+            <a:endParaRPr lang="en-US"/>
+          </a:p>
+        </p:txBody>
+      </p:sp>
     </p:spTree>
     <p:extLst>
       <p:ext uri="{BB962C8B-B14F-4D97-AF65-F5344CB8AC3E}">
-        <p14:creationId xmlns:p14="http://schemas.microsoft.com/office/powerpoint/2010/main" val="797074174"/>
+        <p14:creationId xmlns:p14="http://schemas.microsoft.com/office/powerpoint/2010/main" val="478036373"/>
       </p:ext>
     </p:extLst>
   </p:cSld>
@@ -27590,7 +31867,7 @@
 </p:sld>
 </file>
 
-<file path=ppt/slides/slide21.xml><?xml version="1.0" encoding="utf-8"?>
+<file path=ppt/slides/slide22.xml><?xml version="1.0" encoding="utf-8"?>
 <p:sld xmlns:a="http://schemas.openxmlformats.org/drawingml/2006/main" xmlns:r="http://schemas.openxmlformats.org/officeDocument/2006/relationships" xmlns:p="http://schemas.openxmlformats.org/presentationml/2006/main">
   <p:cSld>
     <p:spTree>
@@ -28527,7 +32804,7 @@
 </p:sld>
 </file>
 
-<file path=ppt/slides/slide22.xml><?xml version="1.0" encoding="utf-8"?>
+<file path=ppt/slides/slide23.xml><?xml version="1.0" encoding="utf-8"?>
 <p:sld xmlns:a="http://schemas.openxmlformats.org/drawingml/2006/main" xmlns:r="http://schemas.openxmlformats.org/officeDocument/2006/relationships" xmlns:p="http://schemas.openxmlformats.org/presentationml/2006/main">
   <p:cSld>
     <p:spTree>

--- a/materials/images/GitKit-Text-Soure-Images.pptx
+++ b/materials/images/GitKit-Text-Soure-Images.pptx
@@ -137,6 +137,67 @@
 </p:presentation>
 </file>
 
+<file path=ppt/changesInfos/changesInfo1.xml><?xml version="1.0" encoding="utf-8"?>
+<pc:chgInfo xmlns:a="http://schemas.openxmlformats.org/drawingml/2006/main" xmlns:r="http://schemas.openxmlformats.org/officeDocument/2006/relationships" xmlns:ac="http://schemas.microsoft.com/office/drawing/2013/main/command" xmlns:pc="http://schemas.microsoft.com/office/powerpoint/2013/main/command">
+  <pc:docChgLst>
+    <pc:chgData name="Braught, Grant" userId="13082181-f9d5-4011-899e-2afe75cd93c2" providerId="ADAL" clId="{7D2CC41B-BB9E-8945-B803-607365FBBFE9}"/>
+    <pc:docChg chg="undo custSel modSld">
+      <pc:chgData name="Braught, Grant" userId="13082181-f9d5-4011-899e-2afe75cd93c2" providerId="ADAL" clId="{7D2CC41B-BB9E-8945-B803-607365FBBFE9}" dt="2025-02-09T22:55:40.903" v="11" actId="478"/>
+      <pc:docMkLst>
+        <pc:docMk/>
+      </pc:docMkLst>
+      <pc:sldChg chg="addSp delSp mod">
+        <pc:chgData name="Braught, Grant" userId="13082181-f9d5-4011-899e-2afe75cd93c2" providerId="ADAL" clId="{7D2CC41B-BB9E-8945-B803-607365FBBFE9}" dt="2025-02-09T22:55:40.903" v="11" actId="478"/>
+        <pc:sldMkLst>
+          <pc:docMk/>
+          <pc:sldMk cId="1658481695" sldId="278"/>
+        </pc:sldMkLst>
+        <pc:spChg chg="add del">
+          <ac:chgData name="Braught, Grant" userId="13082181-f9d5-4011-899e-2afe75cd93c2" providerId="ADAL" clId="{7D2CC41B-BB9E-8945-B803-607365FBBFE9}" dt="2025-02-09T22:55:34.346" v="8" actId="478"/>
+          <ac:spMkLst>
+            <pc:docMk/>
+            <pc:sldMk cId="1658481695" sldId="278"/>
+            <ac:spMk id="9" creationId="{D41D927E-AEF2-9537-2250-CB19245F1978}"/>
+          </ac:spMkLst>
+        </pc:spChg>
+        <pc:spChg chg="add del">
+          <ac:chgData name="Braught, Grant" userId="13082181-f9d5-4011-899e-2afe75cd93c2" providerId="ADAL" clId="{7D2CC41B-BB9E-8945-B803-607365FBBFE9}" dt="2025-02-09T22:55:39.755" v="10" actId="478"/>
+          <ac:spMkLst>
+            <pc:docMk/>
+            <pc:sldMk cId="1658481695" sldId="278"/>
+            <ac:spMk id="41" creationId="{D92B3D46-C7F4-E8F5-D0C0-402F96C46710}"/>
+          </ac:spMkLst>
+        </pc:spChg>
+        <pc:spChg chg="add del">
+          <ac:chgData name="Braught, Grant" userId="13082181-f9d5-4011-899e-2afe75cd93c2" providerId="ADAL" clId="{7D2CC41B-BB9E-8945-B803-607365FBBFE9}" dt="2025-02-09T22:55:38.343" v="9" actId="478"/>
+          <ac:spMkLst>
+            <pc:docMk/>
+            <pc:sldMk cId="1658481695" sldId="278"/>
+            <ac:spMk id="58" creationId="{8A711A4D-FC20-6662-D84D-705BC85C4974}"/>
+          </ac:spMkLst>
+        </pc:spChg>
+        <pc:spChg chg="del">
+          <ac:chgData name="Braught, Grant" userId="13082181-f9d5-4011-899e-2afe75cd93c2" providerId="ADAL" clId="{7D2CC41B-BB9E-8945-B803-607365FBBFE9}" dt="2025-02-09T22:52:30.555" v="0" actId="478"/>
+          <ac:spMkLst>
+            <pc:docMk/>
+            <pc:sldMk cId="1658481695" sldId="278"/>
+            <ac:spMk id="59" creationId="{318541E5-A33C-7F52-D7F7-E116DDE81EA7}"/>
+          </ac:spMkLst>
+        </pc:spChg>
+        <pc:cxnChg chg="add del">
+          <ac:chgData name="Braught, Grant" userId="13082181-f9d5-4011-899e-2afe75cd93c2" providerId="ADAL" clId="{7D2CC41B-BB9E-8945-B803-607365FBBFE9}" dt="2025-02-09T22:55:40.903" v="11" actId="478"/>
+          <ac:cxnSpMkLst>
+            <pc:docMk/>
+            <pc:sldMk cId="1658481695" sldId="278"/>
+            <ac:cxnSpMk id="40" creationId="{484B8BF8-BAA9-5ABD-178B-0DC6844108E1}"/>
+          </ac:cxnSpMkLst>
+        </pc:cxnChg>
+      </pc:sldChg>
+    </pc:docChg>
+  </pc:docChgLst>
+</pc:chgInfo>
+</file>
+
 <file path=ppt/notesMasters/notesMaster1.xml><?xml version="1.0" encoding="utf-8"?>
 <p:notesMaster xmlns:a="http://schemas.openxmlformats.org/drawingml/2006/main" xmlns:r="http://schemas.openxmlformats.org/officeDocument/2006/relationships" xmlns:p="http://schemas.openxmlformats.org/presentationml/2006/main">
   <p:cSld>
@@ -219,7 +280,7 @@
           <a:p>
             <a:fld id="{54450688-851B-C844-9616-D91E312B1884}" type="datetimeFigureOut">
               <a:rPr lang="en-US" smtClean="0"/>
-              <a:t>1/25/25</a:t>
+              <a:t>2/9/25</a:t>
             </a:fld>
             <a:endParaRPr lang="en-US"/>
           </a:p>
@@ -769,7 +830,7 @@
           <a:p>
             <a:fld id="{7A82D7F2-23D8-094A-BC7F-45020389E464}" type="datetimeFigureOut">
               <a:rPr lang="en-US" smtClean="0"/>
-              <a:t>1/25/25</a:t>
+              <a:t>2/9/25</a:t>
             </a:fld>
             <a:endParaRPr lang="en-US"/>
           </a:p>
@@ -966,7 +1027,7 @@
           <a:p>
             <a:fld id="{7A82D7F2-23D8-094A-BC7F-45020389E464}" type="datetimeFigureOut">
               <a:rPr lang="en-US" smtClean="0"/>
-              <a:t>1/25/25</a:t>
+              <a:t>2/9/25</a:t>
             </a:fld>
             <a:endParaRPr lang="en-US"/>
           </a:p>
@@ -1240,7 +1301,7 @@
           <a:p>
             <a:fld id="{7A82D7F2-23D8-094A-BC7F-45020389E464}" type="datetimeFigureOut">
               <a:rPr lang="en-US" smtClean="0"/>
-              <a:t>1/25/25</a:t>
+              <a:t>2/9/25</a:t>
             </a:fld>
             <a:endParaRPr lang="en-US"/>
           </a:p>
@@ -1424,7 +1485,7 @@
           <a:p>
             <a:fld id="{7A82D7F2-23D8-094A-BC7F-45020389E464}" type="datetimeFigureOut">
               <a:rPr lang="en-US" smtClean="0"/>
-              <a:t>1/25/25</a:t>
+              <a:t>2/9/25</a:t>
             </a:fld>
             <a:endParaRPr lang="en-US"/>
           </a:p>
@@ -1628,7 +1689,7 @@
           <a:p>
             <a:fld id="{7A82D7F2-23D8-094A-BC7F-45020389E464}" type="datetimeFigureOut">
               <a:rPr lang="en-US" smtClean="0"/>
-              <a:t>1/25/25</a:t>
+              <a:t>2/9/25</a:t>
             </a:fld>
             <a:endParaRPr lang="en-US"/>
           </a:p>
@@ -1875,7 +1936,7 @@
           <a:p>
             <a:fld id="{7A82D7F2-23D8-094A-BC7F-45020389E464}" type="datetimeFigureOut">
               <a:rPr lang="en-US" smtClean="0"/>
-              <a:t>1/25/25</a:t>
+              <a:t>2/9/25</a:t>
             </a:fld>
             <a:endParaRPr lang="en-US"/>
           </a:p>
@@ -2203,7 +2264,7 @@
           <a:p>
             <a:fld id="{7A82D7F2-23D8-094A-BC7F-45020389E464}" type="datetimeFigureOut">
               <a:rPr lang="en-US" smtClean="0"/>
-              <a:t>1/25/25</a:t>
+              <a:t>2/9/25</a:t>
             </a:fld>
             <a:endParaRPr lang="en-US"/>
           </a:p>
@@ -2506,7 +2567,7 @@
           <a:p>
             <a:fld id="{7A82D7F2-23D8-094A-BC7F-45020389E464}" type="datetimeFigureOut">
               <a:rPr lang="en-US" smtClean="0"/>
-              <a:t>1/25/25</a:t>
+              <a:t>2/9/25</a:t>
             </a:fld>
             <a:endParaRPr lang="en-US"/>
           </a:p>
@@ -2967,7 +3028,7 @@
           <a:p>
             <a:fld id="{7A82D7F2-23D8-094A-BC7F-45020389E464}" type="datetimeFigureOut">
               <a:rPr lang="en-US" smtClean="0"/>
-              <a:t>1/25/25</a:t>
+              <a:t>2/9/25</a:t>
             </a:fld>
             <a:endParaRPr lang="en-US"/>
           </a:p>
@@ -3085,7 +3146,7 @@
           <a:p>
             <a:fld id="{7A82D7F2-23D8-094A-BC7F-45020389E464}" type="datetimeFigureOut">
               <a:rPr lang="en-US" smtClean="0"/>
-              <a:t>1/25/25</a:t>
+              <a:t>2/9/25</a:t>
             </a:fld>
             <a:endParaRPr lang="en-US"/>
           </a:p>
@@ -3180,7 +3241,7 @@
           <a:p>
             <a:fld id="{7A82D7F2-23D8-094A-BC7F-45020389E464}" type="datetimeFigureOut">
               <a:rPr lang="en-US" smtClean="0"/>
-              <a:t>1/25/25</a:t>
+              <a:t>2/9/25</a:t>
             </a:fld>
             <a:endParaRPr lang="en-US"/>
           </a:p>
@@ -3467,7 +3528,7 @@
           <a:p>
             <a:fld id="{7A82D7F2-23D8-094A-BC7F-45020389E464}" type="datetimeFigureOut">
               <a:rPr lang="en-US" smtClean="0"/>
-              <a:t>1/25/25</a:t>
+              <a:t>2/9/25</a:t>
             </a:fld>
             <a:endParaRPr lang="en-US"/>
           </a:p>
@@ -3681,7 +3742,7 @@
           <a:p>
             <a:fld id="{7A82D7F2-23D8-094A-BC7F-45020389E464}" type="datetimeFigureOut">
               <a:rPr lang="en-US" smtClean="0"/>
-              <a:t>1/25/25</a:t>
+              <a:t>2/9/25</a:t>
             </a:fld>
             <a:endParaRPr lang="en-US"/>
           </a:p>
@@ -19316,99 +19377,6 @@
           </a:p>
         </p:txBody>
       </p:sp>
-      <p:cxnSp>
-        <p:nvCxnSpPr>
-          <p:cNvPr id="40" name="Straight Connector 39">
-            <a:extLst>
-              <a:ext uri="{FF2B5EF4-FFF2-40B4-BE49-F238E27FC236}">
-                <a16:creationId xmlns:a16="http://schemas.microsoft.com/office/drawing/2014/main" id="{484B8BF8-BAA9-5ABD-178B-0DC6844108E1}"/>
-              </a:ext>
-            </a:extLst>
-          </p:cNvPr>
-          <p:cNvCxnSpPr/>
-          <p:nvPr/>
-        </p:nvCxnSpPr>
-        <p:spPr>
-          <a:xfrm flipV="1">
-            <a:off x="4495685" y="2035080"/>
-            <a:ext cx="105890" cy="3288"/>
-          </a:xfrm>
-          <a:prstGeom prst="line">
-            <a:avLst/>
-          </a:prstGeom>
-          <a:ln>
-            <a:solidFill>
-              <a:schemeClr val="tx1"/>
-            </a:solidFill>
-          </a:ln>
-        </p:spPr>
-        <p:style>
-          <a:lnRef idx="3">
-            <a:schemeClr val="accent5"/>
-          </a:lnRef>
-          <a:fillRef idx="0">
-            <a:schemeClr val="accent5"/>
-          </a:fillRef>
-          <a:effectRef idx="2">
-            <a:schemeClr val="accent5"/>
-          </a:effectRef>
-          <a:fontRef idx="minor">
-            <a:schemeClr val="tx1"/>
-          </a:fontRef>
-        </p:style>
-      </p:cxnSp>
-      <p:sp>
-        <p:nvSpPr>
-          <p:cNvPr id="41" name="Oval 40">
-            <a:extLst>
-              <a:ext uri="{FF2B5EF4-FFF2-40B4-BE49-F238E27FC236}">
-                <a16:creationId xmlns:a16="http://schemas.microsoft.com/office/drawing/2014/main" id="{D92B3D46-C7F4-E8F5-D0C0-402F96C46710}"/>
-              </a:ext>
-            </a:extLst>
-          </p:cNvPr>
-          <p:cNvSpPr/>
-          <p:nvPr/>
-        </p:nvSpPr>
-        <p:spPr>
-          <a:xfrm>
-            <a:off x="4596201" y="1964358"/>
-            <a:ext cx="140086" cy="140086"/>
-          </a:xfrm>
-          <a:prstGeom prst="ellipse">
-            <a:avLst/>
-          </a:prstGeom>
-          <a:solidFill>
-            <a:srgbClr val="00B0F0"/>
-          </a:solidFill>
-          <a:ln>
-            <a:solidFill>
-              <a:schemeClr val="tx1"/>
-            </a:solidFill>
-          </a:ln>
-        </p:spPr>
-        <p:style>
-          <a:lnRef idx="3">
-            <a:schemeClr val="lt1"/>
-          </a:lnRef>
-          <a:fillRef idx="1">
-            <a:schemeClr val="accent6"/>
-          </a:fillRef>
-          <a:effectRef idx="1">
-            <a:schemeClr val="accent6"/>
-          </a:effectRef>
-          <a:fontRef idx="minor">
-            <a:schemeClr val="lt1"/>
-          </a:fontRef>
-        </p:style>
-        <p:txBody>
-          <a:bodyPr rtlCol="0" anchor="ctr"/>
-          <a:lstStyle/>
-          <a:p>
-            <a:pPr algn="ctr"/>
-            <a:endParaRPr lang="en-US"/>
-          </a:p>
-        </p:txBody>
-      </p:sp>
       <p:sp>
         <p:nvSpPr>
           <p:cNvPr id="42" name="Up Arrow 41">
@@ -20106,116 +20074,6 @@
         <p:spPr>
           <a:xfrm>
             <a:off x="4934332" y="4674236"/>
-            <a:ext cx="140086" cy="140086"/>
-          </a:xfrm>
-          <a:prstGeom prst="ellipse">
-            <a:avLst/>
-          </a:prstGeom>
-          <a:solidFill>
-            <a:schemeClr val="accent5">
-              <a:lumMod val="60000"/>
-              <a:lumOff val="40000"/>
-            </a:schemeClr>
-          </a:solidFill>
-          <a:ln>
-            <a:solidFill>
-              <a:schemeClr val="tx1"/>
-            </a:solidFill>
-          </a:ln>
-        </p:spPr>
-        <p:style>
-          <a:lnRef idx="3">
-            <a:schemeClr val="lt1"/>
-          </a:lnRef>
-          <a:fillRef idx="1">
-            <a:schemeClr val="accent6"/>
-          </a:fillRef>
-          <a:effectRef idx="1">
-            <a:schemeClr val="accent6"/>
-          </a:effectRef>
-          <a:fontRef idx="minor">
-            <a:schemeClr val="lt1"/>
-          </a:fontRef>
-        </p:style>
-        <p:txBody>
-          <a:bodyPr rtlCol="0" anchor="ctr"/>
-          <a:lstStyle/>
-          <a:p>
-            <a:pPr algn="ctr"/>
-            <a:endParaRPr lang="en-US"/>
-          </a:p>
-        </p:txBody>
-      </p:sp>
-      <p:sp>
-        <p:nvSpPr>
-          <p:cNvPr id="58" name="Oval 57">
-            <a:extLst>
-              <a:ext uri="{FF2B5EF4-FFF2-40B4-BE49-F238E27FC236}">
-                <a16:creationId xmlns:a16="http://schemas.microsoft.com/office/drawing/2014/main" id="{8A711A4D-FC20-6662-D84D-705BC85C4974}"/>
-              </a:ext>
-            </a:extLst>
-          </p:cNvPr>
-          <p:cNvSpPr/>
-          <p:nvPr/>
-        </p:nvSpPr>
-        <p:spPr>
-          <a:xfrm>
-            <a:off x="4767643" y="1964358"/>
-            <a:ext cx="140086" cy="140086"/>
-          </a:xfrm>
-          <a:prstGeom prst="ellipse">
-            <a:avLst/>
-          </a:prstGeom>
-          <a:solidFill>
-            <a:schemeClr val="accent6">
-              <a:lumMod val="40000"/>
-              <a:lumOff val="60000"/>
-            </a:schemeClr>
-          </a:solidFill>
-          <a:ln>
-            <a:solidFill>
-              <a:schemeClr val="tx1"/>
-            </a:solidFill>
-          </a:ln>
-        </p:spPr>
-        <p:style>
-          <a:lnRef idx="3">
-            <a:schemeClr val="lt1"/>
-          </a:lnRef>
-          <a:fillRef idx="1">
-            <a:schemeClr val="accent6"/>
-          </a:fillRef>
-          <a:effectRef idx="1">
-            <a:schemeClr val="accent6"/>
-          </a:effectRef>
-          <a:fontRef idx="minor">
-            <a:schemeClr val="lt1"/>
-          </a:fontRef>
-        </p:style>
-        <p:txBody>
-          <a:bodyPr rtlCol="0" anchor="ctr"/>
-          <a:lstStyle/>
-          <a:p>
-            <a:pPr algn="ctr"/>
-            <a:endParaRPr lang="en-US"/>
-          </a:p>
-        </p:txBody>
-      </p:sp>
-      <p:sp>
-        <p:nvSpPr>
-          <p:cNvPr id="59" name="Oval 58">
-            <a:extLst>
-              <a:ext uri="{FF2B5EF4-FFF2-40B4-BE49-F238E27FC236}">
-                <a16:creationId xmlns:a16="http://schemas.microsoft.com/office/drawing/2014/main" id="{318541E5-A33C-7F52-D7F7-E116DDE81EA7}"/>
-              </a:ext>
-            </a:extLst>
-          </p:cNvPr>
-          <p:cNvSpPr/>
-          <p:nvPr/>
-        </p:nvSpPr>
-        <p:spPr>
-          <a:xfrm>
-            <a:off x="4934331" y="1959591"/>
             <a:ext cx="140086" cy="140086"/>
           </a:xfrm>
           <a:prstGeom prst="ellipse">
